--- a/19_Azure_AppService.pptx
+++ b/19_Azure_AppService.pptx
@@ -5,30 +5,44 @@
     <p:sldMasterId id="2147483649" r:id="rId1"/>
   </p:sldMasterIdLst>
   <p:notesMasterIdLst>
-    <p:notesMasterId r:id="rId23"/>
+    <p:notesMasterId r:id="rId37"/>
   </p:notesMasterIdLst>
   <p:sldIdLst>
-    <p:sldId id="405" r:id="rId2"/>
-    <p:sldId id="406" r:id="rId3"/>
-    <p:sldId id="407" r:id="rId4"/>
-    <p:sldId id="408" r:id="rId5"/>
-    <p:sldId id="409" r:id="rId6"/>
-    <p:sldId id="353" r:id="rId7"/>
-    <p:sldId id="372" r:id="rId8"/>
-    <p:sldId id="373" r:id="rId9"/>
-    <p:sldId id="423" r:id="rId10"/>
-    <p:sldId id="424" r:id="rId11"/>
-    <p:sldId id="350" r:id="rId12"/>
-    <p:sldId id="420" r:id="rId13"/>
-    <p:sldId id="422" r:id="rId14"/>
-    <p:sldId id="421" r:id="rId15"/>
-    <p:sldId id="425" r:id="rId16"/>
-    <p:sldId id="430" r:id="rId17"/>
-    <p:sldId id="426" r:id="rId18"/>
-    <p:sldId id="427" r:id="rId19"/>
-    <p:sldId id="428" r:id="rId20"/>
-    <p:sldId id="429" r:id="rId21"/>
-    <p:sldId id="431" r:id="rId22"/>
+    <p:sldId id="398" r:id="rId2"/>
+    <p:sldId id="444" r:id="rId3"/>
+    <p:sldId id="445" r:id="rId4"/>
+    <p:sldId id="446" r:id="rId5"/>
+    <p:sldId id="447" r:id="rId6"/>
+    <p:sldId id="448" r:id="rId7"/>
+    <p:sldId id="399" r:id="rId8"/>
+    <p:sldId id="435" r:id="rId9"/>
+    <p:sldId id="436" r:id="rId10"/>
+    <p:sldId id="437" r:id="rId11"/>
+    <p:sldId id="438" r:id="rId12"/>
+    <p:sldId id="440" r:id="rId13"/>
+    <p:sldId id="441" r:id="rId14"/>
+    <p:sldId id="442" r:id="rId15"/>
+    <p:sldId id="405" r:id="rId16"/>
+    <p:sldId id="406" r:id="rId17"/>
+    <p:sldId id="407" r:id="rId18"/>
+    <p:sldId id="408" r:id="rId19"/>
+    <p:sldId id="409" r:id="rId20"/>
+    <p:sldId id="353" r:id="rId21"/>
+    <p:sldId id="372" r:id="rId22"/>
+    <p:sldId id="373" r:id="rId23"/>
+    <p:sldId id="423" r:id="rId24"/>
+    <p:sldId id="424" r:id="rId25"/>
+    <p:sldId id="350" r:id="rId26"/>
+    <p:sldId id="420" r:id="rId27"/>
+    <p:sldId id="422" r:id="rId28"/>
+    <p:sldId id="421" r:id="rId29"/>
+    <p:sldId id="425" r:id="rId30"/>
+    <p:sldId id="430" r:id="rId31"/>
+    <p:sldId id="426" r:id="rId32"/>
+    <p:sldId id="427" r:id="rId33"/>
+    <p:sldId id="428" r:id="rId34"/>
+    <p:sldId id="429" r:id="rId35"/>
+    <p:sldId id="431" r:id="rId36"/>
   </p:sldIdLst>
   <p:sldSz cx="9144000" cy="6858000" type="screen4x3"/>
   <p:notesSz cx="6858000" cy="9144000"/>
@@ -714,26 +728,28 @@
             <p:ph type="sldImg"/>
           </p:nvPr>
         </p:nvSpPr>
+        <p:spPr>
+          <a:xfrm>
+            <a:off x="1143000" y="762000"/>
+            <a:ext cx="4572000" cy="3429000"/>
+          </a:xfrm>
+        </p:spPr>
+      </p:sp>
+      <p:sp>
+        <p:nvSpPr>
+          <p:cNvPr id="3" name="Notes Placeholder 2"/>
+          <p:cNvSpPr>
+            <a:spLocks noGrp="1"/>
+          </p:cNvSpPr>
+          <p:nvPr>
+            <p:ph type="body" idx="1"/>
+          </p:nvPr>
+        </p:nvSpPr>
         <p:spPr/>
-      </p:sp>
-      <p:sp>
-        <p:nvSpPr>
-          <p:cNvPr id="3" name="Notes Placeholder 2"/>
-          <p:cNvSpPr>
-            <a:spLocks noGrp="1"/>
-          </p:cNvSpPr>
-          <p:nvPr>
-            <p:ph type="body" idx="1"/>
-          </p:nvPr>
-        </p:nvSpPr>
-        <p:spPr/>
         <p:txBody>
           <a:bodyPr/>
           <a:lstStyle/>
           <a:p>
-            <a:br>
-              <a:rPr lang="en-IN" dirty="0"/>
-            </a:br>
             <a:endParaRPr lang="en-US" dirty="0"/>
           </a:p>
         </p:txBody>
@@ -765,7 +781,7 @@
     </p:spTree>
     <p:extLst>
       <p:ext uri="{BB962C8B-B14F-4D97-AF65-F5344CB8AC3E}">
-        <p14:creationId xmlns:p14="http://schemas.microsoft.com/office/powerpoint/2010/main" val="3695648076"/>
+        <p14:creationId xmlns:p14="http://schemas.microsoft.com/office/powerpoint/2010/main" val="2895604853"/>
       </p:ext>
     </p:extLst>
   </p:cSld>
@@ -841,7 +857,7 @@
             <a:fld id="{798EC9C9-27F2-834F-ADEB-508D93780CE3}" type="slidenum">
               <a:rPr lang="en-US" altLang="en-US" smtClean="0"/>
               <a:pPr/>
-              <a:t>19</a:t>
+              <a:t>27</a:t>
             </a:fld>
             <a:endParaRPr lang="en-US" altLang="en-US"/>
           </a:p>
@@ -850,7 +866,7 @@
     </p:spTree>
     <p:extLst>
       <p:ext uri="{BB962C8B-B14F-4D97-AF65-F5344CB8AC3E}">
-        <p14:creationId xmlns:p14="http://schemas.microsoft.com/office/powerpoint/2010/main" val="3372208111"/>
+        <p14:creationId xmlns:p14="http://schemas.microsoft.com/office/powerpoint/2010/main" val="1995438104"/>
       </p:ext>
     </p:extLst>
   </p:cSld>
@@ -926,7 +942,437 @@
             <a:fld id="{798EC9C9-27F2-834F-ADEB-508D93780CE3}" type="slidenum">
               <a:rPr lang="en-US" altLang="en-US" smtClean="0"/>
               <a:pPr/>
-              <a:t>20</a:t>
+              <a:t>28</a:t>
+            </a:fld>
+            <a:endParaRPr lang="en-US" altLang="en-US"/>
+          </a:p>
+        </p:txBody>
+      </p:sp>
+    </p:spTree>
+    <p:extLst>
+      <p:ext uri="{BB962C8B-B14F-4D97-AF65-F5344CB8AC3E}">
+        <p14:creationId xmlns:p14="http://schemas.microsoft.com/office/powerpoint/2010/main" val="1437220876"/>
+      </p:ext>
+    </p:extLst>
+  </p:cSld>
+  <p:clrMapOvr>
+    <a:masterClrMapping/>
+  </p:clrMapOvr>
+</p:notes>
+</file>
+
+<file path=ppt/notesSlides/notesSlide12.xml><?xml version="1.0" encoding="utf-8"?>
+<p:notes xmlns:a="http://schemas.openxmlformats.org/drawingml/2006/main" xmlns:r="http://schemas.openxmlformats.org/officeDocument/2006/relationships" xmlns:p="http://schemas.openxmlformats.org/presentationml/2006/main">
+  <p:cSld>
+    <p:spTree>
+      <p:nvGrpSpPr>
+        <p:cNvPr id="1" name=""/>
+        <p:cNvGrpSpPr/>
+        <p:nvPr/>
+      </p:nvGrpSpPr>
+      <p:grpSpPr>
+        <a:xfrm>
+          <a:off x="0" y="0"/>
+          <a:ext cx="0" cy="0"/>
+          <a:chOff x="0" y="0"/>
+          <a:chExt cx="0" cy="0"/>
+        </a:xfrm>
+      </p:grpSpPr>
+      <p:sp>
+        <p:nvSpPr>
+          <p:cNvPr id="2" name="Slide Image Placeholder 1"/>
+          <p:cNvSpPr>
+            <a:spLocks noGrp="1" noRot="1" noChangeAspect="1"/>
+          </p:cNvSpPr>
+          <p:nvPr>
+            <p:ph type="sldImg"/>
+          </p:nvPr>
+        </p:nvSpPr>
+        <p:spPr>
+          <a:xfrm>
+            <a:off x="1143000" y="533400"/>
+            <a:ext cx="4572000" cy="3429000"/>
+          </a:xfrm>
+        </p:spPr>
+      </p:sp>
+      <p:sp>
+        <p:nvSpPr>
+          <p:cNvPr id="3" name="Notes Placeholder 2"/>
+          <p:cNvSpPr>
+            <a:spLocks noGrp="1"/>
+          </p:cNvSpPr>
+          <p:nvPr>
+            <p:ph type="body" idx="1"/>
+          </p:nvPr>
+        </p:nvSpPr>
+        <p:spPr/>
+        <p:txBody>
+          <a:bodyPr/>
+          <a:lstStyle/>
+          <a:p>
+            <a:endParaRPr lang="en-US" dirty="0"/>
+          </a:p>
+        </p:txBody>
+      </p:sp>
+      <p:sp>
+        <p:nvSpPr>
+          <p:cNvPr id="4" name="Slide Number Placeholder 3"/>
+          <p:cNvSpPr>
+            <a:spLocks noGrp="1"/>
+          </p:cNvSpPr>
+          <p:nvPr>
+            <p:ph type="sldNum" sz="quarter" idx="5"/>
+          </p:nvPr>
+        </p:nvSpPr>
+        <p:spPr/>
+        <p:txBody>
+          <a:bodyPr/>
+          <a:lstStyle/>
+          <a:p>
+            <a:fld id="{798EC9C9-27F2-834F-ADEB-508D93780CE3}" type="slidenum">
+              <a:rPr lang="en-US" altLang="en-US" smtClean="0"/>
+              <a:pPr/>
+              <a:t>29</a:t>
+            </a:fld>
+            <a:endParaRPr lang="en-US" altLang="en-US"/>
+          </a:p>
+        </p:txBody>
+      </p:sp>
+    </p:spTree>
+    <p:extLst>
+      <p:ext uri="{BB962C8B-B14F-4D97-AF65-F5344CB8AC3E}">
+        <p14:creationId xmlns:p14="http://schemas.microsoft.com/office/powerpoint/2010/main" val="720890441"/>
+      </p:ext>
+    </p:extLst>
+  </p:cSld>
+  <p:clrMapOvr>
+    <a:masterClrMapping/>
+  </p:clrMapOvr>
+</p:notes>
+</file>
+
+<file path=ppt/notesSlides/notesSlide13.xml><?xml version="1.0" encoding="utf-8"?>
+<p:notes xmlns:a="http://schemas.openxmlformats.org/drawingml/2006/main" xmlns:r="http://schemas.openxmlformats.org/officeDocument/2006/relationships" xmlns:p="http://schemas.openxmlformats.org/presentationml/2006/main">
+  <p:cSld>
+    <p:spTree>
+      <p:nvGrpSpPr>
+        <p:cNvPr id="1" name=""/>
+        <p:cNvGrpSpPr/>
+        <p:nvPr/>
+      </p:nvGrpSpPr>
+      <p:grpSpPr>
+        <a:xfrm>
+          <a:off x="0" y="0"/>
+          <a:ext cx="0" cy="0"/>
+          <a:chOff x="0" y="0"/>
+          <a:chExt cx="0" cy="0"/>
+        </a:xfrm>
+      </p:grpSpPr>
+      <p:sp>
+        <p:nvSpPr>
+          <p:cNvPr id="2" name="Slide Image Placeholder 1"/>
+          <p:cNvSpPr>
+            <a:spLocks noGrp="1" noRot="1" noChangeAspect="1"/>
+          </p:cNvSpPr>
+          <p:nvPr>
+            <p:ph type="sldImg"/>
+          </p:nvPr>
+        </p:nvSpPr>
+        <p:spPr/>
+      </p:sp>
+      <p:sp>
+        <p:nvSpPr>
+          <p:cNvPr id="3" name="Notes Placeholder 2"/>
+          <p:cNvSpPr>
+            <a:spLocks noGrp="1"/>
+          </p:cNvSpPr>
+          <p:nvPr>
+            <p:ph type="body" idx="1"/>
+          </p:nvPr>
+        </p:nvSpPr>
+        <p:spPr/>
+        <p:txBody>
+          <a:bodyPr/>
+          <a:lstStyle/>
+          <a:p>
+            <a:endParaRPr lang="en-US" dirty="0"/>
+          </a:p>
+        </p:txBody>
+      </p:sp>
+      <p:sp>
+        <p:nvSpPr>
+          <p:cNvPr id="4" name="Slide Number Placeholder 3"/>
+          <p:cNvSpPr>
+            <a:spLocks noGrp="1"/>
+          </p:cNvSpPr>
+          <p:nvPr>
+            <p:ph type="sldNum" sz="quarter" idx="5"/>
+          </p:nvPr>
+        </p:nvSpPr>
+        <p:spPr/>
+        <p:txBody>
+          <a:bodyPr/>
+          <a:lstStyle/>
+          <a:p>
+            <a:fld id="{798EC9C9-27F2-834F-ADEB-508D93780CE3}" type="slidenum">
+              <a:rPr lang="en-US" altLang="en-US" smtClean="0"/>
+              <a:pPr/>
+              <a:t>31</a:t>
+            </a:fld>
+            <a:endParaRPr lang="en-US" altLang="en-US"/>
+          </a:p>
+        </p:txBody>
+      </p:sp>
+    </p:spTree>
+    <p:extLst>
+      <p:ext uri="{BB962C8B-B14F-4D97-AF65-F5344CB8AC3E}">
+        <p14:creationId xmlns:p14="http://schemas.microsoft.com/office/powerpoint/2010/main" val="756888609"/>
+      </p:ext>
+    </p:extLst>
+  </p:cSld>
+  <p:clrMapOvr>
+    <a:masterClrMapping/>
+  </p:clrMapOvr>
+</p:notes>
+</file>
+
+<file path=ppt/notesSlides/notesSlide14.xml><?xml version="1.0" encoding="utf-8"?>
+<p:notes xmlns:a="http://schemas.openxmlformats.org/drawingml/2006/main" xmlns:r="http://schemas.openxmlformats.org/officeDocument/2006/relationships" xmlns:p="http://schemas.openxmlformats.org/presentationml/2006/main">
+  <p:cSld>
+    <p:spTree>
+      <p:nvGrpSpPr>
+        <p:cNvPr id="1" name=""/>
+        <p:cNvGrpSpPr/>
+        <p:nvPr/>
+      </p:nvGrpSpPr>
+      <p:grpSpPr>
+        <a:xfrm>
+          <a:off x="0" y="0"/>
+          <a:ext cx="0" cy="0"/>
+          <a:chOff x="0" y="0"/>
+          <a:chExt cx="0" cy="0"/>
+        </a:xfrm>
+      </p:grpSpPr>
+      <p:sp>
+        <p:nvSpPr>
+          <p:cNvPr id="2" name="Slide Image Placeholder 1"/>
+          <p:cNvSpPr>
+            <a:spLocks noGrp="1" noRot="1" noChangeAspect="1"/>
+          </p:cNvSpPr>
+          <p:nvPr>
+            <p:ph type="sldImg"/>
+          </p:nvPr>
+        </p:nvSpPr>
+        <p:spPr/>
+      </p:sp>
+      <p:sp>
+        <p:nvSpPr>
+          <p:cNvPr id="3" name="Notes Placeholder 2"/>
+          <p:cNvSpPr>
+            <a:spLocks noGrp="1"/>
+          </p:cNvSpPr>
+          <p:nvPr>
+            <p:ph type="body" idx="1"/>
+          </p:nvPr>
+        </p:nvSpPr>
+        <p:spPr/>
+        <p:txBody>
+          <a:bodyPr/>
+          <a:lstStyle/>
+          <a:p>
+            <a:endParaRPr lang="en-US" dirty="0"/>
+          </a:p>
+        </p:txBody>
+      </p:sp>
+      <p:sp>
+        <p:nvSpPr>
+          <p:cNvPr id="4" name="Slide Number Placeholder 3"/>
+          <p:cNvSpPr>
+            <a:spLocks noGrp="1"/>
+          </p:cNvSpPr>
+          <p:nvPr>
+            <p:ph type="sldNum" sz="quarter" idx="5"/>
+          </p:nvPr>
+        </p:nvSpPr>
+        <p:spPr/>
+        <p:txBody>
+          <a:bodyPr/>
+          <a:lstStyle/>
+          <a:p>
+            <a:fld id="{798EC9C9-27F2-834F-ADEB-508D93780CE3}" type="slidenum">
+              <a:rPr lang="en-US" altLang="en-US" smtClean="0"/>
+              <a:pPr/>
+              <a:t>32</a:t>
+            </a:fld>
+            <a:endParaRPr lang="en-US" altLang="en-US"/>
+          </a:p>
+        </p:txBody>
+      </p:sp>
+    </p:spTree>
+    <p:extLst>
+      <p:ext uri="{BB962C8B-B14F-4D97-AF65-F5344CB8AC3E}">
+        <p14:creationId xmlns:p14="http://schemas.microsoft.com/office/powerpoint/2010/main" val="1946456427"/>
+      </p:ext>
+    </p:extLst>
+  </p:cSld>
+  <p:clrMapOvr>
+    <a:masterClrMapping/>
+  </p:clrMapOvr>
+</p:notes>
+</file>
+
+<file path=ppt/notesSlides/notesSlide15.xml><?xml version="1.0" encoding="utf-8"?>
+<p:notes xmlns:a="http://schemas.openxmlformats.org/drawingml/2006/main" xmlns:r="http://schemas.openxmlformats.org/officeDocument/2006/relationships" xmlns:p="http://schemas.openxmlformats.org/presentationml/2006/main">
+  <p:cSld>
+    <p:spTree>
+      <p:nvGrpSpPr>
+        <p:cNvPr id="1" name=""/>
+        <p:cNvGrpSpPr/>
+        <p:nvPr/>
+      </p:nvGrpSpPr>
+      <p:grpSpPr>
+        <a:xfrm>
+          <a:off x="0" y="0"/>
+          <a:ext cx="0" cy="0"/>
+          <a:chOff x="0" y="0"/>
+          <a:chExt cx="0" cy="0"/>
+        </a:xfrm>
+      </p:grpSpPr>
+      <p:sp>
+        <p:nvSpPr>
+          <p:cNvPr id="2" name="Slide Image Placeholder 1"/>
+          <p:cNvSpPr>
+            <a:spLocks noGrp="1" noRot="1" noChangeAspect="1"/>
+          </p:cNvSpPr>
+          <p:nvPr>
+            <p:ph type="sldImg"/>
+          </p:nvPr>
+        </p:nvSpPr>
+        <p:spPr/>
+      </p:sp>
+      <p:sp>
+        <p:nvSpPr>
+          <p:cNvPr id="3" name="Notes Placeholder 2"/>
+          <p:cNvSpPr>
+            <a:spLocks noGrp="1"/>
+          </p:cNvSpPr>
+          <p:nvPr>
+            <p:ph type="body" idx="1"/>
+          </p:nvPr>
+        </p:nvSpPr>
+        <p:spPr/>
+        <p:txBody>
+          <a:bodyPr/>
+          <a:lstStyle/>
+          <a:p>
+            <a:endParaRPr lang="en-US" dirty="0"/>
+          </a:p>
+        </p:txBody>
+      </p:sp>
+      <p:sp>
+        <p:nvSpPr>
+          <p:cNvPr id="4" name="Slide Number Placeholder 3"/>
+          <p:cNvSpPr>
+            <a:spLocks noGrp="1"/>
+          </p:cNvSpPr>
+          <p:nvPr>
+            <p:ph type="sldNum" sz="quarter" idx="5"/>
+          </p:nvPr>
+        </p:nvSpPr>
+        <p:spPr/>
+        <p:txBody>
+          <a:bodyPr/>
+          <a:lstStyle/>
+          <a:p>
+            <a:fld id="{798EC9C9-27F2-834F-ADEB-508D93780CE3}" type="slidenum">
+              <a:rPr lang="en-US" altLang="en-US" smtClean="0"/>
+              <a:pPr/>
+              <a:t>33</a:t>
+            </a:fld>
+            <a:endParaRPr lang="en-US" altLang="en-US"/>
+          </a:p>
+        </p:txBody>
+      </p:sp>
+    </p:spTree>
+    <p:extLst>
+      <p:ext uri="{BB962C8B-B14F-4D97-AF65-F5344CB8AC3E}">
+        <p14:creationId xmlns:p14="http://schemas.microsoft.com/office/powerpoint/2010/main" val="3372208111"/>
+      </p:ext>
+    </p:extLst>
+  </p:cSld>
+  <p:clrMapOvr>
+    <a:masterClrMapping/>
+  </p:clrMapOvr>
+</p:notes>
+</file>
+
+<file path=ppt/notesSlides/notesSlide16.xml><?xml version="1.0" encoding="utf-8"?>
+<p:notes xmlns:a="http://schemas.openxmlformats.org/drawingml/2006/main" xmlns:r="http://schemas.openxmlformats.org/officeDocument/2006/relationships" xmlns:p="http://schemas.openxmlformats.org/presentationml/2006/main">
+  <p:cSld>
+    <p:spTree>
+      <p:nvGrpSpPr>
+        <p:cNvPr id="1" name=""/>
+        <p:cNvGrpSpPr/>
+        <p:nvPr/>
+      </p:nvGrpSpPr>
+      <p:grpSpPr>
+        <a:xfrm>
+          <a:off x="0" y="0"/>
+          <a:ext cx="0" cy="0"/>
+          <a:chOff x="0" y="0"/>
+          <a:chExt cx="0" cy="0"/>
+        </a:xfrm>
+      </p:grpSpPr>
+      <p:sp>
+        <p:nvSpPr>
+          <p:cNvPr id="2" name="Slide Image Placeholder 1"/>
+          <p:cNvSpPr>
+            <a:spLocks noGrp="1" noRot="1" noChangeAspect="1"/>
+          </p:cNvSpPr>
+          <p:nvPr>
+            <p:ph type="sldImg"/>
+          </p:nvPr>
+        </p:nvSpPr>
+        <p:spPr/>
+      </p:sp>
+      <p:sp>
+        <p:nvSpPr>
+          <p:cNvPr id="3" name="Notes Placeholder 2"/>
+          <p:cNvSpPr>
+            <a:spLocks noGrp="1"/>
+          </p:cNvSpPr>
+          <p:nvPr>
+            <p:ph type="body" idx="1"/>
+          </p:nvPr>
+        </p:nvSpPr>
+        <p:spPr/>
+        <p:txBody>
+          <a:bodyPr/>
+          <a:lstStyle/>
+          <a:p>
+            <a:endParaRPr lang="en-US" dirty="0"/>
+          </a:p>
+        </p:txBody>
+      </p:sp>
+      <p:sp>
+        <p:nvSpPr>
+          <p:cNvPr id="4" name="Slide Number Placeholder 3"/>
+          <p:cNvSpPr>
+            <a:spLocks noGrp="1"/>
+          </p:cNvSpPr>
+          <p:nvPr>
+            <p:ph type="sldNum" sz="quarter" idx="5"/>
+          </p:nvPr>
+        </p:nvSpPr>
+        <p:spPr/>
+        <p:txBody>
+          <a:bodyPr/>
+          <a:lstStyle/>
+          <a:p>
+            <a:fld id="{798EC9C9-27F2-834F-ADEB-508D93780CE3}" type="slidenum">
+              <a:rPr lang="en-US" altLang="en-US" smtClean="0"/>
+              <a:pPr/>
+              <a:t>34</a:t>
             </a:fld>
             <a:endParaRPr lang="en-US" altLang="en-US"/>
           </a:p>
@@ -989,9 +1435,6 @@
           <a:bodyPr/>
           <a:lstStyle/>
           <a:p>
-            <a:br>
-              <a:rPr lang="en-IN" dirty="0"/>
-            </a:br>
             <a:endParaRPr lang="en-US" dirty="0"/>
           </a:p>
         </p:txBody>
@@ -1014,7 +1457,7 @@
             <a:fld id="{798EC9C9-27F2-834F-ADEB-508D93780CE3}" type="slidenum">
               <a:rPr lang="en-US" altLang="en-US" smtClean="0"/>
               <a:pPr/>
-              <a:t>6</a:t>
+              <a:t>7</a:t>
             </a:fld>
             <a:endParaRPr lang="en-US" altLang="en-US"/>
           </a:p>
@@ -1023,7 +1466,7 @@
     </p:spTree>
     <p:extLst>
       <p:ext uri="{BB962C8B-B14F-4D97-AF65-F5344CB8AC3E}">
-        <p14:creationId xmlns:p14="http://schemas.microsoft.com/office/powerpoint/2010/main" val="1500683099"/>
+        <p14:creationId xmlns:p14="http://schemas.microsoft.com/office/powerpoint/2010/main" val="4223613408"/>
       </p:ext>
     </p:extLst>
   </p:cSld>
@@ -1099,7 +1542,7 @@
             <a:fld id="{798EC9C9-27F2-834F-ADEB-508D93780CE3}" type="slidenum">
               <a:rPr lang="en-US" altLang="en-US" smtClean="0"/>
               <a:pPr/>
-              <a:t>9</a:t>
+              <a:t>8</a:t>
             </a:fld>
             <a:endParaRPr lang="en-US" altLang="en-US"/>
           </a:p>
@@ -1108,7 +1551,7 @@
     </p:spTree>
     <p:extLst>
       <p:ext uri="{BB962C8B-B14F-4D97-AF65-F5344CB8AC3E}">
-        <p14:creationId xmlns:p14="http://schemas.microsoft.com/office/powerpoint/2010/main" val="4131232846"/>
+        <p14:creationId xmlns:p14="http://schemas.microsoft.com/office/powerpoint/2010/main" val="2309535126"/>
       </p:ext>
     </p:extLst>
   </p:cSld>
@@ -1184,7 +1627,7 @@
             <a:fld id="{798EC9C9-27F2-834F-ADEB-508D93780CE3}" type="slidenum">
               <a:rPr lang="en-US" altLang="en-US" smtClean="0"/>
               <a:pPr/>
-              <a:t>12</a:t>
+              <a:t>9</a:t>
             </a:fld>
             <a:endParaRPr lang="en-US" altLang="en-US"/>
           </a:p>
@@ -1193,7 +1636,7 @@
     </p:spTree>
     <p:extLst>
       <p:ext uri="{BB962C8B-B14F-4D97-AF65-F5344CB8AC3E}">
-        <p14:creationId xmlns:p14="http://schemas.microsoft.com/office/powerpoint/2010/main" val="654926972"/>
+        <p14:creationId xmlns:p14="http://schemas.microsoft.com/office/powerpoint/2010/main" val="2673754570"/>
       </p:ext>
     </p:extLst>
   </p:cSld>
@@ -1269,7 +1712,7 @@
             <a:fld id="{798EC9C9-27F2-834F-ADEB-508D93780CE3}" type="slidenum">
               <a:rPr lang="en-US" altLang="en-US" smtClean="0"/>
               <a:pPr/>
-              <a:t>13</a:t>
+              <a:t>10</a:t>
             </a:fld>
             <a:endParaRPr lang="en-US" altLang="en-US"/>
           </a:p>
@@ -1278,7 +1721,7 @@
     </p:spTree>
     <p:extLst>
       <p:ext uri="{BB962C8B-B14F-4D97-AF65-F5344CB8AC3E}">
-        <p14:creationId xmlns:p14="http://schemas.microsoft.com/office/powerpoint/2010/main" val="1995438104"/>
+        <p14:creationId xmlns:p14="http://schemas.microsoft.com/office/powerpoint/2010/main" val="3462969396"/>
       </p:ext>
     </p:extLst>
   </p:cSld>
@@ -1332,6 +1775,9 @@
           <a:bodyPr/>
           <a:lstStyle/>
           <a:p>
+            <a:br>
+              <a:rPr lang="en-IN" dirty="0"/>
+            </a:br>
             <a:endParaRPr lang="en-US" dirty="0"/>
           </a:p>
         </p:txBody>
@@ -1354,7 +1800,7 @@
             <a:fld id="{798EC9C9-27F2-834F-ADEB-508D93780CE3}" type="slidenum">
               <a:rPr lang="en-US" altLang="en-US" smtClean="0"/>
               <a:pPr/>
-              <a:t>14</a:t>
+              <a:t>15</a:t>
             </a:fld>
             <a:endParaRPr lang="en-US" altLang="en-US"/>
           </a:p>
@@ -1363,7 +1809,7 @@
     </p:spTree>
     <p:extLst>
       <p:ext uri="{BB962C8B-B14F-4D97-AF65-F5344CB8AC3E}">
-        <p14:creationId xmlns:p14="http://schemas.microsoft.com/office/powerpoint/2010/main" val="1437220876"/>
+        <p14:creationId xmlns:p14="http://schemas.microsoft.com/office/powerpoint/2010/main" val="698388806"/>
       </p:ext>
     </p:extLst>
   </p:cSld>
@@ -1400,12 +1846,7 @@
             <p:ph type="sldImg"/>
           </p:nvPr>
         </p:nvSpPr>
-        <p:spPr>
-          <a:xfrm>
-            <a:off x="1143000" y="533400"/>
-            <a:ext cx="4572000" cy="3429000"/>
-          </a:xfrm>
-        </p:spPr>
+        <p:spPr/>
       </p:sp>
       <p:sp>
         <p:nvSpPr>
@@ -1422,6 +1863,9 @@
           <a:bodyPr/>
           <a:lstStyle/>
           <a:p>
+            <a:br>
+              <a:rPr lang="en-IN" dirty="0"/>
+            </a:br>
             <a:endParaRPr lang="en-US" dirty="0"/>
           </a:p>
         </p:txBody>
@@ -1444,7 +1888,7 @@
             <a:fld id="{798EC9C9-27F2-834F-ADEB-508D93780CE3}" type="slidenum">
               <a:rPr lang="en-US" altLang="en-US" smtClean="0"/>
               <a:pPr/>
-              <a:t>15</a:t>
+              <a:t>20</a:t>
             </a:fld>
             <a:endParaRPr lang="en-US" altLang="en-US"/>
           </a:p>
@@ -1453,7 +1897,7 @@
     </p:spTree>
     <p:extLst>
       <p:ext uri="{BB962C8B-B14F-4D97-AF65-F5344CB8AC3E}">
-        <p14:creationId xmlns:p14="http://schemas.microsoft.com/office/powerpoint/2010/main" val="720890441"/>
+        <p14:creationId xmlns:p14="http://schemas.microsoft.com/office/powerpoint/2010/main" val="1500683099"/>
       </p:ext>
     </p:extLst>
   </p:cSld>
@@ -1529,7 +1973,7 @@
             <a:fld id="{798EC9C9-27F2-834F-ADEB-508D93780CE3}" type="slidenum">
               <a:rPr lang="en-US" altLang="en-US" smtClean="0"/>
               <a:pPr/>
-              <a:t>17</a:t>
+              <a:t>23</a:t>
             </a:fld>
             <a:endParaRPr lang="en-US" altLang="en-US"/>
           </a:p>
@@ -1538,7 +1982,7 @@
     </p:spTree>
     <p:extLst>
       <p:ext uri="{BB962C8B-B14F-4D97-AF65-F5344CB8AC3E}">
-        <p14:creationId xmlns:p14="http://schemas.microsoft.com/office/powerpoint/2010/main" val="756888609"/>
+        <p14:creationId xmlns:p14="http://schemas.microsoft.com/office/powerpoint/2010/main" val="4131232846"/>
       </p:ext>
     </p:extLst>
   </p:cSld>
@@ -1614,7 +2058,7 @@
             <a:fld id="{798EC9C9-27F2-834F-ADEB-508D93780CE3}" type="slidenum">
               <a:rPr lang="en-US" altLang="en-US" smtClean="0"/>
               <a:pPr/>
-              <a:t>18</a:t>
+              <a:t>26</a:t>
             </a:fld>
             <a:endParaRPr lang="en-US" altLang="en-US"/>
           </a:p>
@@ -1623,7 +2067,7 @@
     </p:spTree>
     <p:extLst>
       <p:ext uri="{BB962C8B-B14F-4D97-AF65-F5344CB8AC3E}">
-        <p14:creationId xmlns:p14="http://schemas.microsoft.com/office/powerpoint/2010/main" val="1946456427"/>
+        <p14:creationId xmlns:p14="http://schemas.microsoft.com/office/powerpoint/2010/main" val="654926972"/>
       </p:ext>
     </p:extLst>
   </p:cSld>
@@ -5416,7 +5860,7 @@
           <p:cNvPr id="2" name="Title 1">
             <a:extLst>
               <a:ext uri="{FF2B5EF4-FFF2-40B4-BE49-F238E27FC236}">
-                <a16:creationId xmlns:a16="http://schemas.microsoft.com/office/drawing/2014/main" id="{A1BA1980-9E09-72F9-BCF8-596BB6975457}"/>
+                <a16:creationId xmlns:a16="http://schemas.microsoft.com/office/drawing/2014/main" id="{DA0702F6-4CDC-6C84-8ACB-98438C597C18}"/>
               </a:ext>
             </a:extLst>
           </p:cNvPr>
@@ -5432,10 +5876,16 @@
           <a:bodyPr/>
           <a:lstStyle/>
           <a:p>
-            <a:r>
-              <a:rPr lang="en-IN" b="1" dirty="0"/>
-              <a:t>Azure App Services</a:t>
-            </a:r>
+            <a:br>
+              <a:rPr lang="en-US" dirty="0"/>
+            </a:br>
+            <a:r>
+              <a:rPr lang="en-US" dirty="0"/>
+              <a:t>Azure Virtual Machines </a:t>
+            </a:r>
+            <a:br>
+              <a:rPr lang="en-US" dirty="0"/>
+            </a:br>
             <a:endParaRPr lang="en-US" dirty="0"/>
           </a:p>
         </p:txBody>
@@ -5445,7 +5895,7 @@
           <p:cNvPr id="3" name="Content Placeholder 2">
             <a:extLst>
               <a:ext uri="{FF2B5EF4-FFF2-40B4-BE49-F238E27FC236}">
-                <a16:creationId xmlns:a16="http://schemas.microsoft.com/office/drawing/2014/main" id="{4827ECD9-C966-5452-57DA-D7A2EE7C8BA6}"/>
+                <a16:creationId xmlns:a16="http://schemas.microsoft.com/office/drawing/2014/main" id="{D9E1507E-E9A4-C17D-A531-B2ABB6C7A600}"/>
               </a:ext>
             </a:extLst>
           </p:cNvPr>
@@ -5456,19 +5906,14 @@
             <p:ph idx="1"/>
           </p:nvPr>
         </p:nvSpPr>
-        <p:spPr>
-          <a:xfrm>
-            <a:off x="457200" y="868364"/>
-            <a:ext cx="8229600" cy="5257800"/>
-          </a:xfrm>
-        </p:spPr>
+        <p:spPr/>
         <p:txBody>
           <a:bodyPr/>
           <a:lstStyle/>
           <a:p>
             <a:r>
               <a:rPr lang="en-IN" sz="2000" dirty="0"/>
-              <a:t>Fully managed Platform as a Service (PaaS) for hosting web apps, APIs, and mobile backends. </a:t>
+              <a:t>Azure Virtual Machines provide on-demand, scalable computing resources in the cloud</a:t>
             </a:r>
           </a:p>
           <a:p>
@@ -5477,70 +5922,68 @@
           <a:p>
             <a:r>
               <a:rPr lang="en-IN" sz="2000" dirty="0"/>
-              <a:t>It is language-agnostic and supports various languages, including Java, .NET, Node.js, and Python. </a:t>
+              <a:t>Its categorized by workload </a:t>
+            </a:r>
+          </a:p>
+          <a:p>
+            <a:pPr lvl="1">
+              <a:lnSpc>
+                <a:spcPct val="150000"/>
+              </a:lnSpc>
+            </a:pPr>
+            <a:r>
+              <a:rPr lang="en-IN" sz="1800" dirty="0"/>
+              <a:t>General Purpose (D-series)</a:t>
+            </a:r>
+          </a:p>
+          <a:p>
+            <a:pPr lvl="1">
+              <a:lnSpc>
+                <a:spcPct val="150000"/>
+              </a:lnSpc>
+            </a:pPr>
+            <a:r>
+              <a:rPr lang="en-IN" sz="1800" dirty="0"/>
+              <a:t>Compute Optimized (F-series)</a:t>
+            </a:r>
+          </a:p>
+          <a:p>
+            <a:pPr lvl="1">
+              <a:lnSpc>
+                <a:spcPct val="150000"/>
+              </a:lnSpc>
+            </a:pPr>
+            <a:r>
+              <a:rPr lang="en-IN" sz="1800" dirty="0"/>
+              <a:t>Memory Optimized (E/M-series)</a:t>
+            </a:r>
+          </a:p>
+          <a:p>
+            <a:pPr lvl="1">
+              <a:lnSpc>
+                <a:spcPct val="150000"/>
+              </a:lnSpc>
+            </a:pPr>
+            <a:r>
+              <a:rPr lang="en-IN" sz="1800" dirty="0"/>
+              <a:t>Storage Optimized (L-series)</a:t>
+            </a:r>
+          </a:p>
+          <a:p>
+            <a:pPr lvl="1">
+              <a:lnSpc>
+                <a:spcPct val="150000"/>
+              </a:lnSpc>
+            </a:pPr>
+            <a:r>
+              <a:rPr lang="en-IN" sz="1800" dirty="0"/>
+              <a:t>GPU/High-Performance (N-series). </a:t>
             </a:r>
           </a:p>
           <a:p>
             <a:endParaRPr lang="en-IN" sz="2000" dirty="0"/>
           </a:p>
           <a:p>
-            <a:pPr lvl="1"/>
-            <a:r>
-              <a:rPr lang="en-IN" sz="2000" i="1" dirty="0"/>
-              <a:t>Server management, Scaling, Security and operations are taken care by Azure ,</a:t>
-            </a:r>
-          </a:p>
-          <a:p>
-            <a:endParaRPr lang="en-IN" sz="2000" dirty="0"/>
-          </a:p>
-          <a:p>
-            <a:r>
-              <a:rPr lang="en-IN" sz="2000" dirty="0"/>
-              <a:t>It also supports</a:t>
-            </a:r>
-          </a:p>
-          <a:p>
-            <a:pPr lvl="1"/>
-            <a:r>
-              <a:rPr lang="en-IN" sz="1800" dirty="0"/>
-              <a:t>CI/CD integration</a:t>
-            </a:r>
-          </a:p>
-          <a:p>
-            <a:pPr lvl="1"/>
-            <a:r>
-              <a:rPr lang="en-IN" sz="1800" dirty="0"/>
-              <a:t>Custom domains</a:t>
-            </a:r>
-          </a:p>
-          <a:p>
-            <a:pPr lvl="1"/>
-            <a:r>
-              <a:rPr lang="en-IN" sz="1800" dirty="0"/>
-              <a:t>SSL</a:t>
-            </a:r>
-          </a:p>
-          <a:p>
-            <a:pPr lvl="1"/>
-            <a:r>
-              <a:rPr lang="en-IN" sz="1800" dirty="0"/>
-              <a:t>Autoscaling</a:t>
-            </a:r>
-          </a:p>
-          <a:p>
-            <a:pPr lvl="1"/>
-            <a:r>
-              <a:rPr lang="en-IN" sz="1800" dirty="0"/>
-              <a:t>Staging environments</a:t>
-            </a:r>
-          </a:p>
-          <a:p>
-            <a:endParaRPr lang="en-IN" sz="2000" dirty="0"/>
-          </a:p>
-          <a:p>
-            <a:br>
-              <a:rPr lang="en-IN" sz="2000" dirty="0"/>
-            </a:br>
             <a:endParaRPr lang="en-US" sz="2000" dirty="0"/>
           </a:p>
         </p:txBody>
@@ -5548,7 +5991,7 @@
     </p:spTree>
     <p:extLst>
       <p:ext uri="{BB962C8B-B14F-4D97-AF65-F5344CB8AC3E}">
-        <p14:creationId xmlns:p14="http://schemas.microsoft.com/office/powerpoint/2010/main" val="1078677317"/>
+        <p14:creationId xmlns:p14="http://schemas.microsoft.com/office/powerpoint/2010/main" val="3214143050"/>
       </p:ext>
     </p:extLst>
   </p:cSld>
@@ -5580,7 +6023,7 @@
           <p:cNvPr id="2" name="Title 1">
             <a:extLst>
               <a:ext uri="{FF2B5EF4-FFF2-40B4-BE49-F238E27FC236}">
-                <a16:creationId xmlns:a16="http://schemas.microsoft.com/office/drawing/2014/main" id="{0EAC6EB8-D472-6D1A-6BD4-25EFB0DC8574}"/>
+                <a16:creationId xmlns:a16="http://schemas.microsoft.com/office/drawing/2014/main" id="{A1C1E861-F822-C1F3-F11E-177EAB075E6C}"/>
               </a:ext>
             </a:extLst>
           </p:cNvPr>
@@ -5596,21 +6039,10 @@
           <a:bodyPr/>
           <a:lstStyle/>
           <a:p>
-            <a:br>
-              <a:rPr lang="en-IN" b="1" dirty="0"/>
-            </a:br>
-            <a:r>
-              <a:rPr lang="en-IN" b="1" dirty="0"/>
-              <a:t>Common Deployment Sources in Azure</a:t>
-            </a:r>
-            <a:r>
-              <a:rPr lang="en-IN" dirty="0"/>
-              <a:t>:</a:t>
-            </a:r>
-            <a:br>
-              <a:rPr lang="en-IN" dirty="0"/>
-            </a:br>
-            <a:endParaRPr lang="en-US" dirty="0"/>
+            <a:r>
+              <a:rPr lang="en-US" dirty="0"/>
+              <a:t>Blob Container</a:t>
+            </a:r>
           </a:p>
         </p:txBody>
       </p:sp>
@@ -5619,7 +6051,7 @@
           <p:cNvPr id="3" name="Content Placeholder 2">
             <a:extLst>
               <a:ext uri="{FF2B5EF4-FFF2-40B4-BE49-F238E27FC236}">
-                <a16:creationId xmlns:a16="http://schemas.microsoft.com/office/drawing/2014/main" id="{06060628-6CE8-BA14-3555-227970DA76C0}"/>
+                <a16:creationId xmlns:a16="http://schemas.microsoft.com/office/drawing/2014/main" id="{C4FBEC35-032F-3484-7B1D-336A8C62BE70}"/>
               </a:ext>
             </a:extLst>
           </p:cNvPr>
@@ -5636,124 +6068,62 @@
           <a:lstStyle/>
           <a:p>
             <a:r>
-              <a:rPr lang="en-IN" sz="1800" b="1" dirty="0"/>
-              <a:t>Azure Container Registry (ACR)</a:t>
-            </a:r>
+              <a:rPr lang="en-IN" sz="2000" dirty="0"/>
+              <a:t>A digital drawer to organize blobs within a storage account.</a:t>
+            </a:r>
+          </a:p>
+          <a:p>
+            <a:pPr lvl="1"/>
             <a:r>
               <a:rPr lang="en-IN" sz="1800" dirty="0"/>
-              <a:t>: </a:t>
-            </a:r>
-          </a:p>
-          <a:p>
-            <a:pPr lvl="1"/>
-            <a:r>
-              <a:rPr lang="en-IN" sz="1800" dirty="0"/>
-              <a:t>Ideal for private, production-grade deployments with robust security and management features.</a:t>
-            </a:r>
-          </a:p>
-          <a:p>
-            <a:r>
-              <a:rPr lang="en-IN" sz="1800" b="1" dirty="0"/>
-              <a:t>Docker Hub</a:t>
-            </a:r>
-            <a:r>
-              <a:rPr lang="en-IN" sz="1800" dirty="0"/>
-              <a:t>: </a:t>
-            </a:r>
-          </a:p>
-          <a:p>
-            <a:pPr lvl="1"/>
-            <a:r>
-              <a:rPr lang="en-IN" sz="1800" dirty="0"/>
-              <a:t>Suitable for both public and private images. For private images, you'll need to provide credentials to Azure services like App Service or ACI.</a:t>
-            </a:r>
-          </a:p>
-          <a:p>
-            <a:r>
-              <a:rPr lang="en-IN" sz="1800" b="1" dirty="0"/>
-              <a:t>Other Private Registries</a:t>
-            </a:r>
-            <a:r>
-              <a:rPr lang="en-IN" sz="1800" dirty="0"/>
-              <a:t>: </a:t>
-            </a:r>
-          </a:p>
-          <a:p>
-            <a:pPr lvl="1"/>
-            <a:r>
-              <a:rPr lang="en-IN" sz="1800" dirty="0"/>
-              <a:t>You can use other third-party container registries by specifying the login server, username, and password during deployment configuration.</a:t>
-            </a:r>
-          </a:p>
-          <a:p>
-            <a:r>
-              <a:rPr lang="en-IN" sz="1800" b="1" dirty="0" err="1"/>
-              <a:t>Quickstart</a:t>
-            </a:r>
-            <a:r>
-              <a:rPr lang="en-IN" sz="1800" b="1" dirty="0"/>
-              <a:t> Images</a:t>
-            </a:r>
-            <a:r>
-              <a:rPr lang="en-IN" sz="1800" dirty="0"/>
-              <a:t>: </a:t>
-            </a:r>
-          </a:p>
-          <a:p>
-            <a:pPr lvl="1"/>
-            <a:r>
-              <a:rPr lang="en-IN" sz="1800" dirty="0"/>
-              <a:t>For testing purposes, Azure services often provide </a:t>
-            </a:r>
-            <a:r>
-              <a:rPr lang="en-IN" sz="1800" dirty="0" err="1"/>
-              <a:t>quickstart</a:t>
-            </a:r>
-            <a:r>
-              <a:rPr lang="en-IN" sz="1800" dirty="0"/>
-              <a:t> images (e.g., </a:t>
-            </a:r>
-            <a:r>
-              <a:rPr lang="en-IN" sz="1800" dirty="0" err="1"/>
-              <a:t>mcr.microsoft.com</a:t>
-            </a:r>
-            <a:r>
-              <a:rPr lang="en-IN" sz="1800" dirty="0"/>
-              <a:t>/</a:t>
-            </a:r>
-            <a:r>
-              <a:rPr lang="en-IN" sz="1800" dirty="0" err="1"/>
-              <a:t>azuredocs</a:t>
-            </a:r>
-            <a:r>
-              <a:rPr lang="en-IN" sz="1800" dirty="0"/>
-              <a:t>/</a:t>
-            </a:r>
-            <a:r>
-              <a:rPr lang="en-IN" sz="1800" dirty="0" err="1"/>
-              <a:t>aci-helloworld</a:t>
-            </a:r>
-            <a:r>
-              <a:rPr lang="en-IN" sz="1800" dirty="0"/>
-              <a:t>) which are publicly available. </a:t>
-            </a:r>
-          </a:p>
-          <a:p>
-            <a:pPr lvl="1"/>
-            <a:r>
-              <a:rPr lang="en-IN" sz="1800" dirty="0"/>
-              <a:t>ACR is considered a best practice for production and private container image management within the Azure ecosystem. </a:t>
-            </a:r>
-          </a:p>
-          <a:p>
-            <a:endParaRPr lang="en-US" sz="1800" dirty="0"/>
+              <a:t>Store video files, logs, backups in separate containers.</a:t>
+            </a:r>
+          </a:p>
+          <a:p>
+            <a:endParaRPr lang="en-IN" sz="2000" dirty="0"/>
+          </a:p>
+          <a:p>
+            <a:r>
+              <a:rPr lang="en-IN" sz="2000" dirty="0"/>
+              <a:t>Storage account can hold unlimited containers, and each Azure blob container can store an unlimited number of blobs, scaling to hundreds of terabytes.</a:t>
+            </a:r>
+          </a:p>
+          <a:p>
+            <a:endParaRPr lang="en-IN" sz="2000" dirty="0"/>
+          </a:p>
+          <a:p>
+            <a:r>
+              <a:rPr lang="en-IN" sz="2000" dirty="0"/>
+              <a:t>Containers will have a valid IP address to form a Unique Resource Identifier (URI). </a:t>
+            </a:r>
+          </a:p>
+          <a:p>
+            <a:endParaRPr lang="en-IN" sz="2000" dirty="0"/>
+          </a:p>
+          <a:p>
+            <a:r>
+              <a:rPr lang="en-IN" sz="2000" dirty="0"/>
+              <a:t>Can use URL path to access the container and its data over the web.</a:t>
+            </a:r>
+          </a:p>
+          <a:p>
+            <a:pPr marL="0" indent="0">
+              <a:buNone/>
+            </a:pPr>
+            <a:br>
+              <a:rPr lang="en-IN" sz="2000" dirty="0"/>
+            </a:br>
+            <a:endParaRPr lang="en-US" sz="2000" dirty="0"/>
+          </a:p>
+          <a:p>
+            <a:endParaRPr lang="en-US" sz="2000" dirty="0"/>
           </a:p>
         </p:txBody>
       </p:sp>
     </p:spTree>
     <p:extLst>
       <p:ext uri="{BB962C8B-B14F-4D97-AF65-F5344CB8AC3E}">
-        <p14:creationId xmlns:p14="http://schemas.microsoft.com/office/powerpoint/2010/main" val="3344062658"/>
+        <p14:creationId xmlns:p14="http://schemas.microsoft.com/office/powerpoint/2010/main" val="1448714394"/>
       </p:ext>
     </p:extLst>
   </p:cSld>
@@ -5785,7 +6155,7 @@
           <p:cNvPr id="2" name="Title 1">
             <a:extLst>
               <a:ext uri="{FF2B5EF4-FFF2-40B4-BE49-F238E27FC236}">
-                <a16:creationId xmlns:a16="http://schemas.microsoft.com/office/drawing/2014/main" id="{05C7A128-1824-1E57-6ED1-2B3B2D8B26AF}"/>
+                <a16:creationId xmlns:a16="http://schemas.microsoft.com/office/drawing/2014/main" id="{78C8A696-2A78-C59F-8EEB-4A6FB08D3D3D}"/>
               </a:ext>
             </a:extLst>
           </p:cNvPr>
@@ -5802,10 +6172,9 @@
           <a:lstStyle/>
           <a:p>
             <a:r>
-              <a:rPr lang="en-IN" b="1" dirty="0"/>
-              <a:t>Azure CLI</a:t>
-            </a:r>
-            <a:endParaRPr lang="en-US" dirty="0"/>
+              <a:rPr lang="en-US" dirty="0"/>
+              <a:t>Creating a Blob Account</a:t>
+            </a:r>
           </a:p>
         </p:txBody>
       </p:sp>
@@ -5814,7 +6183,7 @@
           <p:cNvPr id="3" name="Content Placeholder 2">
             <a:extLst>
               <a:ext uri="{FF2B5EF4-FFF2-40B4-BE49-F238E27FC236}">
-                <a16:creationId xmlns:a16="http://schemas.microsoft.com/office/drawing/2014/main" id="{867C39EA-2246-75E0-062A-FAE9C6074E2F}"/>
+                <a16:creationId xmlns:a16="http://schemas.microsoft.com/office/drawing/2014/main" id="{2AF475DC-7DD3-19EE-9115-5782674A16C9}"/>
               </a:ext>
             </a:extLst>
           </p:cNvPr>
@@ -5831,75 +6200,143 @@
           <a:lstStyle/>
           <a:p>
             <a:r>
-              <a:rPr lang="en-IN" sz="2000" dirty="0"/>
-              <a:t>Cross-platform command-line tool to connect to Azure and execute administrative commands </a:t>
-            </a:r>
-          </a:p>
-          <a:p>
-            <a:pPr lvl="1"/>
-            <a:r>
-              <a:rPr lang="en-IN" sz="1800" dirty="0"/>
-              <a:t>Fast, efficient way to manage cloud resources</a:t>
-            </a:r>
-          </a:p>
-          <a:p>
-            <a:pPr lvl="1"/>
-            <a:r>
-              <a:rPr lang="en-IN" sz="1800" dirty="0"/>
-              <a:t>Used for repetitive or automated tasks. </a:t>
-            </a:r>
-          </a:p>
-          <a:p>
-            <a:endParaRPr lang="en-IN" sz="2000" dirty="0"/>
-          </a:p>
-          <a:p>
-            <a:r>
-              <a:rPr lang="en-IN" sz="2000" dirty="0">
-                <a:solidFill>
-                  <a:srgbClr val="C00000"/>
-                </a:solidFill>
-              </a:rPr>
-              <a:t>brew install azure-cli</a:t>
-            </a:r>
-          </a:p>
-          <a:p>
-            <a:endParaRPr lang="en-IN" sz="2000" b="1" dirty="0"/>
-          </a:p>
-          <a:p>
-            <a:r>
-              <a:rPr lang="en-IN" sz="2000" b="1" dirty="0"/>
-              <a:t>On successful  installation </a:t>
-            </a:r>
-          </a:p>
-          <a:p>
-            <a:pPr lvl="1">
-              <a:lnSpc>
-                <a:spcPct val="150000"/>
-              </a:lnSpc>
+              <a:rPr lang="en-US" sz="2000" dirty="0" err="1"/>
+              <a:t>az</a:t>
+            </a:r>
+            <a:r>
+              <a:rPr lang="en-US" sz="2000" dirty="0"/>
+              <a:t> group create --name </a:t>
+            </a:r>
+            <a:r>
+              <a:rPr lang="en-US" sz="2000" dirty="0" err="1"/>
+              <a:t>img</a:t>
+            </a:r>
+            <a:r>
+              <a:rPr lang="en-US" sz="2000" dirty="0"/>
+              <a:t>-grp --location </a:t>
+            </a:r>
+            <a:r>
+              <a:rPr lang="en-US" sz="2000" dirty="0" err="1"/>
+              <a:t>southindia</a:t>
+            </a:r>
+            <a:r>
+              <a:rPr lang="en-US" sz="2000" dirty="0"/>
+              <a:t> </a:t>
+            </a:r>
+          </a:p>
+          <a:p>
+            <a:endParaRPr lang="en-US" sz="2000" dirty="0"/>
+          </a:p>
+          <a:p>
+            <a:r>
+              <a:rPr lang="en-US" sz="2000" dirty="0"/>
+              <a:t>Create a Store Account </a:t>
+            </a:r>
+          </a:p>
+          <a:p>
+            <a:endParaRPr lang="en-US" sz="2000" dirty="0"/>
+          </a:p>
+          <a:p>
+            <a:pPr marL="457200" lvl="1" indent="0">
+              <a:buNone/>
             </a:pPr>
             <a:r>
-              <a:rPr lang="en-IN" sz="2000" dirty="0" err="1"/>
+              <a:rPr lang="en-US" sz="1800" dirty="0" err="1"/>
               <a:t>az</a:t>
             </a:r>
             <a:r>
-              <a:rPr lang="en-IN" sz="2000" dirty="0"/>
-              <a:t> version</a:t>
-            </a:r>
-          </a:p>
-          <a:p>
-            <a:pPr lvl="1">
-              <a:lnSpc>
-                <a:spcPct val="150000"/>
-              </a:lnSpc>
+              <a:rPr lang="en-US" sz="1800" dirty="0"/>
+              <a:t> storage account create \</a:t>
+            </a:r>
+          </a:p>
+          <a:p>
+            <a:pPr marL="457200" lvl="1" indent="0">
+              <a:buNone/>
             </a:pPr>
             <a:r>
-              <a:rPr lang="en-IN" sz="2000" dirty="0" err="1"/>
-              <a:t>az</a:t>
-            </a:r>
-            <a:r>
-              <a:rPr lang="en-IN" sz="2000" dirty="0"/>
-              <a:t> login</a:t>
-            </a:r>
+              <a:rPr lang="en-US" sz="1800" dirty="0"/>
+              <a:t>    --name vatsblob0226 \  </a:t>
+            </a:r>
+          </a:p>
+          <a:p>
+            <a:pPr marL="457200" lvl="1" indent="0">
+              <a:buNone/>
+            </a:pPr>
+            <a:r>
+              <a:rPr lang="en-US" sz="1800" dirty="0"/>
+              <a:t>    --resource-group </a:t>
+            </a:r>
+            <a:r>
+              <a:rPr lang="en-US" sz="1800" dirty="0" err="1"/>
+              <a:t>img</a:t>
+            </a:r>
+            <a:r>
+              <a:rPr lang="en-US" sz="1800" dirty="0"/>
+              <a:t>-grp \</a:t>
+            </a:r>
+          </a:p>
+          <a:p>
+            <a:pPr marL="457200" lvl="1" indent="0">
+              <a:buNone/>
+            </a:pPr>
+            <a:r>
+              <a:rPr lang="en-US" sz="1800" dirty="0"/>
+              <a:t>    --location </a:t>
+            </a:r>
+            <a:r>
+              <a:rPr lang="en-US" sz="1800" dirty="0" err="1"/>
+              <a:t>eastus</a:t>
+            </a:r>
+            <a:r>
+              <a:rPr lang="en-US" sz="1800" dirty="0"/>
+              <a:t> \</a:t>
+            </a:r>
+          </a:p>
+          <a:p>
+            <a:pPr marL="457200" lvl="1" indent="0">
+              <a:buNone/>
+            </a:pPr>
+            <a:r>
+              <a:rPr lang="en-US" sz="1800" dirty="0"/>
+              <a:t>    --</a:t>
+            </a:r>
+            <a:r>
+              <a:rPr lang="en-US" sz="1800" dirty="0" err="1"/>
+              <a:t>sku</a:t>
+            </a:r>
+            <a:r>
+              <a:rPr lang="en-US" sz="1800" dirty="0"/>
+              <a:t> </a:t>
+            </a:r>
+            <a:r>
+              <a:rPr lang="en-US" sz="1800" dirty="0" err="1"/>
+              <a:t>Standard_LRS</a:t>
+            </a:r>
+            <a:r>
+              <a:rPr lang="en-US" sz="1800" dirty="0"/>
+              <a:t> \</a:t>
+            </a:r>
+          </a:p>
+          <a:p>
+            <a:pPr marL="457200" lvl="1" indent="0">
+              <a:buNone/>
+            </a:pPr>
+            <a:r>
+              <a:rPr lang="en-US" sz="1800" dirty="0"/>
+              <a:t>    --kind StorageV2</a:t>
+            </a:r>
+          </a:p>
+          <a:p>
+            <a:pPr marL="457200" lvl="1" indent="0">
+              <a:buNone/>
+            </a:pPr>
+            <a:endParaRPr lang="en-US" sz="1800" dirty="0"/>
+          </a:p>
+          <a:p>
+            <a:endParaRPr lang="en-US" sz="2000" dirty="0"/>
+          </a:p>
+          <a:p>
+            <a:endParaRPr lang="en-US" dirty="0"/>
           </a:p>
           <a:p>
             <a:endParaRPr lang="en-US" dirty="0"/>
@@ -5909,7 +6346,7 @@
     </p:spTree>
     <p:extLst>
       <p:ext uri="{BB962C8B-B14F-4D97-AF65-F5344CB8AC3E}">
-        <p14:creationId xmlns:p14="http://schemas.microsoft.com/office/powerpoint/2010/main" val="1449964788"/>
+        <p14:creationId xmlns:p14="http://schemas.microsoft.com/office/powerpoint/2010/main" val="3031599492"/>
       </p:ext>
     </p:extLst>
   </p:cSld>
@@ -5941,7 +6378,7 @@
           <p:cNvPr id="2" name="Title 1">
             <a:extLst>
               <a:ext uri="{FF2B5EF4-FFF2-40B4-BE49-F238E27FC236}">
-                <a16:creationId xmlns:a16="http://schemas.microsoft.com/office/drawing/2014/main" id="{68E79EA7-4D7D-6BD7-5EC0-7CA6D430862A}"/>
+                <a16:creationId xmlns:a16="http://schemas.microsoft.com/office/drawing/2014/main" id="{D8818338-426A-C983-44AE-577F835EC3F7}"/>
               </a:ext>
             </a:extLst>
           </p:cNvPr>
@@ -5959,7 +6396,7 @@
           <a:p>
             <a:r>
               <a:rPr lang="en-US" dirty="0"/>
-              <a:t>Azure Container Registry</a:t>
+              <a:t>Update Storage Account </a:t>
             </a:r>
           </a:p>
         </p:txBody>
@@ -5969,7 +6406,7 @@
           <p:cNvPr id="3" name="Content Placeholder 2">
             <a:extLst>
               <a:ext uri="{FF2B5EF4-FFF2-40B4-BE49-F238E27FC236}">
-                <a16:creationId xmlns:a16="http://schemas.microsoft.com/office/drawing/2014/main" id="{D4DF29C0-D0C6-75C7-4769-06C0D64ECF84}"/>
+                <a16:creationId xmlns:a16="http://schemas.microsoft.com/office/drawing/2014/main" id="{115299FE-492D-2AD4-586B-C12696BBE638}"/>
               </a:ext>
             </a:extLst>
           </p:cNvPr>
@@ -5986,159 +6423,100 @@
           <a:lstStyle/>
           <a:p>
             <a:r>
+              <a:rPr lang="en-US" sz="2000" dirty="0" err="1"/>
+              <a:t>az</a:t>
+            </a:r>
+            <a:r>
               <a:rPr lang="en-US" sz="2000" dirty="0"/>
-              <a:t>docker build --platform </a:t>
+              <a:t> storage account update \</a:t>
+            </a:r>
+          </a:p>
+          <a:p>
+            <a:r>
+              <a:rPr lang="en-US" sz="2000" dirty="0"/>
+              <a:t>    --name vatsblob0226 \ </a:t>
+            </a:r>
+          </a:p>
+          <a:p>
+            <a:r>
+              <a:rPr lang="en-US" sz="2000" dirty="0"/>
+              <a:t>    --resource-group </a:t>
             </a:r>
             <a:r>
               <a:rPr lang="en-US" sz="2000" dirty="0" err="1"/>
-              <a:t>linux</a:t>
+              <a:t>img</a:t>
             </a:r>
             <a:r>
               <a:rPr lang="en-US" sz="2000" dirty="0"/>
-              <a:t>/amd64 -t </a:t>
-            </a:r>
+              <a:t>-grp \</a:t>
+            </a:r>
+          </a:p>
+          <a:p>
+            <a:r>
+              <a:rPr lang="en-US" sz="2000" dirty="0"/>
+              <a:t>    --allow-blob-public-access true</a:t>
+            </a:r>
+          </a:p>
+          <a:p>
+            <a:endParaRPr lang="en-US" sz="2000" b="1" u="sng" dirty="0">
+              <a:solidFill>
+                <a:srgbClr val="FF0000"/>
+              </a:solidFill>
+            </a:endParaRPr>
+          </a:p>
+          <a:p>
+            <a:r>
+              <a:rPr lang="en-US" sz="2000" b="1" u="sng" dirty="0">
+                <a:solidFill>
+                  <a:srgbClr val="FF0000"/>
+                </a:solidFill>
+              </a:rPr>
+              <a:t>Create New Container</a:t>
+            </a:r>
+          </a:p>
+          <a:p>
             <a:r>
               <a:rPr lang="en-US" sz="2000" dirty="0" err="1"/>
-              <a:t>vatsank</a:t>
+              <a:t>az</a:t>
             </a:r>
             <a:r>
               <a:rPr lang="en-US" sz="2000" dirty="0"/>
-              <a:t>/springrest:1.0 .</a:t>
-            </a:r>
-          </a:p>
-          <a:p>
-            <a:endParaRPr lang="en-IN" sz="2000" dirty="0"/>
-          </a:p>
-          <a:p>
-            <a:r>
-              <a:rPr lang="en-IN" sz="2000" dirty="0" err="1"/>
-              <a:t>az</a:t>
-            </a:r>
-            <a:r>
-              <a:rPr lang="en-IN" sz="2000" dirty="0"/>
-              <a:t> </a:t>
-            </a:r>
-            <a:r>
-              <a:rPr lang="en-IN" sz="2000" dirty="0" err="1"/>
-              <a:t>acr</a:t>
-            </a:r>
-            <a:r>
-              <a:rPr lang="en-IN" sz="2000" dirty="0"/>
-              <a:t> login --name </a:t>
-            </a:r>
-            <a:r>
-              <a:rPr lang="en-IN" sz="2000" dirty="0" err="1"/>
-              <a:t>myuniqueregistry</a:t>
-            </a:r>
-            <a:endParaRPr lang="en-IN" sz="2000" dirty="0"/>
-          </a:p>
-          <a:p>
-            <a:endParaRPr lang="en-IN" sz="2000" b="1" dirty="0"/>
-          </a:p>
-          <a:p>
-            <a:r>
-              <a:rPr lang="en-IN" sz="2000" dirty="0"/>
-              <a:t>docker build -t spring-boot-app .</a:t>
-            </a:r>
-          </a:p>
-          <a:p>
-            <a:endParaRPr lang="en-IN" sz="2000" dirty="0"/>
-          </a:p>
-          <a:p>
-            <a:r>
-              <a:rPr lang="en-IN" sz="2000" dirty="0"/>
-              <a:t>docker tag spring-boot-app </a:t>
-            </a:r>
-            <a:r>
-              <a:rPr lang="en-IN" sz="2000" dirty="0" err="1"/>
-              <a:t>myuniqueregistry.azurecr.io</a:t>
-            </a:r>
-            <a:r>
-              <a:rPr lang="en-IN" sz="2000" dirty="0"/>
-              <a:t>/spring-boot-app:v1</a:t>
-            </a:r>
-          </a:p>
-          <a:p>
-            <a:endParaRPr lang="en-IN" sz="2000" dirty="0"/>
-          </a:p>
-          <a:p>
-            <a:r>
-              <a:rPr lang="en-IN" sz="2000" dirty="0"/>
-              <a:t>docker push </a:t>
-            </a:r>
-            <a:r>
-              <a:rPr lang="en-IN" sz="2000" dirty="0" err="1"/>
-              <a:t>myuniqueregistry.azurecr.io</a:t>
-            </a:r>
-            <a:r>
-              <a:rPr lang="en-IN" sz="2000" dirty="0"/>
-              <a:t>/spring-boot-app:v1</a:t>
-            </a:r>
-          </a:p>
-          <a:p>
-            <a:r>
-              <a:rPr lang="en-IN" sz="2000" dirty="0" err="1"/>
-              <a:t>az</a:t>
-            </a:r>
-            <a:r>
-              <a:rPr lang="en-IN" sz="2000" dirty="0"/>
-              <a:t> </a:t>
-            </a:r>
-            <a:r>
-              <a:rPr lang="en-IN" sz="2000" dirty="0" err="1"/>
-              <a:t>acr</a:t>
-            </a:r>
-            <a:r>
-              <a:rPr lang="en-IN" sz="2000" dirty="0"/>
-              <a:t> repository list --name </a:t>
-            </a:r>
-            <a:r>
-              <a:rPr lang="en-IN" sz="2000" dirty="0" err="1"/>
-              <a:t>myuniqueregistry</a:t>
-            </a:r>
-            <a:r>
-              <a:rPr lang="en-IN" sz="2000" dirty="0"/>
-              <a:t> --output table</a:t>
-            </a:r>
-          </a:p>
-          <a:p>
-            <a:r>
-              <a:rPr lang="en-IN" sz="1800" dirty="0" err="1"/>
-              <a:t>az</a:t>
-            </a:r>
-            <a:r>
-              <a:rPr lang="en-IN" sz="1800" dirty="0"/>
-              <a:t> </a:t>
-            </a:r>
-            <a:r>
-              <a:rPr lang="en-IN" sz="1800" dirty="0" err="1"/>
-              <a:t>acr</a:t>
-            </a:r>
-            <a:r>
-              <a:rPr lang="en-IN" sz="1800" dirty="0"/>
-              <a:t> repository list –name </a:t>
-            </a:r>
-            <a:r>
-              <a:rPr lang="en-IN" sz="1800" b="1" dirty="0" err="1"/>
-              <a:t>vatsandemoreg</a:t>
-            </a:r>
-            <a:r>
-              <a:rPr lang="en-IN" sz="1800" b="1" dirty="0"/>
-              <a:t> –output table</a:t>
-            </a:r>
-          </a:p>
-          <a:p>
-            <a:endParaRPr lang="en-US" sz="2000" dirty="0"/>
-          </a:p>
-          <a:p>
-            <a:endParaRPr lang="en-US" sz="2000" dirty="0"/>
+              <a:t> storage container create \</a:t>
+            </a:r>
+          </a:p>
+          <a:p>
+            <a:r>
+              <a:rPr lang="en-US" sz="2000" dirty="0"/>
+              <a:t>    --name images \</a:t>
+            </a:r>
+          </a:p>
+          <a:p>
+            <a:r>
+              <a:rPr lang="en-US" sz="2000" dirty="0"/>
+              <a:t>    --account-name vatsblob0226 \</a:t>
+            </a:r>
+          </a:p>
+          <a:p>
+            <a:r>
+              <a:rPr lang="en-US" sz="2000" dirty="0"/>
+              <a:t>    --public-access blob \</a:t>
+            </a:r>
+          </a:p>
+          <a:p>
+            <a:r>
+              <a:rPr lang="en-US" sz="2000" dirty="0"/>
+              <a:t>    --auth-mode login</a:t>
+            </a:r>
+          </a:p>
+          <a:p>
+            <a:endParaRPr lang="en-US" dirty="0"/>
           </a:p>
         </p:txBody>
       </p:sp>
     </p:spTree>
     <p:extLst>
       <p:ext uri="{BB962C8B-B14F-4D97-AF65-F5344CB8AC3E}">
-        <p14:creationId xmlns:p14="http://schemas.microsoft.com/office/powerpoint/2010/main" val="29452424"/>
+        <p14:creationId xmlns:p14="http://schemas.microsoft.com/office/powerpoint/2010/main" val="1184533952"/>
       </p:ext>
     </p:extLst>
   </p:cSld>
@@ -6170,7 +6548,7 @@
           <p:cNvPr id="2" name="Title 1">
             <a:extLst>
               <a:ext uri="{FF2B5EF4-FFF2-40B4-BE49-F238E27FC236}">
-                <a16:creationId xmlns:a16="http://schemas.microsoft.com/office/drawing/2014/main" id="{D01382C2-0FE3-F00D-9B0B-52170BC489C2}"/>
+                <a16:creationId xmlns:a16="http://schemas.microsoft.com/office/drawing/2014/main" id="{64B0B70E-5086-BDD4-2829-48F62A525B54}"/>
               </a:ext>
             </a:extLst>
           </p:cNvPr>
@@ -6181,14 +6559,19 @@
             <p:ph type="title"/>
           </p:nvPr>
         </p:nvSpPr>
-        <p:spPr/>
+        <p:spPr>
+          <a:xfrm>
+            <a:off x="457200" y="304800"/>
+            <a:ext cx="8229600" cy="563563"/>
+          </a:xfrm>
+        </p:spPr>
         <p:txBody>
           <a:bodyPr/>
           <a:lstStyle/>
           <a:p>
             <a:r>
-              <a:rPr lang="en-US" sz="2800" dirty="0"/>
-              <a:t>Azure Container Repository vs Docker Registry</a:t>
+              <a:rPr lang="en-US" dirty="0"/>
+              <a:t>Upload and List </a:t>
             </a:r>
           </a:p>
         </p:txBody>
@@ -6198,7 +6581,7 @@
           <p:cNvPr id="3" name="Content Placeholder 2">
             <a:extLst>
               <a:ext uri="{FF2B5EF4-FFF2-40B4-BE49-F238E27FC236}">
-                <a16:creationId xmlns:a16="http://schemas.microsoft.com/office/drawing/2014/main" id="{E1DC5EF4-FDF8-4E81-9CB3-9DF23B9B98EA}"/>
+                <a16:creationId xmlns:a16="http://schemas.microsoft.com/office/drawing/2014/main" id="{6818F9B8-A4E1-9855-B3CA-7F41157A3FE1}"/>
               </a:ext>
             </a:extLst>
           </p:cNvPr>
@@ -6209,64 +6592,140 @@
             <p:ph idx="1"/>
           </p:nvPr>
         </p:nvSpPr>
-        <p:spPr/>
+        <p:spPr>
+          <a:xfrm>
+            <a:off x="457200" y="868364"/>
+            <a:ext cx="8229600" cy="5257800"/>
+          </a:xfrm>
+        </p:spPr>
         <p:txBody>
           <a:bodyPr/>
           <a:lstStyle/>
           <a:p>
             <a:r>
-              <a:rPr lang="en-IN" sz="1800" dirty="0"/>
-              <a:t>ACR is a private registry for managing proprietary container images, whereas Docker Hub is primarily for public sharing even though it supports private images </a:t>
-            </a:r>
-          </a:p>
-          <a:p>
-            <a:endParaRPr lang="en-IN" sz="1800" dirty="0"/>
-          </a:p>
-          <a:p>
-            <a:r>
-              <a:rPr lang="en-IN" sz="1800" dirty="0"/>
-              <a:t>ACR offers enhanced security features like Azure role-based access control (Azure RBAC), geo-replication, and seamless integration with other Azure services like Azure Kubernetes Service (AKS), Azure Container Instances (ACI), and Azure DevOps.</a:t>
-            </a:r>
-          </a:p>
-          <a:p>
-            <a:endParaRPr lang="en-IN" sz="1800" dirty="0"/>
-          </a:p>
-          <a:p>
-            <a:r>
-              <a:rPr lang="en-IN" sz="1800" dirty="0"/>
-              <a:t>Keeping registry network-close to your container deployment in the same Azure region can reduce latency and network egress fees.</a:t>
-            </a:r>
-          </a:p>
-          <a:p>
-            <a:endParaRPr lang="en-IN" sz="1800" b="1" dirty="0"/>
-          </a:p>
-          <a:p>
-            <a:r>
-              <a:rPr lang="en-IN" sz="1800" dirty="0"/>
-              <a:t>Using a private, managed registry like ACR avoids potential issues with public registry rate limits and external network dependencies, ensuring more reliable deployments. </a:t>
-            </a:r>
-          </a:p>
-          <a:p>
-            <a:pPr marL="0" indent="0">
-              <a:buNone/>
-            </a:pPr>
-            <a:br>
-              <a:rPr lang="en-IN" dirty="0"/>
-            </a:br>
-            <a:endParaRPr lang="en-IN" dirty="0"/>
-          </a:p>
-          <a:p>
-            <a:endParaRPr lang="en-US" dirty="0"/>
-          </a:p>
-          <a:p>
-            <a:endParaRPr lang="en-US" dirty="0"/>
+              <a:rPr lang="en-US" sz="2000" b="1" u="sng" dirty="0">
+                <a:solidFill>
+                  <a:srgbClr val="7030A0"/>
+                </a:solidFill>
+              </a:rPr>
+              <a:t>To Upload the Content</a:t>
+            </a:r>
+          </a:p>
+          <a:p>
+            <a:r>
+              <a:rPr lang="en-US" sz="2000" dirty="0" err="1"/>
+              <a:t>az</a:t>
+            </a:r>
+            <a:r>
+              <a:rPr lang="en-US" sz="2000" dirty="0"/>
+              <a:t> storage blob upload \</a:t>
+            </a:r>
+          </a:p>
+          <a:p>
+            <a:r>
+              <a:rPr lang="en-US" sz="2000" dirty="0"/>
+              <a:t>    --account-name vatsblob0226 \</a:t>
+            </a:r>
+          </a:p>
+          <a:p>
+            <a:r>
+              <a:rPr lang="en-US" sz="2000" dirty="0"/>
+              <a:t>    --container-name images \</a:t>
+            </a:r>
+          </a:p>
+          <a:p>
+            <a:r>
+              <a:rPr lang="en-US" sz="2000" dirty="0"/>
+              <a:t>    --name test-</a:t>
+            </a:r>
+            <a:r>
+              <a:rPr lang="en-US" sz="2000" dirty="0" err="1"/>
+              <a:t>image.jpg</a:t>
+            </a:r>
+            <a:r>
+              <a:rPr lang="en-US" sz="2000" dirty="0"/>
+              <a:t> \</a:t>
+            </a:r>
+          </a:p>
+          <a:p>
+            <a:r>
+              <a:rPr lang="en-US" sz="2000" dirty="0"/>
+              <a:t>    --file /path/to/your/</a:t>
+            </a:r>
+            <a:r>
+              <a:rPr lang="en-US" sz="2000" dirty="0" err="1"/>
+              <a:t>image.jpg</a:t>
+            </a:r>
+            <a:r>
+              <a:rPr lang="en-US" sz="2000" dirty="0"/>
+              <a:t> \</a:t>
+            </a:r>
+          </a:p>
+          <a:p>
+            <a:r>
+              <a:rPr lang="en-US" sz="2000" dirty="0"/>
+              <a:t>    --auth-mode key</a:t>
+            </a:r>
+          </a:p>
+          <a:p>
+            <a:endParaRPr lang="en-US" sz="2000" dirty="0"/>
+          </a:p>
+          <a:p>
+            <a:r>
+              <a:rPr lang="en-US" sz="2000" b="1" u="sng" dirty="0">
+                <a:solidFill>
+                  <a:srgbClr val="00B050"/>
+                </a:solidFill>
+              </a:rPr>
+              <a:t>To List the storage details</a:t>
+            </a:r>
+          </a:p>
+          <a:p>
+            <a:endParaRPr lang="en-US" sz="2000" dirty="0"/>
+          </a:p>
+          <a:p>
+            <a:r>
+              <a:rPr lang="en-US" sz="2000" dirty="0" err="1"/>
+              <a:t>az</a:t>
+            </a:r>
+            <a:r>
+              <a:rPr lang="en-US" sz="2000" dirty="0"/>
+              <a:t> storage blob list \</a:t>
+            </a:r>
+          </a:p>
+          <a:p>
+            <a:r>
+              <a:rPr lang="en-US" sz="2000" dirty="0"/>
+              <a:t>    --account-name vatsblob0226 \</a:t>
+            </a:r>
+          </a:p>
+          <a:p>
+            <a:r>
+              <a:rPr lang="en-US" sz="2000" dirty="0"/>
+              <a:t>    --container-name images \</a:t>
+            </a:r>
+          </a:p>
+          <a:p>
+            <a:r>
+              <a:rPr lang="en-US" sz="2000" dirty="0"/>
+              <a:t>    --auth-mode key \</a:t>
+            </a:r>
+          </a:p>
+          <a:p>
+            <a:r>
+              <a:rPr lang="en-US" sz="2000" dirty="0"/>
+              <a:t>    --output table</a:t>
+            </a:r>
+          </a:p>
+          <a:p>
+            <a:endParaRPr lang="en-US" sz="2400" dirty="0"/>
           </a:p>
         </p:txBody>
       </p:sp>
     </p:spTree>
     <p:extLst>
       <p:ext uri="{BB962C8B-B14F-4D97-AF65-F5344CB8AC3E}">
-        <p14:creationId xmlns:p14="http://schemas.microsoft.com/office/powerpoint/2010/main" val="4050388969"/>
+        <p14:creationId xmlns:p14="http://schemas.microsoft.com/office/powerpoint/2010/main" val="1576922751"/>
       </p:ext>
     </p:extLst>
   </p:cSld>
@@ -6298,7 +6757,7 @@
           <p:cNvPr id="2" name="Title 1">
             <a:extLst>
               <a:ext uri="{FF2B5EF4-FFF2-40B4-BE49-F238E27FC236}">
-                <a16:creationId xmlns:a16="http://schemas.microsoft.com/office/drawing/2014/main" id="{E71386F9-8749-0FB7-A0B3-13A4833A17A6}"/>
+                <a16:creationId xmlns:a16="http://schemas.microsoft.com/office/drawing/2014/main" id="{B3D029D0-7B91-1031-238A-D63A93214AA2}"/>
               </a:ext>
             </a:extLst>
           </p:cNvPr>
@@ -6309,14 +6768,19 @@
             <p:ph type="title"/>
           </p:nvPr>
         </p:nvSpPr>
-        <p:spPr/>
+        <p:spPr>
+          <a:xfrm>
+            <a:off x="457200" y="228600"/>
+            <a:ext cx="8229600" cy="503237"/>
+          </a:xfrm>
+        </p:spPr>
         <p:txBody>
           <a:bodyPr/>
           <a:lstStyle/>
           <a:p>
             <a:r>
               <a:rPr lang="en-US" dirty="0"/>
-              <a:t>Azure Container Registry</a:t>
+              <a:t>Delete  and Access URL</a:t>
             </a:r>
           </a:p>
         </p:txBody>
@@ -6326,7 +6790,7 @@
           <p:cNvPr id="3" name="Content Placeholder 2">
             <a:extLst>
               <a:ext uri="{FF2B5EF4-FFF2-40B4-BE49-F238E27FC236}">
-                <a16:creationId xmlns:a16="http://schemas.microsoft.com/office/drawing/2014/main" id="{95032275-19B5-8846-EE63-9E47963E060E}"/>
+                <a16:creationId xmlns:a16="http://schemas.microsoft.com/office/drawing/2014/main" id="{DFB4706B-6ED7-681E-CE0A-98241660A417}"/>
               </a:ext>
             </a:extLst>
           </p:cNvPr>
@@ -6337,135 +6801,163 @@
             <p:ph idx="1"/>
           </p:nvPr>
         </p:nvSpPr>
-        <p:spPr/>
+        <p:spPr>
+          <a:xfrm>
+            <a:off x="457200" y="731838"/>
+            <a:ext cx="8229600" cy="5394326"/>
+          </a:xfrm>
+        </p:spPr>
         <p:txBody>
           <a:bodyPr/>
           <a:lstStyle/>
           <a:p>
             <a:r>
-              <a:rPr lang="en-IN" sz="1800" dirty="0"/>
-              <a:t>Can deploy and connect  to an Azure App Service, two ways </a:t>
-            </a:r>
-          </a:p>
-          <a:p>
-            <a:pPr lvl="1"/>
-            <a:r>
-              <a:rPr lang="en-IN" sz="1800" dirty="0"/>
-              <a:t>Azure Portal or the Azure CLI. </a:t>
-            </a:r>
-          </a:p>
-          <a:p>
-            <a:endParaRPr lang="en-IN" sz="1800" b="1" dirty="0"/>
-          </a:p>
-          <a:p>
-            <a:r>
-              <a:rPr lang="en-IN" sz="1800" dirty="0"/>
-              <a:t>In the Azure Portal select </a:t>
-            </a:r>
-            <a:r>
-              <a:rPr lang="en-IN" sz="1800" b="1" dirty="0"/>
-              <a:t>Create a Resource</a:t>
-            </a:r>
-            <a:r>
-              <a:rPr lang="en-IN" sz="1800" dirty="0"/>
-              <a:t> &gt; </a:t>
-            </a:r>
-            <a:r>
-              <a:rPr lang="en-IN" sz="1800" b="1" dirty="0"/>
-              <a:t>Web App</a:t>
-            </a:r>
-            <a:r>
-              <a:rPr lang="en-IN" sz="1800" dirty="0"/>
-              <a:t>.</a:t>
-            </a:r>
-          </a:p>
-          <a:p>
-            <a:r>
-              <a:rPr lang="en-IN" sz="1800" b="1" dirty="0"/>
-              <a:t>Basics:</a:t>
-            </a:r>
-            <a:r>
-              <a:rPr lang="en-IN" sz="1800" dirty="0"/>
-              <a:t> Choose subscription and resource group. </a:t>
-            </a:r>
-          </a:p>
-          <a:p>
-            <a:r>
-              <a:rPr lang="en-IN" sz="1800" dirty="0"/>
-              <a:t>Select </a:t>
-            </a:r>
-            <a:r>
-              <a:rPr lang="en-IN" sz="1800" b="1" dirty="0"/>
-              <a:t>Container</a:t>
-            </a:r>
-            <a:r>
-              <a:rPr lang="en-IN" sz="1800" dirty="0"/>
-              <a:t> as the publish option and </a:t>
-            </a:r>
-            <a:r>
-              <a:rPr lang="en-IN" sz="1800" b="1" dirty="0"/>
-              <a:t>Linux</a:t>
-            </a:r>
-            <a:r>
-              <a:rPr lang="en-IN" sz="1800" dirty="0"/>
-              <a:t> as the OS.</a:t>
-            </a:r>
-          </a:p>
-          <a:p>
-            <a:r>
-              <a:rPr lang="en-IN" sz="1800" b="1" dirty="0"/>
-              <a:t>Container Tab:</a:t>
-            </a:r>
-            <a:endParaRPr lang="en-IN" sz="1800" dirty="0"/>
-          </a:p>
-          <a:p>
-            <a:pPr lvl="1"/>
-            <a:r>
-              <a:rPr lang="en-IN" sz="1800" b="1" dirty="0"/>
-              <a:t>Image Source:</a:t>
-            </a:r>
-            <a:r>
-              <a:rPr lang="en-IN" sz="1800" dirty="0"/>
-              <a:t> Select </a:t>
-            </a:r>
-            <a:r>
-              <a:rPr lang="en-IN" sz="1800" b="1" dirty="0"/>
-              <a:t>Azure Container Registry</a:t>
-            </a:r>
-            <a:r>
-              <a:rPr lang="en-IN" sz="1800" dirty="0"/>
-              <a:t>.</a:t>
-            </a:r>
-          </a:p>
-          <a:p>
-            <a:pPr lvl="1"/>
-            <a:r>
-              <a:rPr lang="en-IN" sz="1800" b="1" dirty="0"/>
-              <a:t>Registry Details:</a:t>
-            </a:r>
-            <a:r>
-              <a:rPr lang="en-IN" sz="1800" dirty="0"/>
-              <a:t> Select your registry from the dropdown.</a:t>
-            </a:r>
-          </a:p>
-          <a:p>
-            <a:r>
-              <a:rPr lang="en-IN" sz="1800" b="1" dirty="0"/>
-              <a:t>Review + Create</a:t>
-            </a:r>
-          </a:p>
-          <a:p>
+              <a:rPr lang="en-US" sz="1800" dirty="0" err="1"/>
+              <a:t>az</a:t>
+            </a:r>
+            <a:r>
+              <a:rPr lang="en-US" sz="1800" dirty="0"/>
+              <a:t> storage blob delete \</a:t>
+            </a:r>
+          </a:p>
+          <a:p>
+            <a:r>
+              <a:rPr lang="en-US" sz="1800" dirty="0"/>
+              <a:t>    --account-name vatsblob0226 \</a:t>
+            </a:r>
+          </a:p>
+          <a:p>
+            <a:r>
+              <a:rPr lang="en-US" sz="1800" dirty="0"/>
+              <a:t>    --container-name images \</a:t>
+            </a:r>
+          </a:p>
+          <a:p>
+            <a:r>
+              <a:rPr lang="en-US" sz="1800" dirty="0"/>
+              <a:t>    --name test-</a:t>
+            </a:r>
+            <a:r>
+              <a:rPr lang="en-US" sz="1800" dirty="0" err="1"/>
+              <a:t>image.jpg</a:t>
+            </a:r>
+            <a:r>
+              <a:rPr lang="en-US" sz="1800" dirty="0"/>
+              <a:t> \</a:t>
+            </a:r>
+          </a:p>
+          <a:p>
+            <a:r>
+              <a:rPr lang="en-US" sz="1800" dirty="0"/>
+              <a:t>    --auth-mode key</a:t>
+            </a:r>
+          </a:p>
+          <a:p>
+            <a:endParaRPr lang="en-US" sz="2000" dirty="0"/>
+          </a:p>
+          <a:p>
+            <a:r>
+              <a:rPr lang="en-US" sz="2000" b="1" u="sng" dirty="0">
+                <a:solidFill>
+                  <a:srgbClr val="FF0000"/>
+                </a:solidFill>
+              </a:rPr>
+              <a:t>To Get a Public URL</a:t>
+            </a:r>
+          </a:p>
+          <a:p>
+            <a:r>
+              <a:rPr lang="en-US" sz="1800" dirty="0" err="1"/>
+              <a:t>az</a:t>
+            </a:r>
+            <a:r>
+              <a:rPr lang="en-US" sz="1800" dirty="0"/>
+              <a:t> storage blob </a:t>
+            </a:r>
+            <a:r>
+              <a:rPr lang="en-US" sz="1800" dirty="0" err="1"/>
+              <a:t>url</a:t>
+            </a:r>
+            <a:r>
+              <a:rPr lang="en-US" sz="1800" dirty="0"/>
+              <a:t> \</a:t>
+            </a:r>
+          </a:p>
+          <a:p>
+            <a:r>
+              <a:rPr lang="en-US" sz="1800" dirty="0"/>
+              <a:t>    --account-name vatsblob0226 \</a:t>
+            </a:r>
+          </a:p>
+          <a:p>
+            <a:r>
+              <a:rPr lang="en-US" sz="1800" dirty="0"/>
+              <a:t>    --container-name images \</a:t>
+            </a:r>
+          </a:p>
+          <a:p>
+            <a:r>
+              <a:rPr lang="en-US" sz="1800" dirty="0"/>
+              <a:t>    --name test-</a:t>
+            </a:r>
+            <a:r>
+              <a:rPr lang="en-US" sz="1800" dirty="0" err="1"/>
+              <a:t>image.jpg</a:t>
+            </a:r>
+            <a:r>
+              <a:rPr lang="en-US" sz="1800" dirty="0"/>
+              <a:t> \</a:t>
+            </a:r>
+          </a:p>
+          <a:p>
+            <a:r>
+              <a:rPr lang="en-US" sz="1800" dirty="0"/>
+              <a:t>    --output </a:t>
+            </a:r>
+            <a:r>
+              <a:rPr lang="en-US" sz="1800" dirty="0" err="1"/>
+              <a:t>tsv</a:t>
+            </a:r>
             <a:endParaRPr lang="en-US" sz="1800" dirty="0"/>
           </a:p>
           <a:p>
-            <a:endParaRPr lang="en-US" sz="1800" dirty="0"/>
+            <a:endParaRPr lang="en-US" sz="2000" dirty="0"/>
+          </a:p>
+          <a:p>
+            <a:pPr marL="400050" lvl="1" indent="0">
+              <a:buNone/>
+            </a:pPr>
+            <a:r>
+              <a:rPr lang="en-US" sz="1800" b="1" dirty="0">
+                <a:solidFill>
+                  <a:srgbClr val="7030A0"/>
+                </a:solidFill>
+              </a:rPr>
+              <a:t>https://vatsblob0226.blob.core.windows.net/images/test-</a:t>
+            </a:r>
+            <a:r>
+              <a:rPr lang="en-US" sz="1800" b="1" dirty="0" err="1">
+                <a:solidFill>
+                  <a:srgbClr val="7030A0"/>
+                </a:solidFill>
+              </a:rPr>
+              <a:t>image.jpg</a:t>
+            </a:r>
+            <a:endParaRPr lang="en-US" sz="1800" b="1" dirty="0">
+              <a:solidFill>
+                <a:srgbClr val="7030A0"/>
+              </a:solidFill>
+            </a:endParaRPr>
+          </a:p>
+          <a:p>
+            <a:endParaRPr lang="en-US" sz="2000" dirty="0"/>
           </a:p>
         </p:txBody>
       </p:sp>
     </p:spTree>
     <p:extLst>
       <p:ext uri="{BB962C8B-B14F-4D97-AF65-F5344CB8AC3E}">
-        <p14:creationId xmlns:p14="http://schemas.microsoft.com/office/powerpoint/2010/main" val="1198358061"/>
+        <p14:creationId xmlns:p14="http://schemas.microsoft.com/office/powerpoint/2010/main" val="3542705355"/>
       </p:ext>
     </p:extLst>
   </p:cSld>
@@ -6497,7 +6989,7 @@
           <p:cNvPr id="2" name="Title 1">
             <a:extLst>
               <a:ext uri="{FF2B5EF4-FFF2-40B4-BE49-F238E27FC236}">
-                <a16:creationId xmlns:a16="http://schemas.microsoft.com/office/drawing/2014/main" id="{6E01E1B1-4CB8-0751-C303-9AB8432CE41E}"/>
+                <a16:creationId xmlns:a16="http://schemas.microsoft.com/office/drawing/2014/main" id="{A1BA1980-9E09-72F9-BCF8-596BB6975457}"/>
               </a:ext>
             </a:extLst>
           </p:cNvPr>
@@ -6514,9 +7006,10 @@
           <a:lstStyle/>
           <a:p>
             <a:r>
-              <a:rPr lang="en-US" dirty="0"/>
-              <a:t>Azure API Management </a:t>
-            </a:r>
+              <a:rPr lang="en-IN" b="1" dirty="0"/>
+              <a:t>Azure App Services</a:t>
+            </a:r>
+            <a:endParaRPr lang="en-US" dirty="0"/>
           </a:p>
         </p:txBody>
       </p:sp>
@@ -6525,7 +7018,7 @@
           <p:cNvPr id="3" name="Content Placeholder 2">
             <a:extLst>
               <a:ext uri="{FF2B5EF4-FFF2-40B4-BE49-F238E27FC236}">
-                <a16:creationId xmlns:a16="http://schemas.microsoft.com/office/drawing/2014/main" id="{99F17886-B135-8C2C-808A-7154B4D1C27E}"/>
+                <a16:creationId xmlns:a16="http://schemas.microsoft.com/office/drawing/2014/main" id="{4827ECD9-C966-5452-57DA-D7A2EE7C8BA6}"/>
               </a:ext>
             </a:extLst>
           </p:cNvPr>
@@ -6536,87 +7029,99 @@
             <p:ph idx="1"/>
           </p:nvPr>
         </p:nvSpPr>
-        <p:spPr/>
+        <p:spPr>
+          <a:xfrm>
+            <a:off x="457200" y="868364"/>
+            <a:ext cx="8229600" cy="5257800"/>
+          </a:xfrm>
+        </p:spPr>
         <p:txBody>
           <a:bodyPr/>
           <a:lstStyle/>
           <a:p>
             <a:r>
-              <a:rPr lang="en-IN" sz="2000" b="1" dirty="0"/>
-              <a:t>A Platform-as-a-Service (PaaS)</a:t>
-            </a:r>
-            <a:r>
               <a:rPr lang="en-IN" sz="2000" dirty="0"/>
-              <a:t> offering from Microsoft t</a:t>
-            </a:r>
+              <a:t>Fully managed Platform as a Service (PaaS) for hosting web apps, APIs, and mobile backends. </a:t>
+            </a:r>
+          </a:p>
+          <a:p>
+            <a:endParaRPr lang="en-IN" sz="2000" dirty="0"/>
+          </a:p>
+          <a:p>
+            <a:r>
+              <a:rPr lang="en-IN" sz="2000" dirty="0"/>
+              <a:t>It is language-agnostic and supports various languages, including Java, .NET, Node.js, and Python. </a:t>
+            </a:r>
+          </a:p>
+          <a:p>
+            <a:endParaRPr lang="en-IN" sz="2000" dirty="0"/>
           </a:p>
           <a:p>
             <a:pPr lvl="1"/>
             <a:r>
+              <a:rPr lang="en-IN" sz="2000" i="1" dirty="0"/>
+              <a:t>Server management, Scaling, Security and operations are taken care by Azure ,</a:t>
+            </a:r>
+          </a:p>
+          <a:p>
+            <a:endParaRPr lang="en-IN" sz="2000" dirty="0"/>
+          </a:p>
+          <a:p>
+            <a:r>
               <a:rPr lang="en-IN" sz="2000" dirty="0"/>
-              <a:t>Can publish, secure, transform, maintain, and monitor APIs. </a:t>
-            </a:r>
-          </a:p>
-          <a:p>
-            <a:r>
-              <a:rPr lang="en-IN" sz="2000" dirty="0"/>
-              <a:t>A façade between API consumers and back-end services, centralizing the management of the entire API lifecycle cloud environments. </a:t>
-            </a:r>
+              <a:t>It also supports</a:t>
+            </a:r>
+          </a:p>
+          <a:p>
+            <a:pPr lvl="1"/>
+            <a:r>
+              <a:rPr lang="en-IN" sz="1800" dirty="0"/>
+              <a:t>CI/CD integration</a:t>
+            </a:r>
+          </a:p>
+          <a:p>
+            <a:pPr lvl="1"/>
+            <a:r>
+              <a:rPr lang="en-IN" sz="1800" dirty="0"/>
+              <a:t>Custom domains</a:t>
+            </a:r>
+          </a:p>
+          <a:p>
+            <a:pPr lvl="1"/>
+            <a:r>
+              <a:rPr lang="en-IN" sz="1800" dirty="0"/>
+              <a:t>SSL</a:t>
+            </a:r>
+          </a:p>
+          <a:p>
+            <a:pPr lvl="1"/>
+            <a:r>
+              <a:rPr lang="en-IN" sz="1800" dirty="0"/>
+              <a:t>Autoscaling</a:t>
+            </a:r>
+          </a:p>
+          <a:p>
+            <a:pPr lvl="1"/>
+            <a:r>
+              <a:rPr lang="en-IN" sz="1800" dirty="0"/>
+              <a:t>Staging environments</a:t>
+            </a:r>
+          </a:p>
+          <a:p>
+            <a:endParaRPr lang="en-IN" sz="2000" dirty="0"/>
+          </a:p>
+          <a:p>
             <a:br>
               <a:rPr lang="en-IN" sz="2000" dirty="0"/>
             </a:br>
-            <a:endParaRPr lang="en-IN" sz="2000" dirty="0"/>
-          </a:p>
-          <a:p>
-            <a:r>
-              <a:rPr lang="en-IN" sz="1800" b="1" dirty="0"/>
-              <a:t>API Gateway</a:t>
-            </a:r>
-            <a:r>
-              <a:rPr lang="en-IN" sz="1800" dirty="0"/>
-              <a:t>: </a:t>
-            </a:r>
-          </a:p>
-          <a:p>
-            <a:pPr lvl="1"/>
-            <a:r>
-              <a:rPr lang="en-IN" sz="2000" dirty="0"/>
-              <a:t>Single entry point for all API calls. </a:t>
-            </a:r>
-          </a:p>
-          <a:p>
-            <a:pPr lvl="1"/>
-            <a:r>
-              <a:rPr lang="en-IN" sz="2000" dirty="0"/>
-              <a:t>It intercepts incoming requests, enforces policies (like authentication, rate limits, and caching)</a:t>
-            </a:r>
-          </a:p>
-          <a:p>
-            <a:pPr lvl="1"/>
-            <a:r>
-              <a:rPr lang="en-IN" sz="2000" dirty="0"/>
-              <a:t>Routes requests to the appropriate back-end services, and emits metrics and logs for monitoring. </a:t>
-            </a:r>
-          </a:p>
-          <a:p>
-            <a:pPr lvl="1"/>
-            <a:r>
-              <a:rPr lang="en-IN" sz="2000" dirty="0"/>
-              <a:t>Managed by Azure </a:t>
-            </a:r>
-          </a:p>
-          <a:p>
-            <a:endParaRPr lang="en-US" sz="1800" dirty="0"/>
-          </a:p>
-          <a:p>
-            <a:endParaRPr lang="en-US" sz="1800" dirty="0"/>
+            <a:endParaRPr lang="en-US" sz="2000" dirty="0"/>
           </a:p>
         </p:txBody>
       </p:sp>
     </p:spTree>
     <p:extLst>
       <p:ext uri="{BB962C8B-B14F-4D97-AF65-F5344CB8AC3E}">
-        <p14:creationId xmlns:p14="http://schemas.microsoft.com/office/powerpoint/2010/main" val="104517406"/>
+        <p14:creationId xmlns:p14="http://schemas.microsoft.com/office/powerpoint/2010/main" val="981202096"/>
       </p:ext>
     </p:extLst>
   </p:cSld>
@@ -6648,7 +7153,7 @@
           <p:cNvPr id="2" name="Title 1">
             <a:extLst>
               <a:ext uri="{FF2B5EF4-FFF2-40B4-BE49-F238E27FC236}">
-                <a16:creationId xmlns:a16="http://schemas.microsoft.com/office/drawing/2014/main" id="{CD400543-BDB2-FD0A-00FA-0F53071B5915}"/>
+                <a16:creationId xmlns:a16="http://schemas.microsoft.com/office/drawing/2014/main" id="{4673DD3B-AEB3-8A39-81E6-91CC85AEBA2E}"/>
               </a:ext>
             </a:extLst>
           </p:cNvPr>
@@ -6664,10 +7169,17 @@
           <a:bodyPr/>
           <a:lstStyle/>
           <a:p>
-            <a:r>
-              <a:rPr lang="en-US" dirty="0"/>
-              <a:t>Azure API Management </a:t>
-            </a:r>
+            <a:br>
+              <a:rPr lang="en-IN" b="1" dirty="0"/>
+            </a:br>
+            <a:r>
+              <a:rPr lang="en-IN" b="1" dirty="0"/>
+              <a:t>Azure Container Instances (ACI)</a:t>
+            </a:r>
+            <a:br>
+              <a:rPr lang="en-IN" b="1" dirty="0"/>
+            </a:br>
+            <a:endParaRPr lang="en-US" dirty="0"/>
           </a:p>
         </p:txBody>
       </p:sp>
@@ -6676,7 +7188,7 @@
           <p:cNvPr id="3" name="Content Placeholder 2">
             <a:extLst>
               <a:ext uri="{FF2B5EF4-FFF2-40B4-BE49-F238E27FC236}">
-                <a16:creationId xmlns:a16="http://schemas.microsoft.com/office/drawing/2014/main" id="{B2694779-FCCE-9156-1F2C-68214FE98BC8}"/>
+                <a16:creationId xmlns:a16="http://schemas.microsoft.com/office/drawing/2014/main" id="{4A3B27A5-75FA-0F1F-C883-4263EEF66075}"/>
               </a:ext>
             </a:extLst>
           </p:cNvPr>
@@ -6687,111 +7199,62 @@
             <p:ph idx="1"/>
           </p:nvPr>
         </p:nvSpPr>
-        <p:spPr>
-          <a:xfrm>
-            <a:off x="457200" y="868364"/>
-            <a:ext cx="8229600" cy="5257800"/>
-          </a:xfrm>
-        </p:spPr>
+        <p:spPr/>
         <p:txBody>
           <a:bodyPr/>
           <a:lstStyle/>
           <a:p>
-            <a:pPr>
-              <a:lnSpc>
-                <a:spcPct val="150000"/>
-              </a:lnSpc>
+            <a:r>
+              <a:rPr lang="en-IN" sz="2400" dirty="0"/>
+              <a:t>Can execute programs in containers using Azure Container Instances without having to build servers or other infrastructure. </a:t>
+            </a:r>
+          </a:p>
+          <a:p>
+            <a:endParaRPr lang="en-IN" sz="2400" b="1" dirty="0"/>
+          </a:p>
+          <a:p>
+            <a:r>
+              <a:rPr lang="en-IN" sz="2400" b="1" dirty="0"/>
+              <a:t>Best for:</a:t>
+            </a:r>
+            <a:r>
+              <a:rPr lang="en-IN" sz="2400" dirty="0"/>
+              <a:t> Short-lived tasks, background jobs, quick container deployment</a:t>
+            </a:r>
+          </a:p>
+          <a:p>
+            <a:endParaRPr lang="en-IN" sz="2400" dirty="0"/>
+          </a:p>
+          <a:p>
+            <a:r>
+              <a:rPr lang="en-IN" sz="2400" dirty="0"/>
+              <a:t>A application to handle PDFs uploaded by users. </a:t>
+            </a:r>
+          </a:p>
+          <a:p>
+            <a:endParaRPr lang="en-IN" sz="2400" dirty="0"/>
+          </a:p>
+          <a:p>
+            <a:r>
+              <a:rPr lang="en-IN" sz="2400" dirty="0"/>
+              <a:t>On-demand container spinning, file processing, and automated shutdown are all possible with ACI.</a:t>
+            </a:r>
+          </a:p>
+          <a:p>
+            <a:pPr marL="0" indent="0">
+              <a:buNone/>
             </a:pPr>
-            <a:r>
-              <a:rPr lang="en-IN" sz="2000" b="1" dirty="0"/>
-              <a:t>Management Plane</a:t>
-            </a:r>
-            <a:r>
-              <a:rPr lang="en-IN" sz="2000" dirty="0"/>
-              <a:t>: </a:t>
-            </a:r>
-          </a:p>
-          <a:p>
-            <a:pPr lvl="1">
-              <a:lnSpc>
-                <a:spcPct val="150000"/>
-              </a:lnSpc>
-            </a:pPr>
-            <a:r>
-              <a:rPr lang="en-IN" sz="2000" dirty="0"/>
-              <a:t>The administrative interface </a:t>
-            </a:r>
-          </a:p>
-          <a:p>
-            <a:pPr lvl="1">
-              <a:lnSpc>
-                <a:spcPct val="150000"/>
-              </a:lnSpc>
-            </a:pPr>
-            <a:r>
-              <a:rPr lang="en-IN" sz="2000" dirty="0"/>
-              <a:t>Used in Azure portal, CLI, </a:t>
-            </a:r>
-            <a:r>
-              <a:rPr lang="en-IN" sz="2000" dirty="0" err="1"/>
-              <a:t>PowerShel</a:t>
-            </a:r>
-            <a:endParaRPr lang="en-IN" sz="2000" dirty="0"/>
-          </a:p>
-          <a:p>
-            <a:pPr lvl="1">
-              <a:lnSpc>
-                <a:spcPct val="150000"/>
-              </a:lnSpc>
-            </a:pPr>
-            <a:r>
-              <a:rPr lang="en-IN" sz="2000" dirty="0"/>
-              <a:t>API configurations , API settings, policies, and get analytics insights.</a:t>
-            </a:r>
-          </a:p>
-          <a:p>
-            <a:pPr>
-              <a:lnSpc>
-                <a:spcPct val="150000"/>
-              </a:lnSpc>
-            </a:pPr>
-            <a:r>
-              <a:rPr lang="en-IN" sz="2000" b="1" dirty="0"/>
-              <a:t>Developer Portal</a:t>
-            </a:r>
-            <a:r>
-              <a:rPr lang="en-IN" sz="2000" dirty="0"/>
-              <a:t>: </a:t>
-            </a:r>
-          </a:p>
-          <a:p>
-            <a:pPr lvl="1">
-              <a:lnSpc>
-                <a:spcPct val="150000"/>
-              </a:lnSpc>
-            </a:pPr>
-            <a:r>
-              <a:rPr lang="en-IN" sz="2000" dirty="0"/>
-              <a:t>An automatically generated, customizable website that serves as the main presence for developers. </a:t>
-            </a:r>
-          </a:p>
-          <a:p>
-            <a:pPr lvl="1">
-              <a:lnSpc>
-                <a:spcPct val="150000"/>
-              </a:lnSpc>
-            </a:pPr>
-            <a:r>
-              <a:rPr lang="en-IN" sz="2000" dirty="0"/>
-              <a:t>Discover available APIs, view documentation, subscribe to products to get API keys, and test APIs via an interactive console. </a:t>
-            </a:r>
+            <a:br>
+              <a:rPr lang="en-IN" sz="2400" dirty="0"/>
+            </a:br>
+            <a:endParaRPr lang="en-US" sz="2400" dirty="0"/>
           </a:p>
         </p:txBody>
       </p:sp>
     </p:spTree>
     <p:extLst>
       <p:ext uri="{BB962C8B-B14F-4D97-AF65-F5344CB8AC3E}">
-        <p14:creationId xmlns:p14="http://schemas.microsoft.com/office/powerpoint/2010/main" val="611672718"/>
+        <p14:creationId xmlns:p14="http://schemas.microsoft.com/office/powerpoint/2010/main" val="3234317354"/>
       </p:ext>
     </p:extLst>
   </p:cSld>
@@ -6823,7 +7286,7 @@
           <p:cNvPr id="2" name="Title 1">
             <a:extLst>
               <a:ext uri="{FF2B5EF4-FFF2-40B4-BE49-F238E27FC236}">
-                <a16:creationId xmlns:a16="http://schemas.microsoft.com/office/drawing/2014/main" id="{046E1D4A-CDB3-9500-3CD6-67086D7326A5}"/>
+                <a16:creationId xmlns:a16="http://schemas.microsoft.com/office/drawing/2014/main" id="{D68E3200-8BD8-C95D-0014-1D8BF3835D83}"/>
               </a:ext>
             </a:extLst>
           </p:cNvPr>
@@ -6840,14 +7303,14 @@
           <a:lstStyle/>
           <a:p>
             <a:br>
-              <a:rPr lang="en-US" dirty="0"/>
+              <a:rPr lang="en-IN" b="1" dirty="0"/>
             </a:br>
             <a:r>
-              <a:rPr lang="en-US" dirty="0"/>
-              <a:t>API Gateways vs Application Gateways</a:t>
+              <a:rPr lang="en-IN" b="1" dirty="0"/>
+              <a:t>Azure Container Apps</a:t>
             </a:r>
             <a:br>
-              <a:rPr lang="en-US" dirty="0"/>
+              <a:rPr lang="en-IN" b="1" dirty="0"/>
             </a:br>
             <a:endParaRPr lang="en-US" dirty="0"/>
           </a:p>
@@ -6858,7 +7321,7 @@
           <p:cNvPr id="3" name="Content Placeholder 2">
             <a:extLst>
               <a:ext uri="{FF2B5EF4-FFF2-40B4-BE49-F238E27FC236}">
-                <a16:creationId xmlns:a16="http://schemas.microsoft.com/office/drawing/2014/main" id="{1D45CD31-8D84-5CD1-2D54-64FB0493C533}"/>
+                <a16:creationId xmlns:a16="http://schemas.microsoft.com/office/drawing/2014/main" id="{1EB2DA35-90E1-BAC7-BA4B-273B8F439623}"/>
               </a:ext>
             </a:extLst>
           </p:cNvPr>
@@ -6875,71 +7338,40 @@
           <a:lstStyle/>
           <a:p>
             <a:r>
-              <a:rPr lang="en-IN" sz="1800" dirty="0"/>
-              <a:t>An </a:t>
-            </a:r>
-            <a:r>
-              <a:rPr lang="en-IN" sz="1800" b="1" dirty="0"/>
-              <a:t>API Gateway</a:t>
-            </a:r>
-            <a:r>
-              <a:rPr lang="en-IN" sz="1800" dirty="0"/>
-              <a:t> manages the full lifecycle and exposure of APIs to developers, handling tasks like authentication, rate limiting, and documentation, </a:t>
-            </a:r>
-          </a:p>
-          <a:p>
-            <a:r>
-              <a:rPr lang="en-IN" sz="1800" b="1" dirty="0"/>
-              <a:t>Application Gateway</a:t>
-            </a:r>
-            <a:r>
-              <a:rPr lang="en-IN" sz="1800" dirty="0"/>
-              <a:t> is primarily a Layer 7 load balancer with a Web Application Firewall (WAF) for general web traffic security and distribution. </a:t>
-            </a:r>
-            <a:br>
-              <a:rPr lang="en-IN" sz="1800" dirty="0"/>
-            </a:br>
-            <a:endParaRPr lang="en-IN" sz="1800" dirty="0"/>
-          </a:p>
-          <a:p>
-            <a:r>
-              <a:rPr lang="en-IN" sz="1800" b="1" dirty="0"/>
-              <a:t>API Gateway</a:t>
-            </a:r>
-            <a:r>
-              <a:rPr lang="en-IN" sz="1800" dirty="0"/>
-              <a:t> </a:t>
-            </a:r>
-          </a:p>
-          <a:p>
-            <a:pPr lvl="1"/>
-            <a:r>
               <a:rPr lang="en-IN" sz="2000" dirty="0"/>
-              <a:t>To expose backend services as managed, versioned APIs to internal or external developers. </a:t>
-            </a:r>
-          </a:p>
-          <a:p>
-            <a:pPr lvl="1"/>
+              <a:t>Used to work with several microservices, or tiny apps, that scale on their own according to demand.</a:t>
+            </a:r>
+          </a:p>
+          <a:p>
             <a:r>
               <a:rPr lang="en-IN" sz="2000" dirty="0"/>
-              <a:t>It is ideal for microservices architectures, enabling consistent policy enforcement, detailed analytics, and partner onboarding.</a:t>
-            </a:r>
-          </a:p>
-          <a:p>
-            <a:r>
-              <a:rPr lang="en-IN" sz="1800" b="1" dirty="0"/>
-              <a:t>Use an Application Gateway</a:t>
-            </a:r>
-            <a:r>
-              <a:rPr lang="en-IN" sz="1800" dirty="0"/>
-              <a:t> </a:t>
-            </a:r>
-          </a:p>
-          <a:p>
-            <a:pPr lvl="1"/>
+              <a:t>Used for creating adaptable, event-driven systems without having to handle intricate infrastructure.</a:t>
+            </a:r>
+          </a:p>
+          <a:p>
+            <a:r>
+              <a:rPr lang="en-IN" sz="2000" b="1" dirty="0"/>
+              <a:t>Best for:</a:t>
+            </a:r>
             <a:r>
               <a:rPr lang="en-IN" sz="2000" dirty="0"/>
-              <a:t>To provide high-performance load balancing and robust security for general web applications. </a:t>
+              <a:t> Microservices, event-driven apps, background processing</a:t>
+            </a:r>
+          </a:p>
+          <a:p>
+            <a:r>
+              <a:rPr lang="en-IN" sz="2000" b="1" dirty="0"/>
+              <a:t>A </a:t>
+            </a:r>
+            <a:r>
+              <a:rPr lang="en-IN" sz="2000" dirty="0"/>
+              <a:t> microservices design, in which each service manages a distinct task—like inventory control, payment processing, or shipping updates—is frequently used in modern systems. </a:t>
+            </a:r>
+          </a:p>
+          <a:p>
+            <a:r>
+              <a:rPr lang="en-IN" sz="2000" dirty="0"/>
+              <a:t>Each microservice may be set up in its own container using Azure Container Apps, allowing for autonomous lifecycle management and scaling.</a:t>
             </a:r>
           </a:p>
         </p:txBody>
@@ -6947,7 +7379,7 @@
     </p:spTree>
     <p:extLst>
       <p:ext uri="{BB962C8B-B14F-4D97-AF65-F5344CB8AC3E}">
-        <p14:creationId xmlns:p14="http://schemas.microsoft.com/office/powerpoint/2010/main" val="882353707"/>
+        <p14:creationId xmlns:p14="http://schemas.microsoft.com/office/powerpoint/2010/main" val="2007416602"/>
       </p:ext>
     </p:extLst>
   </p:cSld>
@@ -6979,808 +7411,6 @@
           <p:cNvPr id="2" name="Title 1">
             <a:extLst>
               <a:ext uri="{FF2B5EF4-FFF2-40B4-BE49-F238E27FC236}">
-                <a16:creationId xmlns:a16="http://schemas.microsoft.com/office/drawing/2014/main" id="{66C47BB3-29C3-6A2C-C0CA-AEF9BC821485}"/>
-              </a:ext>
-            </a:extLst>
-          </p:cNvPr>
-          <p:cNvSpPr>
-            <a:spLocks noGrp="1"/>
-          </p:cNvSpPr>
-          <p:nvPr>
-            <p:ph type="title"/>
-          </p:nvPr>
-        </p:nvSpPr>
-        <p:spPr/>
-        <p:txBody>
-          <a:bodyPr/>
-          <a:lstStyle/>
-          <a:p>
-            <a:r>
-              <a:rPr lang="en-US" dirty="0"/>
-              <a:t>API Policies </a:t>
-            </a:r>
-          </a:p>
-        </p:txBody>
-      </p:sp>
-      <p:sp>
-        <p:nvSpPr>
-          <p:cNvPr id="3" name="Content Placeholder 2">
-            <a:extLst>
-              <a:ext uri="{FF2B5EF4-FFF2-40B4-BE49-F238E27FC236}">
-                <a16:creationId xmlns:a16="http://schemas.microsoft.com/office/drawing/2014/main" id="{DD21088B-A264-639D-6DCB-3758CCAEAA73}"/>
-              </a:ext>
-            </a:extLst>
-          </p:cNvPr>
-          <p:cNvSpPr>
-            <a:spLocks noGrp="1"/>
-          </p:cNvSpPr>
-          <p:nvPr>
-            <p:ph idx="1"/>
-          </p:nvPr>
-        </p:nvSpPr>
-        <p:spPr/>
-        <p:txBody>
-          <a:bodyPr/>
-          <a:lstStyle/>
-          <a:p>
-            <a:r>
-              <a:rPr lang="en-IN" sz="2000" b="1" dirty="0"/>
-              <a:t>API policies</a:t>
-            </a:r>
-          </a:p>
-          <a:p>
-            <a:pPr lvl="1"/>
-            <a:r>
-              <a:rPr lang="en-IN" sz="2000" dirty="0"/>
-              <a:t>Define the rules and guidelines for how APIs are designed, secured, and managed, </a:t>
-            </a:r>
-          </a:p>
-          <a:p>
-            <a:pPr lvl="1"/>
-            <a:r>
-              <a:rPr lang="en-IN" sz="2000" dirty="0"/>
-              <a:t>Provide structure and control across the API lifecycle. </a:t>
-            </a:r>
-          </a:p>
-          <a:p>
-            <a:pPr marL="0" indent="0">
-              <a:buNone/>
-            </a:pPr>
-            <a:endParaRPr lang="en-IN" sz="2000" b="1" dirty="0"/>
-          </a:p>
-          <a:p>
-            <a:r>
-              <a:rPr lang="en-IN" sz="2000" b="1" dirty="0"/>
-              <a:t>API versioning</a:t>
-            </a:r>
-            <a:r>
-              <a:rPr lang="en-IN" sz="2000" dirty="0"/>
-              <a:t> </a:t>
-            </a:r>
-          </a:p>
-          <a:p>
-            <a:pPr lvl="1"/>
-            <a:r>
-              <a:rPr lang="en-IN" sz="2000" dirty="0"/>
-              <a:t>Process of handling and communicating changes to an API over time without disrupting existing users. </a:t>
-            </a:r>
-          </a:p>
-          <a:p>
-            <a:pPr lvl="1"/>
-            <a:r>
-              <a:rPr lang="en-IN" sz="2000" dirty="0"/>
-              <a:t>Ensures stability and predictability as an API evolves. </a:t>
-            </a:r>
-          </a:p>
-        </p:txBody>
-      </p:sp>
-    </p:spTree>
-    <p:extLst>
-      <p:ext uri="{BB962C8B-B14F-4D97-AF65-F5344CB8AC3E}">
-        <p14:creationId xmlns:p14="http://schemas.microsoft.com/office/powerpoint/2010/main" val="663848592"/>
-      </p:ext>
-    </p:extLst>
-  </p:cSld>
-  <p:clrMapOvr>
-    <a:masterClrMapping/>
-  </p:clrMapOvr>
-</p:sld>
-</file>
-
-<file path=ppt/slides/slide19.xml><?xml version="1.0" encoding="utf-8"?>
-<p:sld xmlns:a="http://schemas.openxmlformats.org/drawingml/2006/main" xmlns:r="http://schemas.openxmlformats.org/officeDocument/2006/relationships" xmlns:p="http://schemas.openxmlformats.org/presentationml/2006/main">
-  <p:cSld>
-    <p:spTree>
-      <p:nvGrpSpPr>
-        <p:cNvPr id="1" name=""/>
-        <p:cNvGrpSpPr/>
-        <p:nvPr/>
-      </p:nvGrpSpPr>
-      <p:grpSpPr>
-        <a:xfrm>
-          <a:off x="0" y="0"/>
-          <a:ext cx="0" cy="0"/>
-          <a:chOff x="0" y="0"/>
-          <a:chExt cx="0" cy="0"/>
-        </a:xfrm>
-      </p:grpSpPr>
-      <p:sp>
-        <p:nvSpPr>
-          <p:cNvPr id="2" name="Title 1">
-            <a:extLst>
-              <a:ext uri="{FF2B5EF4-FFF2-40B4-BE49-F238E27FC236}">
-                <a16:creationId xmlns:a16="http://schemas.microsoft.com/office/drawing/2014/main" id="{9670CCAF-0552-B311-92BC-88AE16CFA1EB}"/>
-              </a:ext>
-            </a:extLst>
-          </p:cNvPr>
-          <p:cNvSpPr>
-            <a:spLocks noGrp="1"/>
-          </p:cNvSpPr>
-          <p:nvPr>
-            <p:ph type="title"/>
-          </p:nvPr>
-        </p:nvSpPr>
-        <p:spPr/>
-        <p:txBody>
-          <a:bodyPr/>
-          <a:lstStyle/>
-          <a:p>
-            <a:r>
-              <a:rPr lang="en-US" dirty="0"/>
-              <a:t>Developer Portal</a:t>
-            </a:r>
-          </a:p>
-        </p:txBody>
-      </p:sp>
-      <p:sp>
-        <p:nvSpPr>
-          <p:cNvPr id="3" name="Content Placeholder 2">
-            <a:extLst>
-              <a:ext uri="{FF2B5EF4-FFF2-40B4-BE49-F238E27FC236}">
-                <a16:creationId xmlns:a16="http://schemas.microsoft.com/office/drawing/2014/main" id="{757E8B1C-F646-7D2A-0E67-11552749806E}"/>
-              </a:ext>
-            </a:extLst>
-          </p:cNvPr>
-          <p:cNvSpPr>
-            <a:spLocks noGrp="1"/>
-          </p:cNvSpPr>
-          <p:nvPr>
-            <p:ph idx="1"/>
-          </p:nvPr>
-        </p:nvSpPr>
-        <p:spPr/>
-        <p:txBody>
-          <a:bodyPr/>
-          <a:lstStyle/>
-          <a:p>
-            <a:r>
-              <a:rPr lang="en-IN" sz="2000" dirty="0"/>
-              <a:t>A centralized hub for API documentation, testing, and performance monitoring, allowing developers to track usage patterns, error rates (e.g., 500 errors), and latency. </a:t>
-            </a:r>
-          </a:p>
-          <a:p>
-            <a:endParaRPr lang="en-IN" sz="2000" dirty="0"/>
-          </a:p>
-          <a:p>
-            <a:r>
-              <a:rPr lang="en-IN" sz="2000" dirty="0"/>
-              <a:t>These portals improve developer experience by offering interactive dashboards, API key management, and insights into API adoption. </a:t>
-            </a:r>
-          </a:p>
-          <a:p>
-            <a:endParaRPr lang="en-IN" sz="2000" dirty="0"/>
-          </a:p>
-          <a:p>
-            <a:r>
-              <a:rPr lang="en-IN" sz="2000" dirty="0"/>
-              <a:t>IBM API Connect</a:t>
-            </a:r>
-          </a:p>
-          <a:p>
-            <a:r>
-              <a:rPr lang="en-IN" sz="2000" dirty="0"/>
-              <a:t>Kong Konnect</a:t>
-            </a:r>
-          </a:p>
-          <a:p>
-            <a:r>
-              <a:rPr lang="en-IN" sz="2000" dirty="0"/>
-              <a:t>Azure API Management</a:t>
-            </a:r>
-          </a:p>
-        </p:txBody>
-      </p:sp>
-    </p:spTree>
-    <p:extLst>
-      <p:ext uri="{BB962C8B-B14F-4D97-AF65-F5344CB8AC3E}">
-        <p14:creationId xmlns:p14="http://schemas.microsoft.com/office/powerpoint/2010/main" val="996832404"/>
-      </p:ext>
-    </p:extLst>
-  </p:cSld>
-  <p:clrMapOvr>
-    <a:masterClrMapping/>
-  </p:clrMapOvr>
-</p:sld>
-</file>
-
-<file path=ppt/slides/slide2.xml><?xml version="1.0" encoding="utf-8"?>
-<p:sld xmlns:a="http://schemas.openxmlformats.org/drawingml/2006/main" xmlns:r="http://schemas.openxmlformats.org/officeDocument/2006/relationships" xmlns:p="http://schemas.openxmlformats.org/presentationml/2006/main">
-  <p:cSld>
-    <p:spTree>
-      <p:nvGrpSpPr>
-        <p:cNvPr id="1" name=""/>
-        <p:cNvGrpSpPr/>
-        <p:nvPr/>
-      </p:nvGrpSpPr>
-      <p:grpSpPr>
-        <a:xfrm>
-          <a:off x="0" y="0"/>
-          <a:ext cx="0" cy="0"/>
-          <a:chOff x="0" y="0"/>
-          <a:chExt cx="0" cy="0"/>
-        </a:xfrm>
-      </p:grpSpPr>
-      <p:sp>
-        <p:nvSpPr>
-          <p:cNvPr id="2" name="Title 1">
-            <a:extLst>
-              <a:ext uri="{FF2B5EF4-FFF2-40B4-BE49-F238E27FC236}">
-                <a16:creationId xmlns:a16="http://schemas.microsoft.com/office/drawing/2014/main" id="{4673DD3B-AEB3-8A39-81E6-91CC85AEBA2E}"/>
-              </a:ext>
-            </a:extLst>
-          </p:cNvPr>
-          <p:cNvSpPr>
-            <a:spLocks noGrp="1"/>
-          </p:cNvSpPr>
-          <p:nvPr>
-            <p:ph type="title"/>
-          </p:nvPr>
-        </p:nvSpPr>
-        <p:spPr/>
-        <p:txBody>
-          <a:bodyPr/>
-          <a:lstStyle/>
-          <a:p>
-            <a:br>
-              <a:rPr lang="en-IN" b="1" dirty="0"/>
-            </a:br>
-            <a:r>
-              <a:rPr lang="en-IN" b="1" dirty="0"/>
-              <a:t>Azure Container Instances (ACI)</a:t>
-            </a:r>
-            <a:br>
-              <a:rPr lang="en-IN" b="1" dirty="0"/>
-            </a:br>
-            <a:endParaRPr lang="en-US" dirty="0"/>
-          </a:p>
-        </p:txBody>
-      </p:sp>
-      <p:sp>
-        <p:nvSpPr>
-          <p:cNvPr id="3" name="Content Placeholder 2">
-            <a:extLst>
-              <a:ext uri="{FF2B5EF4-FFF2-40B4-BE49-F238E27FC236}">
-                <a16:creationId xmlns:a16="http://schemas.microsoft.com/office/drawing/2014/main" id="{4A3B27A5-75FA-0F1F-C883-4263EEF66075}"/>
-              </a:ext>
-            </a:extLst>
-          </p:cNvPr>
-          <p:cNvSpPr>
-            <a:spLocks noGrp="1"/>
-          </p:cNvSpPr>
-          <p:nvPr>
-            <p:ph idx="1"/>
-          </p:nvPr>
-        </p:nvSpPr>
-        <p:spPr/>
-        <p:txBody>
-          <a:bodyPr/>
-          <a:lstStyle/>
-          <a:p>
-            <a:r>
-              <a:rPr lang="en-IN" sz="2400" dirty="0"/>
-              <a:t>Can execute programs in containers using Azure Container Instances without having to build servers or other infrastructure. </a:t>
-            </a:r>
-          </a:p>
-          <a:p>
-            <a:endParaRPr lang="en-IN" sz="2400" b="1" dirty="0"/>
-          </a:p>
-          <a:p>
-            <a:r>
-              <a:rPr lang="en-IN" sz="2400" b="1" dirty="0"/>
-              <a:t>Best for:</a:t>
-            </a:r>
-            <a:r>
-              <a:rPr lang="en-IN" sz="2400" dirty="0"/>
-              <a:t> Short-lived tasks, background jobs, quick container deployment</a:t>
-            </a:r>
-          </a:p>
-          <a:p>
-            <a:endParaRPr lang="en-IN" sz="2400" dirty="0"/>
-          </a:p>
-          <a:p>
-            <a:r>
-              <a:rPr lang="en-IN" sz="2400" dirty="0"/>
-              <a:t>A application to handle PDFs uploaded by users. </a:t>
-            </a:r>
-          </a:p>
-          <a:p>
-            <a:endParaRPr lang="en-IN" sz="2400" dirty="0"/>
-          </a:p>
-          <a:p>
-            <a:r>
-              <a:rPr lang="en-IN" sz="2400" dirty="0"/>
-              <a:t>On-demand container spinning, file processing, and automated shutdown are all possible with ACI.</a:t>
-            </a:r>
-          </a:p>
-          <a:p>
-            <a:pPr marL="0" indent="0">
-              <a:buNone/>
-            </a:pPr>
-            <a:br>
-              <a:rPr lang="en-IN" sz="2400" dirty="0"/>
-            </a:br>
-            <a:endParaRPr lang="en-US" sz="2400" dirty="0"/>
-          </a:p>
-        </p:txBody>
-      </p:sp>
-    </p:spTree>
-    <p:extLst>
-      <p:ext uri="{BB962C8B-B14F-4D97-AF65-F5344CB8AC3E}">
-        <p14:creationId xmlns:p14="http://schemas.microsoft.com/office/powerpoint/2010/main" val="3234317354"/>
-      </p:ext>
-    </p:extLst>
-  </p:cSld>
-  <p:clrMapOvr>
-    <a:masterClrMapping/>
-  </p:clrMapOvr>
-</p:sld>
-</file>
-
-<file path=ppt/slides/slide20.xml><?xml version="1.0" encoding="utf-8"?>
-<p:sld xmlns:a="http://schemas.openxmlformats.org/drawingml/2006/main" xmlns:r="http://schemas.openxmlformats.org/officeDocument/2006/relationships" xmlns:p="http://schemas.openxmlformats.org/presentationml/2006/main">
-  <p:cSld>
-    <p:spTree>
-      <p:nvGrpSpPr>
-        <p:cNvPr id="1" name=""/>
-        <p:cNvGrpSpPr/>
-        <p:nvPr/>
-      </p:nvGrpSpPr>
-      <p:grpSpPr>
-        <a:xfrm>
-          <a:off x="0" y="0"/>
-          <a:ext cx="0" cy="0"/>
-          <a:chOff x="0" y="0"/>
-          <a:chExt cx="0" cy="0"/>
-        </a:xfrm>
-      </p:grpSpPr>
-      <p:sp>
-        <p:nvSpPr>
-          <p:cNvPr id="2" name="Title 1">
-            <a:extLst>
-              <a:ext uri="{FF2B5EF4-FFF2-40B4-BE49-F238E27FC236}">
-                <a16:creationId xmlns:a16="http://schemas.microsoft.com/office/drawing/2014/main" id="{20E552C7-8E29-C919-7CF1-53541A041E47}"/>
-              </a:ext>
-            </a:extLst>
-          </p:cNvPr>
-          <p:cNvSpPr>
-            <a:spLocks noGrp="1"/>
-          </p:cNvSpPr>
-          <p:nvPr>
-            <p:ph type="title"/>
-          </p:nvPr>
-        </p:nvSpPr>
-        <p:spPr/>
-        <p:txBody>
-          <a:bodyPr/>
-          <a:lstStyle/>
-          <a:p>
-            <a:r>
-              <a:rPr lang="en-US" dirty="0"/>
-              <a:t>API Composition Pattern</a:t>
-            </a:r>
-          </a:p>
-        </p:txBody>
-      </p:sp>
-      <p:sp>
-        <p:nvSpPr>
-          <p:cNvPr id="3" name="Content Placeholder 2">
-            <a:extLst>
-              <a:ext uri="{FF2B5EF4-FFF2-40B4-BE49-F238E27FC236}">
-                <a16:creationId xmlns:a16="http://schemas.microsoft.com/office/drawing/2014/main" id="{8C814577-A234-A15B-B465-0B17077B1F65}"/>
-              </a:ext>
-            </a:extLst>
-          </p:cNvPr>
-          <p:cNvSpPr>
-            <a:spLocks noGrp="1"/>
-          </p:cNvSpPr>
-          <p:nvPr>
-            <p:ph idx="1"/>
-          </p:nvPr>
-        </p:nvSpPr>
-        <p:spPr/>
-        <p:txBody>
-          <a:bodyPr/>
-          <a:lstStyle/>
-          <a:p>
-            <a:r>
-              <a:rPr lang="en-IN" sz="1800" dirty="0"/>
-              <a:t>Used to aggregate responses from multiple microservices into a single API endpoint.</a:t>
-            </a:r>
-          </a:p>
-          <a:p>
-            <a:endParaRPr lang="en-IN" sz="1800" dirty="0"/>
-          </a:p>
-          <a:p>
-            <a:r>
-              <a:rPr lang="en-IN" sz="1800" dirty="0"/>
-              <a:t>The API Composition Pattern creates intermediary layer that orchestrates calls to the relevant microservices, compiles their responses, and presents a unified response to the client.</a:t>
-            </a:r>
-          </a:p>
-          <a:p>
-            <a:endParaRPr lang="en-IN" sz="1800" dirty="0"/>
-          </a:p>
-          <a:p>
-            <a:r>
-              <a:rPr lang="en-IN" sz="1800" dirty="0"/>
-              <a:t>This pattern can be implemented using a dedicated API gateway or a composition service that fetches data asynchronously, ensuring that the client receives all necessary information in one call.</a:t>
-            </a:r>
-          </a:p>
-          <a:p>
-            <a:pPr marL="0" indent="0">
-              <a:buNone/>
-            </a:pPr>
-            <a:br>
-              <a:rPr lang="en-IN" sz="1800" dirty="0"/>
-            </a:br>
-            <a:endParaRPr lang="en-US" sz="1800" dirty="0"/>
-          </a:p>
-          <a:p>
-            <a:endParaRPr lang="en-US" sz="1800" dirty="0"/>
-          </a:p>
-        </p:txBody>
-      </p:sp>
-    </p:spTree>
-    <p:extLst>
-      <p:ext uri="{BB962C8B-B14F-4D97-AF65-F5344CB8AC3E}">
-        <p14:creationId xmlns:p14="http://schemas.microsoft.com/office/powerpoint/2010/main" val="910182586"/>
-      </p:ext>
-    </p:extLst>
-  </p:cSld>
-  <p:clrMapOvr>
-    <a:masterClrMapping/>
-  </p:clrMapOvr>
-</p:sld>
-</file>
-
-<file path=ppt/slides/slide21.xml><?xml version="1.0" encoding="utf-8"?>
-<p:sld xmlns:a="http://schemas.openxmlformats.org/drawingml/2006/main" xmlns:r="http://schemas.openxmlformats.org/officeDocument/2006/relationships" xmlns:p="http://schemas.openxmlformats.org/presentationml/2006/main">
-  <p:cSld>
-    <p:spTree>
-      <p:nvGrpSpPr>
-        <p:cNvPr id="1" name=""/>
-        <p:cNvGrpSpPr/>
-        <p:nvPr/>
-      </p:nvGrpSpPr>
-      <p:grpSpPr>
-        <a:xfrm>
-          <a:off x="0" y="0"/>
-          <a:ext cx="0" cy="0"/>
-          <a:chOff x="0" y="0"/>
-          <a:chExt cx="0" cy="0"/>
-        </a:xfrm>
-      </p:grpSpPr>
-      <p:sp>
-        <p:nvSpPr>
-          <p:cNvPr id="2" name="Title 1">
-            <a:extLst>
-              <a:ext uri="{FF2B5EF4-FFF2-40B4-BE49-F238E27FC236}">
-                <a16:creationId xmlns:a16="http://schemas.microsoft.com/office/drawing/2014/main" id="{F31FECB5-8634-7670-D406-FEBC79445E32}"/>
-              </a:ext>
-            </a:extLst>
-          </p:cNvPr>
-          <p:cNvSpPr>
-            <a:spLocks noGrp="1"/>
-          </p:cNvSpPr>
-          <p:nvPr>
-            <p:ph type="title"/>
-          </p:nvPr>
-        </p:nvSpPr>
-        <p:spPr/>
-        <p:txBody>
-          <a:bodyPr/>
-          <a:lstStyle/>
-          <a:p>
-            <a:br>
-              <a:rPr lang="en-IN" dirty="0"/>
-            </a:br>
-            <a:r>
-              <a:rPr lang="en-IN" b="1" dirty="0"/>
-              <a:t>API Composition</a:t>
-            </a:r>
-            <a:br>
-              <a:rPr lang="en-IN" b="1" dirty="0"/>
-            </a:br>
-            <a:endParaRPr lang="en-US" dirty="0"/>
-          </a:p>
-        </p:txBody>
-      </p:sp>
-      <p:sp>
-        <p:nvSpPr>
-          <p:cNvPr id="3" name="Content Placeholder 2">
-            <a:extLst>
-              <a:ext uri="{FF2B5EF4-FFF2-40B4-BE49-F238E27FC236}">
-                <a16:creationId xmlns:a16="http://schemas.microsoft.com/office/drawing/2014/main" id="{C32E1DED-4A97-52BE-2A56-A3BBBC62234F}"/>
-              </a:ext>
-            </a:extLst>
-          </p:cNvPr>
-          <p:cNvSpPr>
-            <a:spLocks noGrp="1" noRot="1" noMove="1" noResize="1" noEditPoints="1" noAdjustHandles="1" noChangeArrowheads="1" noChangeShapeType="1"/>
-          </p:cNvSpPr>
-          <p:nvPr>
-            <p:ph idx="1"/>
-          </p:nvPr>
-        </p:nvSpPr>
-        <p:spPr/>
-        <p:txBody>
-          <a:bodyPr/>
-          <a:lstStyle/>
-          <a:p>
-            <a:r>
-              <a:rPr lang="en-IN" sz="1800" b="1" dirty="0"/>
-              <a:t>Client Request:</a:t>
-            </a:r>
-            <a:r>
-              <a:rPr lang="en-IN" sz="1800" dirty="0"/>
-              <a:t> </a:t>
-            </a:r>
-          </a:p>
-          <a:p>
-            <a:r>
-              <a:rPr lang="en-IN" sz="1800" b="1" dirty="0"/>
-              <a:t>Request Parsing:</a:t>
-            </a:r>
-            <a:r>
-              <a:rPr lang="en-IN" sz="1800" dirty="0"/>
-              <a:t> </a:t>
-            </a:r>
-          </a:p>
-          <a:p>
-            <a:r>
-              <a:rPr lang="en-IN" sz="1800" b="1" dirty="0"/>
-              <a:t>Service Calls:</a:t>
-            </a:r>
-            <a:r>
-              <a:rPr lang="en-IN" sz="1800" dirty="0"/>
-              <a:t> The composition layer makes calls to the relevant microservices. These calls can be done in parallel or sequentially, depending on the dependencies between the services and the design of the composition layer. </a:t>
-            </a:r>
-          </a:p>
-          <a:p>
-            <a:r>
-              <a:rPr lang="en-IN" sz="1800" b="1" dirty="0"/>
-              <a:t>Data Aggregation:</a:t>
-            </a:r>
-            <a:r>
-              <a:rPr lang="en-IN" sz="1800" dirty="0"/>
-              <a:t> .</a:t>
-            </a:r>
-          </a:p>
-          <a:p>
-            <a:r>
-              <a:rPr lang="en-IN" sz="1800" b="1" dirty="0"/>
-              <a:t>Response Formatting: </a:t>
-            </a:r>
-          </a:p>
-          <a:p>
-            <a:r>
-              <a:rPr lang="en-IN" sz="1800" b="1" dirty="0"/>
-              <a:t>Return Response:</a:t>
-            </a:r>
-            <a:r>
-              <a:rPr lang="en-IN" sz="1800" dirty="0"/>
-              <a:t> </a:t>
-            </a:r>
-          </a:p>
-          <a:p>
-            <a:r>
-              <a:rPr lang="en-IN" sz="1800" b="1" dirty="0"/>
-              <a:t>Caching:</a:t>
-            </a:r>
-            <a:r>
-              <a:rPr lang="en-IN" sz="1800" dirty="0"/>
-              <a:t> </a:t>
-            </a:r>
-          </a:p>
-          <a:p>
-            <a:r>
-              <a:rPr lang="en-IN" sz="1800" b="1" dirty="0"/>
-              <a:t>Security and Monitoring</a:t>
-            </a:r>
-            <a:r>
-              <a:rPr lang="en-IN" sz="1800" b="1"/>
-              <a:t>:</a:t>
-            </a:r>
-            <a:r>
-              <a:rPr lang="en-IN" sz="1800"/>
-              <a:t>  </a:t>
-            </a:r>
-            <a:r>
-              <a:rPr lang="en-IN" sz="1800" dirty="0"/>
-              <a:t>C</a:t>
-            </a:r>
-            <a:r>
-              <a:rPr lang="en-IN" sz="1800"/>
-              <a:t>an </a:t>
-            </a:r>
-            <a:r>
-              <a:rPr lang="en-IN" sz="1800" dirty="0"/>
-              <a:t>enforce security protocols (like authentication and authorization) and monitor requests for performance metrics, enabling centralized control over these aspects.</a:t>
-            </a:r>
-          </a:p>
-          <a:p>
-            <a:endParaRPr lang="en-US" sz="1800" dirty="0"/>
-          </a:p>
-        </p:txBody>
-      </p:sp>
-    </p:spTree>
-    <p:extLst>
-      <p:ext uri="{BB962C8B-B14F-4D97-AF65-F5344CB8AC3E}">
-        <p14:creationId xmlns:p14="http://schemas.microsoft.com/office/powerpoint/2010/main" val="3653689535"/>
-      </p:ext>
-    </p:extLst>
-  </p:cSld>
-  <p:clrMapOvr>
-    <a:masterClrMapping/>
-  </p:clrMapOvr>
-</p:sld>
-</file>
-
-<file path=ppt/slides/slide3.xml><?xml version="1.0" encoding="utf-8"?>
-<p:sld xmlns:a="http://schemas.openxmlformats.org/drawingml/2006/main" xmlns:r="http://schemas.openxmlformats.org/officeDocument/2006/relationships" xmlns:p="http://schemas.openxmlformats.org/presentationml/2006/main">
-  <p:cSld>
-    <p:spTree>
-      <p:nvGrpSpPr>
-        <p:cNvPr id="1" name=""/>
-        <p:cNvGrpSpPr/>
-        <p:nvPr/>
-      </p:nvGrpSpPr>
-      <p:grpSpPr>
-        <a:xfrm>
-          <a:off x="0" y="0"/>
-          <a:ext cx="0" cy="0"/>
-          <a:chOff x="0" y="0"/>
-          <a:chExt cx="0" cy="0"/>
-        </a:xfrm>
-      </p:grpSpPr>
-      <p:sp>
-        <p:nvSpPr>
-          <p:cNvPr id="2" name="Title 1">
-            <a:extLst>
-              <a:ext uri="{FF2B5EF4-FFF2-40B4-BE49-F238E27FC236}">
-                <a16:creationId xmlns:a16="http://schemas.microsoft.com/office/drawing/2014/main" id="{D68E3200-8BD8-C95D-0014-1D8BF3835D83}"/>
-              </a:ext>
-            </a:extLst>
-          </p:cNvPr>
-          <p:cNvSpPr>
-            <a:spLocks noGrp="1"/>
-          </p:cNvSpPr>
-          <p:nvPr>
-            <p:ph type="title"/>
-          </p:nvPr>
-        </p:nvSpPr>
-        <p:spPr/>
-        <p:txBody>
-          <a:bodyPr/>
-          <a:lstStyle/>
-          <a:p>
-            <a:br>
-              <a:rPr lang="en-IN" b="1" dirty="0"/>
-            </a:br>
-            <a:r>
-              <a:rPr lang="en-IN" b="1" dirty="0"/>
-              <a:t>Azure Container Apps</a:t>
-            </a:r>
-            <a:br>
-              <a:rPr lang="en-IN" b="1" dirty="0"/>
-            </a:br>
-            <a:endParaRPr lang="en-US" dirty="0"/>
-          </a:p>
-        </p:txBody>
-      </p:sp>
-      <p:sp>
-        <p:nvSpPr>
-          <p:cNvPr id="3" name="Content Placeholder 2">
-            <a:extLst>
-              <a:ext uri="{FF2B5EF4-FFF2-40B4-BE49-F238E27FC236}">
-                <a16:creationId xmlns:a16="http://schemas.microsoft.com/office/drawing/2014/main" id="{1EB2DA35-90E1-BAC7-BA4B-273B8F439623}"/>
-              </a:ext>
-            </a:extLst>
-          </p:cNvPr>
-          <p:cNvSpPr>
-            <a:spLocks noGrp="1"/>
-          </p:cNvSpPr>
-          <p:nvPr>
-            <p:ph idx="1"/>
-          </p:nvPr>
-        </p:nvSpPr>
-        <p:spPr/>
-        <p:txBody>
-          <a:bodyPr/>
-          <a:lstStyle/>
-          <a:p>
-            <a:r>
-              <a:rPr lang="en-IN" sz="2000" dirty="0"/>
-              <a:t>Used to work with several microservices, or tiny apps, that scale on their own according to demand.</a:t>
-            </a:r>
-          </a:p>
-          <a:p>
-            <a:r>
-              <a:rPr lang="en-IN" sz="2000" dirty="0"/>
-              <a:t>Used for creating adaptable, event-driven systems without having to handle intricate infrastructure.</a:t>
-            </a:r>
-          </a:p>
-          <a:p>
-            <a:r>
-              <a:rPr lang="en-IN" sz="2000" b="1" dirty="0"/>
-              <a:t>Best for:</a:t>
-            </a:r>
-            <a:r>
-              <a:rPr lang="en-IN" sz="2000" dirty="0"/>
-              <a:t> Microservices, event-driven apps, background processing</a:t>
-            </a:r>
-          </a:p>
-          <a:p>
-            <a:r>
-              <a:rPr lang="en-IN" sz="2000" b="1" dirty="0"/>
-              <a:t>A </a:t>
-            </a:r>
-            <a:r>
-              <a:rPr lang="en-IN" sz="2000" dirty="0"/>
-              <a:t> microservices design, in which each service manages a distinct task—like inventory control, payment processing, or shipping updates—is frequently used in modern systems. </a:t>
-            </a:r>
-          </a:p>
-          <a:p>
-            <a:r>
-              <a:rPr lang="en-IN" sz="2000" dirty="0"/>
-              <a:t>Each microservice may be set up in its own container using Azure Container Apps, allowing for autonomous lifecycle management and scaling.</a:t>
-            </a:r>
-          </a:p>
-        </p:txBody>
-      </p:sp>
-    </p:spTree>
-    <p:extLst>
-      <p:ext uri="{BB962C8B-B14F-4D97-AF65-F5344CB8AC3E}">
-        <p14:creationId xmlns:p14="http://schemas.microsoft.com/office/powerpoint/2010/main" val="2007416602"/>
-      </p:ext>
-    </p:extLst>
-  </p:cSld>
-  <p:clrMapOvr>
-    <a:masterClrMapping/>
-  </p:clrMapOvr>
-</p:sld>
-</file>
-
-<file path=ppt/slides/slide4.xml><?xml version="1.0" encoding="utf-8"?>
-<p:sld xmlns:a="http://schemas.openxmlformats.org/drawingml/2006/main" xmlns:r="http://schemas.openxmlformats.org/officeDocument/2006/relationships" xmlns:p="http://schemas.openxmlformats.org/presentationml/2006/main">
-  <p:cSld>
-    <p:spTree>
-      <p:nvGrpSpPr>
-        <p:cNvPr id="1" name=""/>
-        <p:cNvGrpSpPr/>
-        <p:nvPr/>
-      </p:nvGrpSpPr>
-      <p:grpSpPr>
-        <a:xfrm>
-          <a:off x="0" y="0"/>
-          <a:ext cx="0" cy="0"/>
-          <a:chOff x="0" y="0"/>
-          <a:chExt cx="0" cy="0"/>
-        </a:xfrm>
-      </p:grpSpPr>
-      <p:sp>
-        <p:nvSpPr>
-          <p:cNvPr id="2" name="Title 1">
-            <a:extLst>
-              <a:ext uri="{FF2B5EF4-FFF2-40B4-BE49-F238E27FC236}">
                 <a16:creationId xmlns:a16="http://schemas.microsoft.com/office/drawing/2014/main" id="{C1808D61-7E96-5158-9D8F-4BFC2C06B2BF}"/>
               </a:ext>
             </a:extLst>
@@ -7919,7 +7549,7 @@
 </p:sld>
 </file>
 
-<file path=ppt/slides/slide5.xml><?xml version="1.0" encoding="utf-8"?>
+<file path=ppt/slides/slide19.xml><?xml version="1.0" encoding="utf-8"?>
 <p:sld xmlns:a="http://schemas.openxmlformats.org/drawingml/2006/main" xmlns:r="http://schemas.openxmlformats.org/officeDocument/2006/relationships" xmlns:p="http://schemas.openxmlformats.org/presentationml/2006/main">
   <p:cSld>
     <p:spTree>
@@ -8026,6 +7656,3376 @@
 </p:sld>
 </file>
 
+<file path=ppt/slides/slide2.xml><?xml version="1.0" encoding="utf-8"?>
+<p:sld xmlns:a="http://schemas.openxmlformats.org/drawingml/2006/main" xmlns:r="http://schemas.openxmlformats.org/officeDocument/2006/relationships" xmlns:p="http://schemas.openxmlformats.org/presentationml/2006/main">
+  <p:cSld>
+    <p:spTree>
+      <p:nvGrpSpPr>
+        <p:cNvPr id="1" name=""/>
+        <p:cNvGrpSpPr/>
+        <p:nvPr/>
+      </p:nvGrpSpPr>
+      <p:grpSpPr>
+        <a:xfrm>
+          <a:off x="0" y="0"/>
+          <a:ext cx="0" cy="0"/>
+          <a:chOff x="0" y="0"/>
+          <a:chExt cx="0" cy="0"/>
+        </a:xfrm>
+      </p:grpSpPr>
+      <p:sp>
+        <p:nvSpPr>
+          <p:cNvPr id="2" name="Title 1">
+            <a:extLst>
+              <a:ext uri="{FF2B5EF4-FFF2-40B4-BE49-F238E27FC236}">
+                <a16:creationId xmlns:a16="http://schemas.microsoft.com/office/drawing/2014/main" id="{486C8A56-D2BD-D029-6581-5B2014BF650F}"/>
+              </a:ext>
+            </a:extLst>
+          </p:cNvPr>
+          <p:cNvSpPr>
+            <a:spLocks noGrp="1"/>
+          </p:cNvSpPr>
+          <p:nvPr>
+            <p:ph type="title"/>
+          </p:nvPr>
+        </p:nvSpPr>
+        <p:spPr/>
+        <p:txBody>
+          <a:bodyPr/>
+          <a:lstStyle/>
+          <a:p>
+            <a:r>
+              <a:rPr lang="en-US" dirty="0"/>
+              <a:t>Sizing </a:t>
+            </a:r>
+          </a:p>
+        </p:txBody>
+      </p:sp>
+      <p:sp>
+        <p:nvSpPr>
+          <p:cNvPr id="3" name="Content Placeholder 2">
+            <a:extLst>
+              <a:ext uri="{FF2B5EF4-FFF2-40B4-BE49-F238E27FC236}">
+                <a16:creationId xmlns:a16="http://schemas.microsoft.com/office/drawing/2014/main" id="{6C4003A0-FCC1-00FD-AA34-59ECB7CE5CA7}"/>
+              </a:ext>
+            </a:extLst>
+          </p:cNvPr>
+          <p:cNvSpPr>
+            <a:spLocks noGrp="1"/>
+          </p:cNvSpPr>
+          <p:nvPr>
+            <p:ph idx="1"/>
+          </p:nvPr>
+        </p:nvSpPr>
+        <p:spPr/>
+        <p:txBody>
+          <a:bodyPr/>
+          <a:lstStyle/>
+          <a:p>
+            <a:pPr>
+              <a:lnSpc>
+                <a:spcPct val="150000"/>
+              </a:lnSpc>
+            </a:pPr>
+            <a:r>
+              <a:rPr lang="en-IN" sz="1800" dirty="0"/>
+              <a:t>Sizing scales linearly with CPU and RAM; </a:t>
+            </a:r>
+          </a:p>
+          <a:p>
+            <a:pPr lvl="1">
+              <a:lnSpc>
+                <a:spcPct val="150000"/>
+              </a:lnSpc>
+            </a:pPr>
+            <a:r>
+              <a:rPr lang="en-IN" sz="1800" dirty="0"/>
+              <a:t>Dsv5 for balanced workloads </a:t>
+            </a:r>
+          </a:p>
+          <a:p>
+            <a:pPr lvl="1">
+              <a:lnSpc>
+                <a:spcPct val="150000"/>
+              </a:lnSpc>
+            </a:pPr>
+            <a:r>
+              <a:rPr lang="en-IN" sz="1800" dirty="0"/>
+              <a:t>Ebdsv5 for memory-intensive tasks. </a:t>
+            </a:r>
+          </a:p>
+          <a:p>
+            <a:pPr>
+              <a:lnSpc>
+                <a:spcPct val="150000"/>
+              </a:lnSpc>
+            </a:pPr>
+            <a:r>
+              <a:rPr lang="en-IN" sz="1800" dirty="0"/>
+              <a:t>Deployment using Security</a:t>
+            </a:r>
+          </a:p>
+          <a:p>
+            <a:pPr lvl="1">
+              <a:lnSpc>
+                <a:spcPct val="150000"/>
+              </a:lnSpc>
+            </a:pPr>
+            <a:r>
+              <a:rPr lang="en-IN" sz="1800" dirty="0"/>
+              <a:t>Azure portal, </a:t>
+            </a:r>
+          </a:p>
+          <a:p>
+            <a:pPr lvl="1">
+              <a:lnSpc>
+                <a:spcPct val="150000"/>
+              </a:lnSpc>
+            </a:pPr>
+            <a:r>
+              <a:rPr lang="en-IN" sz="1800" dirty="0"/>
+              <a:t>CLI, </a:t>
+            </a:r>
+          </a:p>
+          <a:p>
+            <a:pPr lvl="1">
+              <a:lnSpc>
+                <a:spcPct val="150000"/>
+              </a:lnSpc>
+            </a:pPr>
+            <a:r>
+              <a:rPr lang="en-IN" sz="1800" dirty="0"/>
+              <a:t>ARM templates</a:t>
+            </a:r>
+          </a:p>
+        </p:txBody>
+      </p:sp>
+    </p:spTree>
+    <p:extLst>
+      <p:ext uri="{BB962C8B-B14F-4D97-AF65-F5344CB8AC3E}">
+        <p14:creationId xmlns:p14="http://schemas.microsoft.com/office/powerpoint/2010/main" val="3826942881"/>
+      </p:ext>
+    </p:extLst>
+  </p:cSld>
+  <p:clrMapOvr>
+    <a:masterClrMapping/>
+  </p:clrMapOvr>
+</p:sld>
+</file>
+
+<file path=ppt/slides/slide20.xml><?xml version="1.0" encoding="utf-8"?>
+<p:sld xmlns:a="http://schemas.openxmlformats.org/drawingml/2006/main" xmlns:r="http://schemas.openxmlformats.org/officeDocument/2006/relationships" xmlns:p="http://schemas.openxmlformats.org/presentationml/2006/main">
+  <p:cSld>
+    <p:spTree>
+      <p:nvGrpSpPr>
+        <p:cNvPr id="1" name=""/>
+        <p:cNvGrpSpPr/>
+        <p:nvPr/>
+      </p:nvGrpSpPr>
+      <p:grpSpPr>
+        <a:xfrm>
+          <a:off x="0" y="0"/>
+          <a:ext cx="0" cy="0"/>
+          <a:chOff x="0" y="0"/>
+          <a:chExt cx="0" cy="0"/>
+        </a:xfrm>
+      </p:grpSpPr>
+      <p:sp>
+        <p:nvSpPr>
+          <p:cNvPr id="2" name="Title 1">
+            <a:extLst>
+              <a:ext uri="{FF2B5EF4-FFF2-40B4-BE49-F238E27FC236}">
+                <a16:creationId xmlns:a16="http://schemas.microsoft.com/office/drawing/2014/main" id="{825FDD1A-A361-70CD-667A-BDE6A189D4AE}"/>
+              </a:ext>
+            </a:extLst>
+          </p:cNvPr>
+          <p:cNvSpPr>
+            <a:spLocks noGrp="1"/>
+          </p:cNvSpPr>
+          <p:nvPr>
+            <p:ph type="title"/>
+          </p:nvPr>
+        </p:nvSpPr>
+        <p:spPr/>
+        <p:txBody>
+          <a:bodyPr/>
+          <a:lstStyle/>
+          <a:p>
+            <a:r>
+              <a:rPr lang="en-US" dirty="0"/>
+              <a:t>Azure Web App </a:t>
+            </a:r>
+          </a:p>
+        </p:txBody>
+      </p:sp>
+      <p:sp>
+        <p:nvSpPr>
+          <p:cNvPr id="3" name="Content Placeholder 2">
+            <a:extLst>
+              <a:ext uri="{FF2B5EF4-FFF2-40B4-BE49-F238E27FC236}">
+                <a16:creationId xmlns:a16="http://schemas.microsoft.com/office/drawing/2014/main" id="{76596374-3DB6-90FD-2119-86858242C0F5}"/>
+              </a:ext>
+            </a:extLst>
+          </p:cNvPr>
+          <p:cNvSpPr>
+            <a:spLocks noGrp="1"/>
+          </p:cNvSpPr>
+          <p:nvPr>
+            <p:ph idx="1"/>
+          </p:nvPr>
+        </p:nvSpPr>
+        <p:spPr/>
+        <p:txBody>
+          <a:bodyPr/>
+          <a:lstStyle/>
+          <a:p>
+            <a:r>
+              <a:rPr lang="en-IN" sz="1800" b="1" dirty="0"/>
+              <a:t>Maven Plugin for Azure App Service</a:t>
+            </a:r>
+          </a:p>
+          <a:p>
+            <a:pPr lvl="1"/>
+            <a:r>
+              <a:rPr lang="en-IN" sz="1800" dirty="0"/>
+              <a:t>Automates the Process to create and deploy a Spring Boot application to an Azure Web App </a:t>
+            </a:r>
+          </a:p>
+          <a:p>
+            <a:endParaRPr lang="en-IN" sz="1800" b="1" dirty="0"/>
+          </a:p>
+          <a:p>
+            <a:r>
+              <a:rPr lang="en-IN" sz="1800" b="1" dirty="0"/>
+              <a:t>Prepare Your Spring Boot Application</a:t>
+            </a:r>
+          </a:p>
+          <a:p>
+            <a:pPr lvl="1"/>
+            <a:endParaRPr lang="en-IN" sz="1800" dirty="0"/>
+          </a:p>
+          <a:p>
+            <a:pPr lvl="1"/>
+            <a:r>
+              <a:rPr lang="en-IN" sz="1800" dirty="0" err="1"/>
+              <a:t>mvn</a:t>
+            </a:r>
+            <a:r>
+              <a:rPr lang="en-IN" sz="1800" dirty="0"/>
+              <a:t> clean package</a:t>
+            </a:r>
+          </a:p>
+          <a:p>
+            <a:pPr lvl="1"/>
+            <a:r>
+              <a:rPr lang="en-IN" sz="1800" dirty="0"/>
+              <a:t>java -jar target/&lt;your-app-name&gt;-*.jar</a:t>
+            </a:r>
+          </a:p>
+          <a:p>
+            <a:pPr lvl="1"/>
+            <a:endParaRPr lang="en-IN" sz="1800" dirty="0"/>
+          </a:p>
+          <a:p>
+            <a:pPr lvl="1"/>
+            <a:r>
+              <a:rPr lang="en-IN" sz="1800" dirty="0" err="1"/>
+              <a:t>mvn</a:t>
+            </a:r>
+            <a:r>
+              <a:rPr lang="en-IN" sz="1800" dirty="0"/>
+              <a:t> com.microsoft.azure:azure-webapp-maven-plugin:2.14.1:config</a:t>
+            </a:r>
+          </a:p>
+          <a:p>
+            <a:pPr lvl="1"/>
+            <a:endParaRPr lang="en-IN" sz="1800" dirty="0"/>
+          </a:p>
+        </p:txBody>
+      </p:sp>
+    </p:spTree>
+    <p:extLst>
+      <p:ext uri="{BB962C8B-B14F-4D97-AF65-F5344CB8AC3E}">
+        <p14:creationId xmlns:p14="http://schemas.microsoft.com/office/powerpoint/2010/main" val="439242925"/>
+      </p:ext>
+    </p:extLst>
+  </p:cSld>
+  <p:clrMapOvr>
+    <a:masterClrMapping/>
+  </p:clrMapOvr>
+</p:sld>
+</file>
+
+<file path=ppt/slides/slide21.xml><?xml version="1.0" encoding="utf-8"?>
+<p:sld xmlns:a="http://schemas.openxmlformats.org/drawingml/2006/main" xmlns:r="http://schemas.openxmlformats.org/officeDocument/2006/relationships" xmlns:p="http://schemas.openxmlformats.org/presentationml/2006/main">
+  <p:cSld>
+    <p:spTree>
+      <p:nvGrpSpPr>
+        <p:cNvPr id="1" name=""/>
+        <p:cNvGrpSpPr/>
+        <p:nvPr/>
+      </p:nvGrpSpPr>
+      <p:grpSpPr>
+        <a:xfrm>
+          <a:off x="0" y="0"/>
+          <a:ext cx="0" cy="0"/>
+          <a:chOff x="0" y="0"/>
+          <a:chExt cx="0" cy="0"/>
+        </a:xfrm>
+      </p:grpSpPr>
+      <p:sp>
+        <p:nvSpPr>
+          <p:cNvPr id="2" name="Title 1">
+            <a:extLst>
+              <a:ext uri="{FF2B5EF4-FFF2-40B4-BE49-F238E27FC236}">
+                <a16:creationId xmlns:a16="http://schemas.microsoft.com/office/drawing/2014/main" id="{D564F0F0-23A0-46DE-E2D5-8F7173678628}"/>
+              </a:ext>
+            </a:extLst>
+          </p:cNvPr>
+          <p:cNvSpPr>
+            <a:spLocks noGrp="1"/>
+          </p:cNvSpPr>
+          <p:nvPr>
+            <p:ph type="title"/>
+          </p:nvPr>
+        </p:nvSpPr>
+        <p:spPr/>
+        <p:txBody>
+          <a:bodyPr/>
+          <a:lstStyle/>
+          <a:p>
+            <a:r>
+              <a:rPr lang="en-US" dirty="0"/>
+              <a:t>Azure Webapp Plugin</a:t>
+            </a:r>
+          </a:p>
+        </p:txBody>
+      </p:sp>
+      <p:sp>
+        <p:nvSpPr>
+          <p:cNvPr id="3" name="Content Placeholder 2">
+            <a:extLst>
+              <a:ext uri="{FF2B5EF4-FFF2-40B4-BE49-F238E27FC236}">
+                <a16:creationId xmlns:a16="http://schemas.microsoft.com/office/drawing/2014/main" id="{66ABF4BA-BD95-530C-1699-BF7AC890A5F1}"/>
+              </a:ext>
+            </a:extLst>
+          </p:cNvPr>
+          <p:cNvSpPr>
+            <a:spLocks noGrp="1"/>
+          </p:cNvSpPr>
+          <p:nvPr>
+            <p:ph idx="1"/>
+          </p:nvPr>
+        </p:nvSpPr>
+        <p:spPr/>
+        <p:txBody>
+          <a:bodyPr/>
+          <a:lstStyle/>
+          <a:p>
+            <a:pPr lvl="1"/>
+            <a:r>
+              <a:rPr lang="en-US" dirty="0"/>
+              <a:t>Add this entries to </a:t>
+            </a:r>
+            <a:r>
+              <a:rPr lang="en-US" dirty="0" err="1"/>
+              <a:t>pom.xml</a:t>
+            </a:r>
+            <a:r>
+              <a:rPr lang="en-US" dirty="0"/>
+              <a:t> and invoke the maven goal</a:t>
+            </a:r>
+          </a:p>
+          <a:p>
+            <a:pPr lvl="1"/>
+            <a:endParaRPr lang="en-US" dirty="0"/>
+          </a:p>
+          <a:p>
+            <a:pPr marL="457200" lvl="1" indent="0">
+              <a:buNone/>
+            </a:pPr>
+            <a:r>
+              <a:rPr lang="en-US" dirty="0"/>
+              <a:t>&lt;build&gt;</a:t>
+            </a:r>
+          </a:p>
+          <a:p>
+            <a:pPr marL="457200" lvl="1" indent="0">
+              <a:buNone/>
+            </a:pPr>
+            <a:r>
+              <a:rPr lang="en-US" dirty="0"/>
+              <a:t>    &lt;plugins&gt;</a:t>
+            </a:r>
+          </a:p>
+          <a:p>
+            <a:pPr marL="457200" lvl="1" indent="0">
+              <a:buNone/>
+            </a:pPr>
+            <a:r>
+              <a:rPr lang="en-US" dirty="0"/>
+              <a:t>        &lt;plugin&gt;</a:t>
+            </a:r>
+          </a:p>
+          <a:p>
+            <a:pPr marL="457200" lvl="1" indent="0">
+              <a:buNone/>
+            </a:pPr>
+            <a:r>
+              <a:rPr lang="en-US" dirty="0"/>
+              <a:t>            &lt;</a:t>
+            </a:r>
+            <a:r>
+              <a:rPr lang="en-US" dirty="0" err="1"/>
+              <a:t>groupId</a:t>
+            </a:r>
+            <a:r>
+              <a:rPr lang="en-US" dirty="0"/>
+              <a:t>&gt;</a:t>
+            </a:r>
+            <a:r>
+              <a:rPr lang="en-US" dirty="0" err="1"/>
+              <a:t>com.microsoft.azure</a:t>
+            </a:r>
+            <a:r>
+              <a:rPr lang="en-US" dirty="0"/>
+              <a:t>&lt;/</a:t>
+            </a:r>
+            <a:r>
+              <a:rPr lang="en-US" dirty="0" err="1"/>
+              <a:t>groupId</a:t>
+            </a:r>
+            <a:r>
+              <a:rPr lang="en-US" dirty="0"/>
+              <a:t>&gt;</a:t>
+            </a:r>
+          </a:p>
+          <a:p>
+            <a:pPr marL="457200" lvl="1" indent="0">
+              <a:buNone/>
+            </a:pPr>
+            <a:r>
+              <a:rPr lang="en-US" dirty="0"/>
+              <a:t>            &lt;</a:t>
+            </a:r>
+            <a:r>
+              <a:rPr lang="en-US" dirty="0" err="1"/>
+              <a:t>artifactId</a:t>
+            </a:r>
+            <a:r>
+              <a:rPr lang="en-US" dirty="0"/>
+              <a:t>&gt;&gt;azure-webapp-maven-plugin&lt;/</a:t>
+            </a:r>
+            <a:r>
+              <a:rPr lang="en-US" dirty="0" err="1"/>
+              <a:t>artifactId</a:t>
+            </a:r>
+            <a:r>
+              <a:rPr lang="en-US" dirty="0"/>
+              <a:t>&gt;</a:t>
+            </a:r>
+          </a:p>
+          <a:p>
+            <a:pPr marL="457200" lvl="1" indent="0">
+              <a:buNone/>
+            </a:pPr>
+            <a:r>
+              <a:rPr lang="en-US" dirty="0"/>
+              <a:t>            &lt;version&gt;2.14.1&lt;/version&gt;</a:t>
+            </a:r>
+          </a:p>
+          <a:p>
+            <a:pPr marL="457200" lvl="1" indent="0">
+              <a:buNone/>
+            </a:pPr>
+            <a:r>
+              <a:rPr lang="en-US" dirty="0"/>
+              <a:t>&lt;/plugin&gt;</a:t>
+            </a:r>
+          </a:p>
+          <a:p>
+            <a:pPr marL="457200" lvl="1" indent="0">
+              <a:buNone/>
+            </a:pPr>
+            <a:r>
+              <a:rPr lang="en-US" dirty="0"/>
+              <a:t>    &lt;/plugins&gt;</a:t>
+            </a:r>
+          </a:p>
+          <a:p>
+            <a:pPr marL="457200" lvl="1" indent="0">
+              <a:buNone/>
+            </a:pPr>
+            <a:r>
+              <a:rPr lang="en-US" dirty="0"/>
+              <a:t>&lt;/build&gt;</a:t>
+            </a:r>
+          </a:p>
+          <a:p>
+            <a:pPr marL="457200" lvl="1" indent="0">
+              <a:buNone/>
+            </a:pPr>
+            <a:endParaRPr lang="en-US" dirty="0"/>
+          </a:p>
+          <a:p>
+            <a:pPr marL="457200" lvl="1" indent="0">
+              <a:buNone/>
+            </a:pPr>
+            <a:endParaRPr lang="en-US" dirty="0"/>
+          </a:p>
+          <a:p>
+            <a:pPr lvl="1"/>
+            <a:r>
+              <a:rPr lang="en-US" dirty="0" err="1">
+                <a:solidFill>
+                  <a:srgbClr val="C00000"/>
+                </a:solidFill>
+              </a:rPr>
+              <a:t>azure-webapp:config</a:t>
+            </a:r>
+            <a:endParaRPr lang="en-US" dirty="0">
+              <a:solidFill>
+                <a:srgbClr val="C00000"/>
+              </a:solidFill>
+            </a:endParaRPr>
+          </a:p>
+          <a:p>
+            <a:pPr marL="457200" lvl="1" indent="0">
+              <a:buNone/>
+            </a:pPr>
+            <a:endParaRPr lang="en-US" dirty="0"/>
+          </a:p>
+        </p:txBody>
+      </p:sp>
+    </p:spTree>
+    <p:extLst>
+      <p:ext uri="{BB962C8B-B14F-4D97-AF65-F5344CB8AC3E}">
+        <p14:creationId xmlns:p14="http://schemas.microsoft.com/office/powerpoint/2010/main" val="760376821"/>
+      </p:ext>
+    </p:extLst>
+  </p:cSld>
+  <p:clrMapOvr>
+    <a:masterClrMapping/>
+  </p:clrMapOvr>
+</p:sld>
+</file>
+
+<file path=ppt/slides/slide22.xml><?xml version="1.0" encoding="utf-8"?>
+<p:sld xmlns:a="http://schemas.openxmlformats.org/drawingml/2006/main" xmlns:r="http://schemas.openxmlformats.org/officeDocument/2006/relationships" xmlns:p="http://schemas.openxmlformats.org/presentationml/2006/main">
+  <p:cSld>
+    <p:spTree>
+      <p:nvGrpSpPr>
+        <p:cNvPr id="1" name=""/>
+        <p:cNvGrpSpPr/>
+        <p:nvPr/>
+      </p:nvGrpSpPr>
+      <p:grpSpPr>
+        <a:xfrm>
+          <a:off x="0" y="0"/>
+          <a:ext cx="0" cy="0"/>
+          <a:chOff x="0" y="0"/>
+          <a:chExt cx="0" cy="0"/>
+        </a:xfrm>
+      </p:grpSpPr>
+      <p:sp>
+        <p:nvSpPr>
+          <p:cNvPr id="2" name="Title 1">
+            <a:extLst>
+              <a:ext uri="{FF2B5EF4-FFF2-40B4-BE49-F238E27FC236}">
+                <a16:creationId xmlns:a16="http://schemas.microsoft.com/office/drawing/2014/main" id="{0C020B90-F8F9-7F8E-23C4-3BA80721338A}"/>
+              </a:ext>
+            </a:extLst>
+          </p:cNvPr>
+          <p:cNvSpPr>
+            <a:spLocks noGrp="1"/>
+          </p:cNvSpPr>
+          <p:nvPr>
+            <p:ph type="title"/>
+          </p:nvPr>
+        </p:nvSpPr>
+        <p:spPr>
+          <a:xfrm>
+            <a:off x="457200" y="457200"/>
+            <a:ext cx="8229600" cy="274637"/>
+          </a:xfrm>
+        </p:spPr>
+        <p:txBody>
+          <a:bodyPr/>
+          <a:lstStyle/>
+          <a:p>
+            <a:r>
+              <a:rPr lang="en-US" dirty="0" err="1"/>
+              <a:t>pom.xml</a:t>
+            </a:r>
+            <a:endParaRPr lang="en-US" dirty="0"/>
+          </a:p>
+        </p:txBody>
+      </p:sp>
+      <p:sp>
+        <p:nvSpPr>
+          <p:cNvPr id="3" name="Content Placeholder 2">
+            <a:extLst>
+              <a:ext uri="{FF2B5EF4-FFF2-40B4-BE49-F238E27FC236}">
+                <a16:creationId xmlns:a16="http://schemas.microsoft.com/office/drawing/2014/main" id="{E5D45867-CF48-8A75-4105-C2C9A78E5C77}"/>
+              </a:ext>
+            </a:extLst>
+          </p:cNvPr>
+          <p:cNvSpPr>
+            <a:spLocks noGrp="1"/>
+          </p:cNvSpPr>
+          <p:nvPr>
+            <p:ph idx="1"/>
+          </p:nvPr>
+        </p:nvSpPr>
+        <p:spPr>
+          <a:xfrm>
+            <a:off x="457200" y="838200"/>
+            <a:ext cx="8229600" cy="5287963"/>
+          </a:xfrm>
+        </p:spPr>
+        <p:txBody>
+          <a:bodyPr/>
+          <a:lstStyle/>
+          <a:p>
+            <a:pPr lvl="1"/>
+            <a:r>
+              <a:rPr lang="en-IN" dirty="0"/>
+              <a:t>Update the following properties in the generated content , as per the requirements </a:t>
+            </a:r>
+          </a:p>
+          <a:p>
+            <a:pPr marL="457200" lvl="1" indent="0">
+              <a:buNone/>
+            </a:pPr>
+            <a:endParaRPr lang="en-IN" dirty="0"/>
+          </a:p>
+          <a:p>
+            <a:pPr marL="457200" lvl="1" indent="0">
+              <a:buNone/>
+            </a:pPr>
+            <a:r>
+              <a:rPr lang="en-IN" dirty="0"/>
+              <a:t>&lt;</a:t>
+            </a:r>
+            <a:r>
+              <a:rPr lang="en-IN" dirty="0" err="1"/>
+              <a:t>resourceGroup</a:t>
+            </a:r>
+            <a:r>
+              <a:rPr lang="en-IN" dirty="0"/>
+              <a:t>&gt;</a:t>
+            </a:r>
+            <a:r>
+              <a:rPr lang="en-IN" dirty="0" err="1">
+                <a:solidFill>
+                  <a:srgbClr val="C00000"/>
+                </a:solidFill>
+              </a:rPr>
+              <a:t>myrg</a:t>
+            </a:r>
+            <a:r>
+              <a:rPr lang="en-IN" dirty="0"/>
+              <a:t>&lt;/</a:t>
+            </a:r>
+            <a:r>
+              <a:rPr lang="en-IN" dirty="0" err="1"/>
+              <a:t>resourceGroup</a:t>
+            </a:r>
+            <a:r>
+              <a:rPr lang="en-IN" dirty="0"/>
+              <a:t>&gt;</a:t>
+            </a:r>
+          </a:p>
+          <a:p>
+            <a:pPr marL="457200" lvl="1" indent="0">
+              <a:buNone/>
+            </a:pPr>
+            <a:r>
+              <a:rPr lang="en-IN" dirty="0"/>
+              <a:t>&lt;</a:t>
+            </a:r>
+            <a:r>
+              <a:rPr lang="en-IN" dirty="0" err="1"/>
+              <a:t>appName</a:t>
+            </a:r>
+            <a:r>
+              <a:rPr lang="en-IN" dirty="0"/>
+              <a:t>&gt;dockerize-spring-app-1770025294212&lt;/</a:t>
+            </a:r>
+            <a:r>
+              <a:rPr lang="en-IN" dirty="0" err="1"/>
+              <a:t>appName</a:t>
+            </a:r>
+            <a:r>
+              <a:rPr lang="en-IN" dirty="0"/>
+              <a:t>&gt;</a:t>
+            </a:r>
+          </a:p>
+          <a:p>
+            <a:pPr marL="457200" lvl="1" indent="0">
+              <a:buNone/>
+            </a:pPr>
+            <a:r>
+              <a:rPr lang="en-IN" dirty="0"/>
+              <a:t>&lt;</a:t>
+            </a:r>
+            <a:r>
+              <a:rPr lang="en-IN" dirty="0" err="1"/>
+              <a:t>pricingTier</a:t>
+            </a:r>
+            <a:r>
+              <a:rPr lang="en-IN" dirty="0"/>
+              <a:t>&gt;</a:t>
+            </a:r>
+            <a:r>
+              <a:rPr lang="en-IN" dirty="0">
+                <a:solidFill>
+                  <a:srgbClr val="C00000"/>
+                </a:solidFill>
+              </a:rPr>
+              <a:t>F1</a:t>
+            </a:r>
+            <a:r>
+              <a:rPr lang="en-IN" dirty="0"/>
+              <a:t>&lt;/</a:t>
+            </a:r>
+            <a:r>
+              <a:rPr lang="en-IN" dirty="0" err="1"/>
+              <a:t>pricingTier</a:t>
+            </a:r>
+            <a:r>
+              <a:rPr lang="en-IN" dirty="0"/>
+              <a:t>&gt;</a:t>
+            </a:r>
+          </a:p>
+          <a:p>
+            <a:pPr marL="457200" lvl="1" indent="0">
+              <a:buNone/>
+            </a:pPr>
+            <a:r>
+              <a:rPr lang="en-IN" dirty="0"/>
+              <a:t>&lt;region&gt;</a:t>
+            </a:r>
+            <a:r>
+              <a:rPr lang="en-IN" dirty="0" err="1">
+                <a:solidFill>
+                  <a:srgbClr val="C00000"/>
+                </a:solidFill>
+              </a:rPr>
+              <a:t>southindia</a:t>
+            </a:r>
+            <a:r>
+              <a:rPr lang="en-IN" dirty="0"/>
+              <a:t>&lt;/region&gt;</a:t>
+            </a:r>
+          </a:p>
+          <a:p>
+            <a:pPr marL="457200" lvl="1" indent="0">
+              <a:buNone/>
+            </a:pPr>
+            <a:r>
+              <a:rPr lang="en-IN" dirty="0"/>
+              <a:t>&lt;runtime&gt;</a:t>
+            </a:r>
+          </a:p>
+          <a:p>
+            <a:pPr marL="457200" lvl="1" indent="0">
+              <a:buNone/>
+            </a:pPr>
+            <a:r>
+              <a:rPr lang="en-IN" dirty="0"/>
+              <a:t>&lt;</a:t>
+            </a:r>
+            <a:r>
+              <a:rPr lang="en-IN" dirty="0" err="1"/>
+              <a:t>os</a:t>
+            </a:r>
+            <a:r>
+              <a:rPr lang="en-IN" dirty="0"/>
+              <a:t>&gt;Linux&lt;/</a:t>
+            </a:r>
+            <a:r>
+              <a:rPr lang="en-IN" dirty="0" err="1"/>
+              <a:t>os</a:t>
+            </a:r>
+            <a:r>
+              <a:rPr lang="en-IN" dirty="0"/>
+              <a:t>&gt;</a:t>
+            </a:r>
+          </a:p>
+          <a:p>
+            <a:pPr marL="457200" lvl="1" indent="0">
+              <a:buNone/>
+            </a:pPr>
+            <a:r>
+              <a:rPr lang="en-IN" dirty="0"/>
+              <a:t>&lt;</a:t>
+            </a:r>
+            <a:r>
+              <a:rPr lang="en-IN" dirty="0" err="1"/>
+              <a:t>javaVersion</a:t>
+            </a:r>
+            <a:r>
+              <a:rPr lang="en-IN" dirty="0"/>
+              <a:t>&gt;</a:t>
+            </a:r>
+            <a:r>
+              <a:rPr lang="en-IN" dirty="0">
+                <a:solidFill>
+                  <a:srgbClr val="C00000"/>
+                </a:solidFill>
+              </a:rPr>
+              <a:t>Java 17</a:t>
+            </a:r>
+            <a:r>
+              <a:rPr lang="en-IN" dirty="0"/>
+              <a:t>&lt;/</a:t>
+            </a:r>
+            <a:r>
+              <a:rPr lang="en-IN" dirty="0" err="1"/>
+              <a:t>javaVersion</a:t>
+            </a:r>
+            <a:r>
+              <a:rPr lang="en-IN" dirty="0"/>
+              <a:t>&gt;</a:t>
+            </a:r>
+          </a:p>
+          <a:p>
+            <a:pPr marL="457200" lvl="1" indent="0">
+              <a:buNone/>
+            </a:pPr>
+            <a:r>
+              <a:rPr lang="en-IN" dirty="0"/>
+              <a:t>&lt;</a:t>
+            </a:r>
+            <a:r>
+              <a:rPr lang="en-IN" dirty="0" err="1"/>
+              <a:t>webContainer</a:t>
+            </a:r>
+            <a:r>
+              <a:rPr lang="en-IN" dirty="0"/>
+              <a:t>&gt;Java SE&lt;/</a:t>
+            </a:r>
+            <a:r>
+              <a:rPr lang="en-IN" dirty="0" err="1"/>
+              <a:t>webContainer</a:t>
+            </a:r>
+            <a:r>
+              <a:rPr lang="en-IN" dirty="0"/>
+              <a:t>&gt;</a:t>
+            </a:r>
+          </a:p>
+          <a:p>
+            <a:pPr marL="457200" lvl="1" indent="0">
+              <a:buNone/>
+            </a:pPr>
+            <a:r>
+              <a:rPr lang="en-IN" dirty="0"/>
+              <a:t>&lt;/runtime&gt;</a:t>
+            </a:r>
+          </a:p>
+          <a:p>
+            <a:pPr marL="457200" lvl="1" indent="0">
+              <a:buNone/>
+            </a:pPr>
+            <a:endParaRPr lang="en-IN" dirty="0"/>
+          </a:p>
+          <a:p>
+            <a:r>
+              <a:rPr lang="en-US" sz="1800" dirty="0" err="1"/>
+              <a:t>mvn</a:t>
+            </a:r>
+            <a:r>
+              <a:rPr lang="en-US" sz="1800" dirty="0"/>
+              <a:t> clean package</a:t>
+            </a:r>
+          </a:p>
+          <a:p>
+            <a:r>
+              <a:rPr lang="en-US" sz="1800" dirty="0" err="1"/>
+              <a:t>mvn</a:t>
+            </a:r>
+            <a:r>
+              <a:rPr lang="en-US" sz="1800" dirty="0"/>
+              <a:t> </a:t>
+            </a:r>
+            <a:r>
+              <a:rPr lang="en-US" sz="1800" dirty="0" err="1"/>
+              <a:t>azure-webapp:deploy</a:t>
+            </a:r>
+            <a:endParaRPr lang="en-US" sz="1800" dirty="0"/>
+          </a:p>
+          <a:p>
+            <a:r>
+              <a:rPr lang="en-US" sz="1800" dirty="0"/>
+              <a:t>Visit the azure portal and access resource group and web app and invoke the endpoint using default domain</a:t>
+            </a:r>
+          </a:p>
+          <a:p>
+            <a:pPr marL="457200" lvl="1" indent="0">
+              <a:buNone/>
+            </a:pPr>
+            <a:endParaRPr lang="en-IN" dirty="0"/>
+          </a:p>
+          <a:p>
+            <a:pPr marL="914400" lvl="2" indent="0">
+              <a:buNone/>
+            </a:pPr>
+            <a:endParaRPr lang="en-US" dirty="0"/>
+          </a:p>
+        </p:txBody>
+      </p:sp>
+    </p:spTree>
+    <p:extLst>
+      <p:ext uri="{BB962C8B-B14F-4D97-AF65-F5344CB8AC3E}">
+        <p14:creationId xmlns:p14="http://schemas.microsoft.com/office/powerpoint/2010/main" val="1248082352"/>
+      </p:ext>
+    </p:extLst>
+  </p:cSld>
+  <p:clrMapOvr>
+    <a:masterClrMapping/>
+  </p:clrMapOvr>
+</p:sld>
+</file>
+
+<file path=ppt/slides/slide23.xml><?xml version="1.0" encoding="utf-8"?>
+<p:sld xmlns:a="http://schemas.openxmlformats.org/drawingml/2006/main" xmlns:r="http://schemas.openxmlformats.org/officeDocument/2006/relationships" xmlns:p="http://schemas.openxmlformats.org/presentationml/2006/main">
+  <p:cSld>
+    <p:spTree>
+      <p:nvGrpSpPr>
+        <p:cNvPr id="1" name=""/>
+        <p:cNvGrpSpPr/>
+        <p:nvPr/>
+      </p:nvGrpSpPr>
+      <p:grpSpPr>
+        <a:xfrm>
+          <a:off x="0" y="0"/>
+          <a:ext cx="0" cy="0"/>
+          <a:chOff x="0" y="0"/>
+          <a:chExt cx="0" cy="0"/>
+        </a:xfrm>
+      </p:grpSpPr>
+      <p:sp>
+        <p:nvSpPr>
+          <p:cNvPr id="2" name="Title 1">
+            <a:extLst>
+              <a:ext uri="{FF2B5EF4-FFF2-40B4-BE49-F238E27FC236}">
+                <a16:creationId xmlns:a16="http://schemas.microsoft.com/office/drawing/2014/main" id="{41561363-F738-0A20-1C7A-B93A80AD367E}"/>
+              </a:ext>
+            </a:extLst>
+          </p:cNvPr>
+          <p:cNvSpPr>
+            <a:spLocks noGrp="1"/>
+          </p:cNvSpPr>
+          <p:nvPr>
+            <p:ph type="title"/>
+          </p:nvPr>
+        </p:nvSpPr>
+        <p:spPr/>
+        <p:txBody>
+          <a:bodyPr/>
+          <a:lstStyle/>
+          <a:p>
+            <a:r>
+              <a:rPr lang="en-US" dirty="0"/>
+              <a:t>Push a Docker Image </a:t>
+            </a:r>
+          </a:p>
+        </p:txBody>
+      </p:sp>
+      <p:sp>
+        <p:nvSpPr>
+          <p:cNvPr id="3" name="Content Placeholder 2">
+            <a:extLst>
+              <a:ext uri="{FF2B5EF4-FFF2-40B4-BE49-F238E27FC236}">
+                <a16:creationId xmlns:a16="http://schemas.microsoft.com/office/drawing/2014/main" id="{9EC7883B-37EB-8AC2-F589-202100FE4C5F}"/>
+              </a:ext>
+            </a:extLst>
+          </p:cNvPr>
+          <p:cNvSpPr>
+            <a:spLocks noGrp="1"/>
+          </p:cNvSpPr>
+          <p:nvPr>
+            <p:ph idx="1"/>
+          </p:nvPr>
+        </p:nvSpPr>
+        <p:spPr/>
+        <p:txBody>
+          <a:bodyPr/>
+          <a:lstStyle/>
+          <a:p>
+            <a:r>
+              <a:rPr lang="en-IN" sz="1800" b="1" dirty="0"/>
+              <a:t>Azure Container Apps</a:t>
+            </a:r>
+            <a:r>
+              <a:rPr lang="en-IN" sz="1800" dirty="0"/>
+              <a:t> supports images built for the </a:t>
+            </a:r>
+            <a:r>
+              <a:rPr lang="en-IN" sz="1800" b="1" dirty="0" err="1"/>
+              <a:t>linux</a:t>
+            </a:r>
+            <a:r>
+              <a:rPr lang="en-IN" sz="1800" b="1" dirty="0"/>
+              <a:t>/amd64</a:t>
+            </a:r>
+            <a:r>
+              <a:rPr lang="en-IN" sz="1800" dirty="0"/>
+              <a:t> (x86-64) architecture.</a:t>
+            </a:r>
+          </a:p>
+          <a:p>
+            <a:pPr lvl="1"/>
+            <a:r>
+              <a:rPr lang="en-IN" sz="1800" dirty="0"/>
+              <a:t>In Apple Silicon (M1/M2/M3), Docker defaults to creating a </a:t>
+            </a:r>
+            <a:r>
+              <a:rPr lang="en-IN" sz="1800" b="1" dirty="0" err="1"/>
+              <a:t>linux</a:t>
+            </a:r>
+            <a:r>
+              <a:rPr lang="en-IN" sz="1800" b="1" dirty="0"/>
+              <a:t>/arm64</a:t>
+            </a:r>
+            <a:r>
+              <a:rPr lang="en-IN" sz="1800" dirty="0"/>
+              <a:t> image,</a:t>
+            </a:r>
+            <a:br>
+              <a:rPr lang="en-IN" sz="1800" dirty="0"/>
+            </a:br>
+            <a:endParaRPr lang="en-US" sz="1800" dirty="0"/>
+          </a:p>
+          <a:p>
+            <a:pPr lvl="1"/>
+            <a:r>
+              <a:rPr lang="en-US" sz="2000" dirty="0"/>
+              <a:t>docker build --platform </a:t>
+            </a:r>
+            <a:r>
+              <a:rPr lang="en-US" sz="2000" dirty="0" err="1"/>
+              <a:t>linux</a:t>
+            </a:r>
+            <a:r>
+              <a:rPr lang="en-US" sz="2000" dirty="0"/>
+              <a:t>/amd64 -t </a:t>
+            </a:r>
+            <a:r>
+              <a:rPr lang="en-US" sz="2000" dirty="0" err="1"/>
+              <a:t>vatsank</a:t>
+            </a:r>
+            <a:r>
+              <a:rPr lang="en-US" sz="2000" dirty="0"/>
+              <a:t>/springrest:1.0 .</a:t>
+            </a:r>
+          </a:p>
+          <a:p>
+            <a:pPr marL="0" indent="0">
+              <a:buNone/>
+            </a:pPr>
+            <a:br>
+              <a:rPr lang="en-IN" dirty="0"/>
+            </a:br>
+            <a:endParaRPr lang="en-IN" dirty="0"/>
+          </a:p>
+          <a:p>
+            <a:endParaRPr lang="en-US" dirty="0"/>
+          </a:p>
+          <a:p>
+            <a:endParaRPr lang="en-US" dirty="0"/>
+          </a:p>
+          <a:p>
+            <a:endParaRPr lang="en-US" dirty="0"/>
+          </a:p>
+        </p:txBody>
+      </p:sp>
+    </p:spTree>
+    <p:extLst>
+      <p:ext uri="{BB962C8B-B14F-4D97-AF65-F5344CB8AC3E}">
+        <p14:creationId xmlns:p14="http://schemas.microsoft.com/office/powerpoint/2010/main" val="4246748711"/>
+      </p:ext>
+    </p:extLst>
+  </p:cSld>
+  <p:clrMapOvr>
+    <a:masterClrMapping/>
+  </p:clrMapOvr>
+</p:sld>
+</file>
+
+<file path=ppt/slides/slide24.xml><?xml version="1.0" encoding="utf-8"?>
+<p:sld xmlns:a="http://schemas.openxmlformats.org/drawingml/2006/main" xmlns:r="http://schemas.openxmlformats.org/officeDocument/2006/relationships" xmlns:p="http://schemas.openxmlformats.org/presentationml/2006/main">
+  <p:cSld>
+    <p:spTree>
+      <p:nvGrpSpPr>
+        <p:cNvPr id="1" name=""/>
+        <p:cNvGrpSpPr/>
+        <p:nvPr/>
+      </p:nvGrpSpPr>
+      <p:grpSpPr>
+        <a:xfrm>
+          <a:off x="0" y="0"/>
+          <a:ext cx="0" cy="0"/>
+          <a:chOff x="0" y="0"/>
+          <a:chExt cx="0" cy="0"/>
+        </a:xfrm>
+      </p:grpSpPr>
+      <p:sp>
+        <p:nvSpPr>
+          <p:cNvPr id="2" name="Title 1">
+            <a:extLst>
+              <a:ext uri="{FF2B5EF4-FFF2-40B4-BE49-F238E27FC236}">
+                <a16:creationId xmlns:a16="http://schemas.microsoft.com/office/drawing/2014/main" id="{0EAC6EB8-D472-6D1A-6BD4-25EFB0DC8574}"/>
+              </a:ext>
+            </a:extLst>
+          </p:cNvPr>
+          <p:cNvSpPr>
+            <a:spLocks noGrp="1"/>
+          </p:cNvSpPr>
+          <p:nvPr>
+            <p:ph type="title"/>
+          </p:nvPr>
+        </p:nvSpPr>
+        <p:spPr/>
+        <p:txBody>
+          <a:bodyPr/>
+          <a:lstStyle/>
+          <a:p>
+            <a:br>
+              <a:rPr lang="en-IN" b="1" dirty="0"/>
+            </a:br>
+            <a:r>
+              <a:rPr lang="en-IN" b="1" dirty="0"/>
+              <a:t>Common Deployment Sources in Azure</a:t>
+            </a:r>
+            <a:r>
+              <a:rPr lang="en-IN" dirty="0"/>
+              <a:t>:</a:t>
+            </a:r>
+            <a:br>
+              <a:rPr lang="en-IN" dirty="0"/>
+            </a:br>
+            <a:endParaRPr lang="en-US" dirty="0"/>
+          </a:p>
+        </p:txBody>
+      </p:sp>
+      <p:sp>
+        <p:nvSpPr>
+          <p:cNvPr id="3" name="Content Placeholder 2">
+            <a:extLst>
+              <a:ext uri="{FF2B5EF4-FFF2-40B4-BE49-F238E27FC236}">
+                <a16:creationId xmlns:a16="http://schemas.microsoft.com/office/drawing/2014/main" id="{06060628-6CE8-BA14-3555-227970DA76C0}"/>
+              </a:ext>
+            </a:extLst>
+          </p:cNvPr>
+          <p:cNvSpPr>
+            <a:spLocks noGrp="1"/>
+          </p:cNvSpPr>
+          <p:nvPr>
+            <p:ph idx="1"/>
+          </p:nvPr>
+        </p:nvSpPr>
+        <p:spPr/>
+        <p:txBody>
+          <a:bodyPr/>
+          <a:lstStyle/>
+          <a:p>
+            <a:r>
+              <a:rPr lang="en-IN" sz="1800" b="1" dirty="0"/>
+              <a:t>Azure Container Registry (ACR)</a:t>
+            </a:r>
+            <a:r>
+              <a:rPr lang="en-IN" sz="1800" dirty="0"/>
+              <a:t>: </a:t>
+            </a:r>
+          </a:p>
+          <a:p>
+            <a:pPr lvl="1"/>
+            <a:r>
+              <a:rPr lang="en-IN" sz="1800" dirty="0"/>
+              <a:t>Ideal for private, production-grade deployments with robust security and management features.</a:t>
+            </a:r>
+          </a:p>
+          <a:p>
+            <a:r>
+              <a:rPr lang="en-IN" sz="1800" b="1" dirty="0"/>
+              <a:t>Docker Hub</a:t>
+            </a:r>
+            <a:r>
+              <a:rPr lang="en-IN" sz="1800" dirty="0"/>
+              <a:t>: </a:t>
+            </a:r>
+          </a:p>
+          <a:p>
+            <a:pPr lvl="1"/>
+            <a:r>
+              <a:rPr lang="en-IN" sz="1800" dirty="0"/>
+              <a:t>Suitable for both public and private images. For private images, you'll need to provide credentials to Azure services like App Service or ACI.</a:t>
+            </a:r>
+          </a:p>
+          <a:p>
+            <a:r>
+              <a:rPr lang="en-IN" sz="1800" b="1" dirty="0"/>
+              <a:t>Other Private Registries</a:t>
+            </a:r>
+            <a:r>
+              <a:rPr lang="en-IN" sz="1800" dirty="0"/>
+              <a:t>: </a:t>
+            </a:r>
+          </a:p>
+          <a:p>
+            <a:pPr lvl="1"/>
+            <a:r>
+              <a:rPr lang="en-IN" sz="1800" dirty="0"/>
+              <a:t>You can use other third-party container registries by specifying the login server, username, and password during deployment configuration.</a:t>
+            </a:r>
+          </a:p>
+          <a:p>
+            <a:r>
+              <a:rPr lang="en-IN" sz="1800" b="1" dirty="0" err="1"/>
+              <a:t>Quickstart</a:t>
+            </a:r>
+            <a:r>
+              <a:rPr lang="en-IN" sz="1800" b="1" dirty="0"/>
+              <a:t> Images</a:t>
+            </a:r>
+            <a:r>
+              <a:rPr lang="en-IN" sz="1800" dirty="0"/>
+              <a:t>: </a:t>
+            </a:r>
+          </a:p>
+          <a:p>
+            <a:pPr lvl="1"/>
+            <a:r>
+              <a:rPr lang="en-IN" sz="1800" dirty="0"/>
+              <a:t>For testing purposes, Azure services often provide </a:t>
+            </a:r>
+            <a:r>
+              <a:rPr lang="en-IN" sz="1800" dirty="0" err="1"/>
+              <a:t>quickstart</a:t>
+            </a:r>
+            <a:r>
+              <a:rPr lang="en-IN" sz="1800" dirty="0"/>
+              <a:t> images (e.g., </a:t>
+            </a:r>
+            <a:r>
+              <a:rPr lang="en-IN" sz="1800" dirty="0" err="1"/>
+              <a:t>mcr.microsoft.com</a:t>
+            </a:r>
+            <a:r>
+              <a:rPr lang="en-IN" sz="1800" dirty="0"/>
+              <a:t>/</a:t>
+            </a:r>
+            <a:r>
+              <a:rPr lang="en-IN" sz="1800" dirty="0" err="1"/>
+              <a:t>azuredocs</a:t>
+            </a:r>
+            <a:r>
+              <a:rPr lang="en-IN" sz="1800" dirty="0"/>
+              <a:t>/</a:t>
+            </a:r>
+            <a:r>
+              <a:rPr lang="en-IN" sz="1800" dirty="0" err="1"/>
+              <a:t>aci-helloworld</a:t>
+            </a:r>
+            <a:r>
+              <a:rPr lang="en-IN" sz="1800" dirty="0"/>
+              <a:t>) which are publicly available. </a:t>
+            </a:r>
+          </a:p>
+          <a:p>
+            <a:pPr lvl="1"/>
+            <a:r>
+              <a:rPr lang="en-IN" sz="1800" dirty="0"/>
+              <a:t>ACR is considered a best practice for production and private container image management within the Azure ecosystem. </a:t>
+            </a:r>
+          </a:p>
+          <a:p>
+            <a:endParaRPr lang="en-US" sz="1800" dirty="0"/>
+          </a:p>
+        </p:txBody>
+      </p:sp>
+    </p:spTree>
+    <p:extLst>
+      <p:ext uri="{BB962C8B-B14F-4D97-AF65-F5344CB8AC3E}">
+        <p14:creationId xmlns:p14="http://schemas.microsoft.com/office/powerpoint/2010/main" val="3344062658"/>
+      </p:ext>
+    </p:extLst>
+  </p:cSld>
+  <p:clrMapOvr>
+    <a:masterClrMapping/>
+  </p:clrMapOvr>
+</p:sld>
+</file>
+
+<file path=ppt/slides/slide25.xml><?xml version="1.0" encoding="utf-8"?>
+<p:sld xmlns:a="http://schemas.openxmlformats.org/drawingml/2006/main" xmlns:r="http://schemas.openxmlformats.org/officeDocument/2006/relationships" xmlns:p="http://schemas.openxmlformats.org/presentationml/2006/main">
+  <p:cSld>
+    <p:spTree>
+      <p:nvGrpSpPr>
+        <p:cNvPr id="1" name=""/>
+        <p:cNvGrpSpPr/>
+        <p:nvPr/>
+      </p:nvGrpSpPr>
+      <p:grpSpPr>
+        <a:xfrm>
+          <a:off x="0" y="0"/>
+          <a:ext cx="0" cy="0"/>
+          <a:chOff x="0" y="0"/>
+          <a:chExt cx="0" cy="0"/>
+        </a:xfrm>
+      </p:grpSpPr>
+      <p:sp>
+        <p:nvSpPr>
+          <p:cNvPr id="2" name="Title 1">
+            <a:extLst>
+              <a:ext uri="{FF2B5EF4-FFF2-40B4-BE49-F238E27FC236}">
+                <a16:creationId xmlns:a16="http://schemas.microsoft.com/office/drawing/2014/main" id="{05C7A128-1824-1E57-6ED1-2B3B2D8B26AF}"/>
+              </a:ext>
+            </a:extLst>
+          </p:cNvPr>
+          <p:cNvSpPr>
+            <a:spLocks noGrp="1"/>
+          </p:cNvSpPr>
+          <p:nvPr>
+            <p:ph type="title"/>
+          </p:nvPr>
+        </p:nvSpPr>
+        <p:spPr/>
+        <p:txBody>
+          <a:bodyPr/>
+          <a:lstStyle/>
+          <a:p>
+            <a:r>
+              <a:rPr lang="en-IN" b="1" dirty="0"/>
+              <a:t>Azure CLI</a:t>
+            </a:r>
+            <a:endParaRPr lang="en-US" dirty="0"/>
+          </a:p>
+        </p:txBody>
+      </p:sp>
+      <p:sp>
+        <p:nvSpPr>
+          <p:cNvPr id="3" name="Content Placeholder 2">
+            <a:extLst>
+              <a:ext uri="{FF2B5EF4-FFF2-40B4-BE49-F238E27FC236}">
+                <a16:creationId xmlns:a16="http://schemas.microsoft.com/office/drawing/2014/main" id="{867C39EA-2246-75E0-062A-FAE9C6074E2F}"/>
+              </a:ext>
+            </a:extLst>
+          </p:cNvPr>
+          <p:cNvSpPr>
+            <a:spLocks noGrp="1"/>
+          </p:cNvSpPr>
+          <p:nvPr>
+            <p:ph idx="1"/>
+          </p:nvPr>
+        </p:nvSpPr>
+        <p:spPr/>
+        <p:txBody>
+          <a:bodyPr/>
+          <a:lstStyle/>
+          <a:p>
+            <a:r>
+              <a:rPr lang="en-IN" sz="2000" dirty="0"/>
+              <a:t>Cross-platform command-line tool to connect to Azure and execute administrative commands </a:t>
+            </a:r>
+          </a:p>
+          <a:p>
+            <a:pPr lvl="1"/>
+            <a:r>
+              <a:rPr lang="en-IN" sz="1800" dirty="0"/>
+              <a:t>Fast, efficient way to manage cloud resources</a:t>
+            </a:r>
+          </a:p>
+          <a:p>
+            <a:pPr lvl="1"/>
+            <a:r>
+              <a:rPr lang="en-IN" sz="1800" dirty="0"/>
+              <a:t>Used for repetitive or automated tasks. </a:t>
+            </a:r>
+          </a:p>
+          <a:p>
+            <a:endParaRPr lang="en-IN" sz="2000" dirty="0"/>
+          </a:p>
+          <a:p>
+            <a:r>
+              <a:rPr lang="en-IN" sz="2000" dirty="0">
+                <a:solidFill>
+                  <a:srgbClr val="C00000"/>
+                </a:solidFill>
+              </a:rPr>
+              <a:t>brew install azure-cli</a:t>
+            </a:r>
+          </a:p>
+          <a:p>
+            <a:endParaRPr lang="en-IN" sz="2000" b="1" dirty="0"/>
+          </a:p>
+          <a:p>
+            <a:r>
+              <a:rPr lang="en-IN" sz="2000" b="1" dirty="0"/>
+              <a:t>On successful  installation </a:t>
+            </a:r>
+          </a:p>
+          <a:p>
+            <a:pPr lvl="1">
+              <a:lnSpc>
+                <a:spcPct val="150000"/>
+              </a:lnSpc>
+            </a:pPr>
+            <a:r>
+              <a:rPr lang="en-IN" sz="2000" dirty="0" err="1"/>
+              <a:t>az</a:t>
+            </a:r>
+            <a:r>
+              <a:rPr lang="en-IN" sz="2000" dirty="0"/>
+              <a:t> version</a:t>
+            </a:r>
+          </a:p>
+          <a:p>
+            <a:pPr lvl="1">
+              <a:lnSpc>
+                <a:spcPct val="150000"/>
+              </a:lnSpc>
+            </a:pPr>
+            <a:r>
+              <a:rPr lang="en-IN" sz="2000" dirty="0" err="1"/>
+              <a:t>az</a:t>
+            </a:r>
+            <a:r>
+              <a:rPr lang="en-IN" sz="2000" dirty="0"/>
+              <a:t> login</a:t>
+            </a:r>
+          </a:p>
+          <a:p>
+            <a:endParaRPr lang="en-US" dirty="0"/>
+          </a:p>
+        </p:txBody>
+      </p:sp>
+    </p:spTree>
+    <p:extLst>
+      <p:ext uri="{BB962C8B-B14F-4D97-AF65-F5344CB8AC3E}">
+        <p14:creationId xmlns:p14="http://schemas.microsoft.com/office/powerpoint/2010/main" val="1449964788"/>
+      </p:ext>
+    </p:extLst>
+  </p:cSld>
+  <p:clrMapOvr>
+    <a:masterClrMapping/>
+  </p:clrMapOvr>
+</p:sld>
+</file>
+
+<file path=ppt/slides/slide26.xml><?xml version="1.0" encoding="utf-8"?>
+<p:sld xmlns:a="http://schemas.openxmlformats.org/drawingml/2006/main" xmlns:r="http://schemas.openxmlformats.org/officeDocument/2006/relationships" xmlns:p="http://schemas.openxmlformats.org/presentationml/2006/main">
+  <p:cSld>
+    <p:spTree>
+      <p:nvGrpSpPr>
+        <p:cNvPr id="1" name=""/>
+        <p:cNvGrpSpPr/>
+        <p:nvPr/>
+      </p:nvGrpSpPr>
+      <p:grpSpPr>
+        <a:xfrm>
+          <a:off x="0" y="0"/>
+          <a:ext cx="0" cy="0"/>
+          <a:chOff x="0" y="0"/>
+          <a:chExt cx="0" cy="0"/>
+        </a:xfrm>
+      </p:grpSpPr>
+      <p:sp>
+        <p:nvSpPr>
+          <p:cNvPr id="2" name="Title 1">
+            <a:extLst>
+              <a:ext uri="{FF2B5EF4-FFF2-40B4-BE49-F238E27FC236}">
+                <a16:creationId xmlns:a16="http://schemas.microsoft.com/office/drawing/2014/main" id="{68E79EA7-4D7D-6BD7-5EC0-7CA6D430862A}"/>
+              </a:ext>
+            </a:extLst>
+          </p:cNvPr>
+          <p:cNvSpPr>
+            <a:spLocks noGrp="1"/>
+          </p:cNvSpPr>
+          <p:nvPr>
+            <p:ph type="title"/>
+          </p:nvPr>
+        </p:nvSpPr>
+        <p:spPr/>
+        <p:txBody>
+          <a:bodyPr/>
+          <a:lstStyle/>
+          <a:p>
+            <a:r>
+              <a:rPr lang="en-US" dirty="0"/>
+              <a:t>Azure Container Registry</a:t>
+            </a:r>
+          </a:p>
+        </p:txBody>
+      </p:sp>
+      <p:sp>
+        <p:nvSpPr>
+          <p:cNvPr id="3" name="Content Placeholder 2">
+            <a:extLst>
+              <a:ext uri="{FF2B5EF4-FFF2-40B4-BE49-F238E27FC236}">
+                <a16:creationId xmlns:a16="http://schemas.microsoft.com/office/drawing/2014/main" id="{D4DF29C0-D0C6-75C7-4769-06C0D64ECF84}"/>
+              </a:ext>
+            </a:extLst>
+          </p:cNvPr>
+          <p:cNvSpPr>
+            <a:spLocks noGrp="1"/>
+          </p:cNvSpPr>
+          <p:nvPr>
+            <p:ph idx="1"/>
+          </p:nvPr>
+        </p:nvSpPr>
+        <p:spPr/>
+        <p:txBody>
+          <a:bodyPr/>
+          <a:lstStyle/>
+          <a:p>
+            <a:r>
+              <a:rPr lang="en-US" sz="2000" dirty="0"/>
+              <a:t>docker build --platform </a:t>
+            </a:r>
+            <a:r>
+              <a:rPr lang="en-US" sz="2000" dirty="0" err="1"/>
+              <a:t>linux</a:t>
+            </a:r>
+            <a:r>
+              <a:rPr lang="en-US" sz="2000" dirty="0"/>
+              <a:t>/amd64 -t </a:t>
+            </a:r>
+            <a:r>
+              <a:rPr lang="en-US" sz="2000" dirty="0" err="1"/>
+              <a:t>vatsank</a:t>
+            </a:r>
+            <a:r>
+              <a:rPr lang="en-US" sz="2000" dirty="0"/>
+              <a:t>/springrest:1.0 .</a:t>
+            </a:r>
+          </a:p>
+          <a:p>
+            <a:endParaRPr lang="en-IN" sz="2000" dirty="0"/>
+          </a:p>
+          <a:p>
+            <a:r>
+              <a:rPr lang="en-IN" sz="2000" dirty="0" err="1"/>
+              <a:t>az</a:t>
+            </a:r>
+            <a:r>
+              <a:rPr lang="en-IN" sz="2000" dirty="0"/>
+              <a:t> </a:t>
+            </a:r>
+            <a:r>
+              <a:rPr lang="en-IN" sz="2000" dirty="0" err="1"/>
+              <a:t>acr</a:t>
+            </a:r>
+            <a:r>
+              <a:rPr lang="en-IN" sz="2000" dirty="0"/>
+              <a:t> login --name </a:t>
+            </a:r>
+            <a:r>
+              <a:rPr lang="en-IN" sz="2000" dirty="0" err="1"/>
+              <a:t>myuniqueregistry</a:t>
+            </a:r>
+            <a:endParaRPr lang="en-IN" sz="2000" dirty="0"/>
+          </a:p>
+          <a:p>
+            <a:endParaRPr lang="en-IN" sz="2000" b="1" dirty="0"/>
+          </a:p>
+          <a:p>
+            <a:r>
+              <a:rPr lang="en-IN" sz="2000" dirty="0"/>
+              <a:t>docker build -t spring-boot-app .</a:t>
+            </a:r>
+          </a:p>
+          <a:p>
+            <a:endParaRPr lang="en-IN" sz="2000" dirty="0"/>
+          </a:p>
+          <a:p>
+            <a:r>
+              <a:rPr lang="en-IN" sz="2000" dirty="0"/>
+              <a:t>docker tag spring-boot-app </a:t>
+            </a:r>
+            <a:r>
+              <a:rPr lang="en-IN" sz="2000" dirty="0" err="1"/>
+              <a:t>myuniqueregistry.azurecr.io</a:t>
+            </a:r>
+            <a:r>
+              <a:rPr lang="en-IN" sz="2000" dirty="0"/>
+              <a:t>/spring-boot-app:v1</a:t>
+            </a:r>
+          </a:p>
+          <a:p>
+            <a:endParaRPr lang="en-IN" sz="2000" dirty="0"/>
+          </a:p>
+          <a:p>
+            <a:r>
+              <a:rPr lang="en-IN" sz="2000" dirty="0"/>
+              <a:t>docker push </a:t>
+            </a:r>
+            <a:r>
+              <a:rPr lang="en-IN" sz="2000" dirty="0" err="1"/>
+              <a:t>myuniqueregistry.azurecr.io</a:t>
+            </a:r>
+            <a:r>
+              <a:rPr lang="en-IN" sz="2000" dirty="0"/>
+              <a:t>/spring-boot-app:v1</a:t>
+            </a:r>
+          </a:p>
+          <a:p>
+            <a:r>
+              <a:rPr lang="en-IN" sz="2000" dirty="0" err="1"/>
+              <a:t>az</a:t>
+            </a:r>
+            <a:r>
+              <a:rPr lang="en-IN" sz="2000" dirty="0"/>
+              <a:t> </a:t>
+            </a:r>
+            <a:r>
+              <a:rPr lang="en-IN" sz="2000" dirty="0" err="1"/>
+              <a:t>acr</a:t>
+            </a:r>
+            <a:r>
+              <a:rPr lang="en-IN" sz="2000" dirty="0"/>
+              <a:t> repository list --name </a:t>
+            </a:r>
+            <a:r>
+              <a:rPr lang="en-IN" sz="2000" dirty="0" err="1"/>
+              <a:t>myuniqueregistry</a:t>
+            </a:r>
+            <a:r>
+              <a:rPr lang="en-IN" sz="2000" dirty="0"/>
+              <a:t> --output table</a:t>
+            </a:r>
+          </a:p>
+          <a:p>
+            <a:r>
+              <a:rPr lang="en-IN" sz="1800" dirty="0" err="1"/>
+              <a:t>az</a:t>
+            </a:r>
+            <a:r>
+              <a:rPr lang="en-IN" sz="1800" dirty="0"/>
+              <a:t> </a:t>
+            </a:r>
+            <a:r>
+              <a:rPr lang="en-IN" sz="1800" dirty="0" err="1"/>
+              <a:t>acr</a:t>
+            </a:r>
+            <a:r>
+              <a:rPr lang="en-IN" sz="1800" dirty="0"/>
+              <a:t> repository list –name </a:t>
+            </a:r>
+            <a:r>
+              <a:rPr lang="en-IN" sz="1800" b="1" dirty="0" err="1"/>
+              <a:t>vatsandemoreg</a:t>
+            </a:r>
+            <a:r>
+              <a:rPr lang="en-IN" sz="1800" b="1" dirty="0"/>
+              <a:t> –output table</a:t>
+            </a:r>
+          </a:p>
+          <a:p>
+            <a:endParaRPr lang="en-US" sz="2000" dirty="0"/>
+          </a:p>
+          <a:p>
+            <a:endParaRPr lang="en-US" sz="2000" dirty="0"/>
+          </a:p>
+        </p:txBody>
+      </p:sp>
+    </p:spTree>
+    <p:extLst>
+      <p:ext uri="{BB962C8B-B14F-4D97-AF65-F5344CB8AC3E}">
+        <p14:creationId xmlns:p14="http://schemas.microsoft.com/office/powerpoint/2010/main" val="29452424"/>
+      </p:ext>
+    </p:extLst>
+  </p:cSld>
+  <p:clrMapOvr>
+    <a:masterClrMapping/>
+  </p:clrMapOvr>
+</p:sld>
+</file>
+
+<file path=ppt/slides/slide27.xml><?xml version="1.0" encoding="utf-8"?>
+<p:sld xmlns:a="http://schemas.openxmlformats.org/drawingml/2006/main" xmlns:r="http://schemas.openxmlformats.org/officeDocument/2006/relationships" xmlns:p="http://schemas.openxmlformats.org/presentationml/2006/main">
+  <p:cSld>
+    <p:spTree>
+      <p:nvGrpSpPr>
+        <p:cNvPr id="1" name=""/>
+        <p:cNvGrpSpPr/>
+        <p:nvPr/>
+      </p:nvGrpSpPr>
+      <p:grpSpPr>
+        <a:xfrm>
+          <a:off x="0" y="0"/>
+          <a:ext cx="0" cy="0"/>
+          <a:chOff x="0" y="0"/>
+          <a:chExt cx="0" cy="0"/>
+        </a:xfrm>
+      </p:grpSpPr>
+      <p:sp>
+        <p:nvSpPr>
+          <p:cNvPr id="2" name="Title 1">
+            <a:extLst>
+              <a:ext uri="{FF2B5EF4-FFF2-40B4-BE49-F238E27FC236}">
+                <a16:creationId xmlns:a16="http://schemas.microsoft.com/office/drawing/2014/main" id="{D01382C2-0FE3-F00D-9B0B-52170BC489C2}"/>
+              </a:ext>
+            </a:extLst>
+          </p:cNvPr>
+          <p:cNvSpPr>
+            <a:spLocks noGrp="1"/>
+          </p:cNvSpPr>
+          <p:nvPr>
+            <p:ph type="title"/>
+          </p:nvPr>
+        </p:nvSpPr>
+        <p:spPr/>
+        <p:txBody>
+          <a:bodyPr/>
+          <a:lstStyle/>
+          <a:p>
+            <a:r>
+              <a:rPr lang="en-US" sz="2800" dirty="0"/>
+              <a:t>Azure Container Repository vs Docker Registry</a:t>
+            </a:r>
+          </a:p>
+        </p:txBody>
+      </p:sp>
+      <p:sp>
+        <p:nvSpPr>
+          <p:cNvPr id="3" name="Content Placeholder 2">
+            <a:extLst>
+              <a:ext uri="{FF2B5EF4-FFF2-40B4-BE49-F238E27FC236}">
+                <a16:creationId xmlns:a16="http://schemas.microsoft.com/office/drawing/2014/main" id="{E1DC5EF4-FDF8-4E81-9CB3-9DF23B9B98EA}"/>
+              </a:ext>
+            </a:extLst>
+          </p:cNvPr>
+          <p:cNvSpPr>
+            <a:spLocks noGrp="1"/>
+          </p:cNvSpPr>
+          <p:nvPr>
+            <p:ph idx="1"/>
+          </p:nvPr>
+        </p:nvSpPr>
+        <p:spPr/>
+        <p:txBody>
+          <a:bodyPr/>
+          <a:lstStyle/>
+          <a:p>
+            <a:r>
+              <a:rPr lang="en-IN" sz="1800" dirty="0"/>
+              <a:t>ACR is a private registry for managing proprietary container images, whereas Docker Hub is primarily for public sharing even though it supports private images </a:t>
+            </a:r>
+          </a:p>
+          <a:p>
+            <a:endParaRPr lang="en-IN" sz="1800" dirty="0"/>
+          </a:p>
+          <a:p>
+            <a:r>
+              <a:rPr lang="en-IN" sz="1800" dirty="0"/>
+              <a:t>ACR offers enhanced security features like Azure role-based access control (Azure RBAC), geo-replication, and seamless integration with other Azure services like Azure Kubernetes Service (AKS), Azure Container Instances (ACI), and Azure DevOps.</a:t>
+            </a:r>
+          </a:p>
+          <a:p>
+            <a:endParaRPr lang="en-IN" sz="1800" dirty="0"/>
+          </a:p>
+          <a:p>
+            <a:r>
+              <a:rPr lang="en-IN" sz="1800" dirty="0"/>
+              <a:t>Keeping registry network-close to your container deployment in the same Azure region can reduce latency and network egress fees.</a:t>
+            </a:r>
+          </a:p>
+          <a:p>
+            <a:endParaRPr lang="en-IN" sz="1800" b="1" dirty="0"/>
+          </a:p>
+          <a:p>
+            <a:r>
+              <a:rPr lang="en-IN" sz="1800" dirty="0"/>
+              <a:t>Using a private, managed registry like ACR avoids potential issues with public registry rate limits and external network dependencies, ensuring more reliable deployments. </a:t>
+            </a:r>
+          </a:p>
+          <a:p>
+            <a:pPr marL="0" indent="0">
+              <a:buNone/>
+            </a:pPr>
+            <a:br>
+              <a:rPr lang="en-IN" dirty="0"/>
+            </a:br>
+            <a:endParaRPr lang="en-IN" dirty="0"/>
+          </a:p>
+          <a:p>
+            <a:endParaRPr lang="en-US" dirty="0"/>
+          </a:p>
+          <a:p>
+            <a:endParaRPr lang="en-US" dirty="0"/>
+          </a:p>
+        </p:txBody>
+      </p:sp>
+    </p:spTree>
+    <p:extLst>
+      <p:ext uri="{BB962C8B-B14F-4D97-AF65-F5344CB8AC3E}">
+        <p14:creationId xmlns:p14="http://schemas.microsoft.com/office/powerpoint/2010/main" val="4050388969"/>
+      </p:ext>
+    </p:extLst>
+  </p:cSld>
+  <p:clrMapOvr>
+    <a:masterClrMapping/>
+  </p:clrMapOvr>
+</p:sld>
+</file>
+
+<file path=ppt/slides/slide28.xml><?xml version="1.0" encoding="utf-8"?>
+<p:sld xmlns:a="http://schemas.openxmlformats.org/drawingml/2006/main" xmlns:r="http://schemas.openxmlformats.org/officeDocument/2006/relationships" xmlns:p="http://schemas.openxmlformats.org/presentationml/2006/main">
+  <p:cSld>
+    <p:spTree>
+      <p:nvGrpSpPr>
+        <p:cNvPr id="1" name=""/>
+        <p:cNvGrpSpPr/>
+        <p:nvPr/>
+      </p:nvGrpSpPr>
+      <p:grpSpPr>
+        <a:xfrm>
+          <a:off x="0" y="0"/>
+          <a:ext cx="0" cy="0"/>
+          <a:chOff x="0" y="0"/>
+          <a:chExt cx="0" cy="0"/>
+        </a:xfrm>
+      </p:grpSpPr>
+      <p:sp>
+        <p:nvSpPr>
+          <p:cNvPr id="2" name="Title 1">
+            <a:extLst>
+              <a:ext uri="{FF2B5EF4-FFF2-40B4-BE49-F238E27FC236}">
+                <a16:creationId xmlns:a16="http://schemas.microsoft.com/office/drawing/2014/main" id="{E71386F9-8749-0FB7-A0B3-13A4833A17A6}"/>
+              </a:ext>
+            </a:extLst>
+          </p:cNvPr>
+          <p:cNvSpPr>
+            <a:spLocks noGrp="1"/>
+          </p:cNvSpPr>
+          <p:nvPr>
+            <p:ph type="title"/>
+          </p:nvPr>
+        </p:nvSpPr>
+        <p:spPr/>
+        <p:txBody>
+          <a:bodyPr/>
+          <a:lstStyle/>
+          <a:p>
+            <a:r>
+              <a:rPr lang="en-US" dirty="0"/>
+              <a:t>Azure Container Registry</a:t>
+            </a:r>
+          </a:p>
+        </p:txBody>
+      </p:sp>
+      <p:sp>
+        <p:nvSpPr>
+          <p:cNvPr id="3" name="Content Placeholder 2">
+            <a:extLst>
+              <a:ext uri="{FF2B5EF4-FFF2-40B4-BE49-F238E27FC236}">
+                <a16:creationId xmlns:a16="http://schemas.microsoft.com/office/drawing/2014/main" id="{95032275-19B5-8846-EE63-9E47963E060E}"/>
+              </a:ext>
+            </a:extLst>
+          </p:cNvPr>
+          <p:cNvSpPr>
+            <a:spLocks noGrp="1"/>
+          </p:cNvSpPr>
+          <p:nvPr>
+            <p:ph idx="1"/>
+          </p:nvPr>
+        </p:nvSpPr>
+        <p:spPr/>
+        <p:txBody>
+          <a:bodyPr/>
+          <a:lstStyle/>
+          <a:p>
+            <a:r>
+              <a:rPr lang="en-IN" sz="1800" dirty="0"/>
+              <a:t>Can deploy and connect  to an Azure App Service, two ways </a:t>
+            </a:r>
+          </a:p>
+          <a:p>
+            <a:pPr lvl="1"/>
+            <a:r>
+              <a:rPr lang="en-IN" sz="1800" dirty="0"/>
+              <a:t>Azure Portal or the Azure CLI. </a:t>
+            </a:r>
+          </a:p>
+          <a:p>
+            <a:endParaRPr lang="en-IN" sz="1800" b="1" dirty="0"/>
+          </a:p>
+          <a:p>
+            <a:r>
+              <a:rPr lang="en-IN" sz="1800" dirty="0"/>
+              <a:t>In the Azure Portal select </a:t>
+            </a:r>
+            <a:r>
+              <a:rPr lang="en-IN" sz="1800" b="1" dirty="0"/>
+              <a:t>Create a Resource</a:t>
+            </a:r>
+            <a:r>
+              <a:rPr lang="en-IN" sz="1800" dirty="0"/>
+              <a:t> &gt; </a:t>
+            </a:r>
+            <a:r>
+              <a:rPr lang="en-IN" sz="1800" b="1" dirty="0"/>
+              <a:t>Web App</a:t>
+            </a:r>
+            <a:r>
+              <a:rPr lang="en-IN" sz="1800" dirty="0"/>
+              <a:t>.</a:t>
+            </a:r>
+          </a:p>
+          <a:p>
+            <a:r>
+              <a:rPr lang="en-IN" sz="1800" b="1" dirty="0"/>
+              <a:t>Basics:</a:t>
+            </a:r>
+            <a:r>
+              <a:rPr lang="en-IN" sz="1800" dirty="0"/>
+              <a:t> Choose subscription and resource group. </a:t>
+            </a:r>
+          </a:p>
+          <a:p>
+            <a:r>
+              <a:rPr lang="en-IN" sz="1800" dirty="0"/>
+              <a:t>Select </a:t>
+            </a:r>
+            <a:r>
+              <a:rPr lang="en-IN" sz="1800" b="1" dirty="0"/>
+              <a:t>Container</a:t>
+            </a:r>
+            <a:r>
+              <a:rPr lang="en-IN" sz="1800" dirty="0"/>
+              <a:t> as the publish option and </a:t>
+            </a:r>
+            <a:r>
+              <a:rPr lang="en-IN" sz="1800" b="1" dirty="0"/>
+              <a:t>Linux</a:t>
+            </a:r>
+            <a:r>
+              <a:rPr lang="en-IN" sz="1800" dirty="0"/>
+              <a:t> as the OS.</a:t>
+            </a:r>
+          </a:p>
+          <a:p>
+            <a:r>
+              <a:rPr lang="en-IN" sz="1800" b="1" dirty="0"/>
+              <a:t>Container Tab:</a:t>
+            </a:r>
+            <a:endParaRPr lang="en-IN" sz="1800" dirty="0"/>
+          </a:p>
+          <a:p>
+            <a:pPr lvl="1"/>
+            <a:r>
+              <a:rPr lang="en-IN" sz="1800" b="1" dirty="0"/>
+              <a:t>Image Source:</a:t>
+            </a:r>
+            <a:r>
+              <a:rPr lang="en-IN" sz="1800" dirty="0"/>
+              <a:t> Select </a:t>
+            </a:r>
+            <a:r>
+              <a:rPr lang="en-IN" sz="1800" b="1" dirty="0"/>
+              <a:t>Azure Container Registry</a:t>
+            </a:r>
+            <a:r>
+              <a:rPr lang="en-IN" sz="1800" dirty="0"/>
+              <a:t>.</a:t>
+            </a:r>
+          </a:p>
+          <a:p>
+            <a:pPr lvl="1"/>
+            <a:r>
+              <a:rPr lang="en-IN" sz="1800" b="1" dirty="0"/>
+              <a:t>Registry Details:</a:t>
+            </a:r>
+            <a:r>
+              <a:rPr lang="en-IN" sz="1800" dirty="0"/>
+              <a:t> Select your registry from the dropdown.</a:t>
+            </a:r>
+          </a:p>
+          <a:p>
+            <a:r>
+              <a:rPr lang="en-IN" sz="1800" b="1" dirty="0"/>
+              <a:t>Review + Create</a:t>
+            </a:r>
+          </a:p>
+          <a:p>
+            <a:endParaRPr lang="en-US" sz="1800" dirty="0"/>
+          </a:p>
+          <a:p>
+            <a:endParaRPr lang="en-US" sz="1800" dirty="0"/>
+          </a:p>
+        </p:txBody>
+      </p:sp>
+    </p:spTree>
+    <p:extLst>
+      <p:ext uri="{BB962C8B-B14F-4D97-AF65-F5344CB8AC3E}">
+        <p14:creationId xmlns:p14="http://schemas.microsoft.com/office/powerpoint/2010/main" val="1198358061"/>
+      </p:ext>
+    </p:extLst>
+  </p:cSld>
+  <p:clrMapOvr>
+    <a:masterClrMapping/>
+  </p:clrMapOvr>
+</p:sld>
+</file>
+
+<file path=ppt/slides/slide29.xml><?xml version="1.0" encoding="utf-8"?>
+<p:sld xmlns:a="http://schemas.openxmlformats.org/drawingml/2006/main" xmlns:r="http://schemas.openxmlformats.org/officeDocument/2006/relationships" xmlns:p="http://schemas.openxmlformats.org/presentationml/2006/main">
+  <p:cSld>
+    <p:spTree>
+      <p:nvGrpSpPr>
+        <p:cNvPr id="1" name=""/>
+        <p:cNvGrpSpPr/>
+        <p:nvPr/>
+      </p:nvGrpSpPr>
+      <p:grpSpPr>
+        <a:xfrm>
+          <a:off x="0" y="0"/>
+          <a:ext cx="0" cy="0"/>
+          <a:chOff x="0" y="0"/>
+          <a:chExt cx="0" cy="0"/>
+        </a:xfrm>
+      </p:grpSpPr>
+      <p:sp>
+        <p:nvSpPr>
+          <p:cNvPr id="2" name="Title 1">
+            <a:extLst>
+              <a:ext uri="{FF2B5EF4-FFF2-40B4-BE49-F238E27FC236}">
+                <a16:creationId xmlns:a16="http://schemas.microsoft.com/office/drawing/2014/main" id="{6E01E1B1-4CB8-0751-C303-9AB8432CE41E}"/>
+              </a:ext>
+            </a:extLst>
+          </p:cNvPr>
+          <p:cNvSpPr>
+            <a:spLocks noGrp="1"/>
+          </p:cNvSpPr>
+          <p:nvPr>
+            <p:ph type="title"/>
+          </p:nvPr>
+        </p:nvSpPr>
+        <p:spPr/>
+        <p:txBody>
+          <a:bodyPr/>
+          <a:lstStyle/>
+          <a:p>
+            <a:r>
+              <a:rPr lang="en-US" dirty="0"/>
+              <a:t>Azure API Management </a:t>
+            </a:r>
+          </a:p>
+        </p:txBody>
+      </p:sp>
+      <p:sp>
+        <p:nvSpPr>
+          <p:cNvPr id="3" name="Content Placeholder 2">
+            <a:extLst>
+              <a:ext uri="{FF2B5EF4-FFF2-40B4-BE49-F238E27FC236}">
+                <a16:creationId xmlns:a16="http://schemas.microsoft.com/office/drawing/2014/main" id="{99F17886-B135-8C2C-808A-7154B4D1C27E}"/>
+              </a:ext>
+            </a:extLst>
+          </p:cNvPr>
+          <p:cNvSpPr>
+            <a:spLocks noGrp="1"/>
+          </p:cNvSpPr>
+          <p:nvPr>
+            <p:ph idx="1"/>
+          </p:nvPr>
+        </p:nvSpPr>
+        <p:spPr/>
+        <p:txBody>
+          <a:bodyPr/>
+          <a:lstStyle/>
+          <a:p>
+            <a:r>
+              <a:rPr lang="en-IN" sz="2000" b="1" dirty="0"/>
+              <a:t>A Platform-as-a-Service (PaaS)</a:t>
+            </a:r>
+            <a:r>
+              <a:rPr lang="en-IN" sz="2000" dirty="0"/>
+              <a:t> offering from Microsoft t</a:t>
+            </a:r>
+          </a:p>
+          <a:p>
+            <a:pPr lvl="1"/>
+            <a:r>
+              <a:rPr lang="en-IN" sz="2000" dirty="0"/>
+              <a:t>Can publish, secure, transform, maintain, and monitor APIs. </a:t>
+            </a:r>
+          </a:p>
+          <a:p>
+            <a:r>
+              <a:rPr lang="en-IN" sz="2000" dirty="0"/>
+              <a:t>A façade between API consumers and back-end services, centralizing the management of the entire API lifecycle cloud environments. </a:t>
+            </a:r>
+            <a:br>
+              <a:rPr lang="en-IN" sz="2000" dirty="0"/>
+            </a:br>
+            <a:endParaRPr lang="en-IN" sz="2000" dirty="0"/>
+          </a:p>
+          <a:p>
+            <a:r>
+              <a:rPr lang="en-IN" sz="1800" b="1" dirty="0"/>
+              <a:t>API Gateway</a:t>
+            </a:r>
+            <a:r>
+              <a:rPr lang="en-IN" sz="1800" dirty="0"/>
+              <a:t>: </a:t>
+            </a:r>
+          </a:p>
+          <a:p>
+            <a:pPr lvl="1"/>
+            <a:r>
+              <a:rPr lang="en-IN" sz="2000" dirty="0"/>
+              <a:t>Single entry point for all API calls. </a:t>
+            </a:r>
+          </a:p>
+          <a:p>
+            <a:pPr lvl="1"/>
+            <a:r>
+              <a:rPr lang="en-IN" sz="2000" dirty="0"/>
+              <a:t>It intercepts incoming requests, enforces policies (like authentication, rate limits, and caching)</a:t>
+            </a:r>
+          </a:p>
+          <a:p>
+            <a:pPr lvl="1"/>
+            <a:r>
+              <a:rPr lang="en-IN" sz="2000" dirty="0"/>
+              <a:t>Routes requests to the appropriate back-end services, and emits metrics and logs for monitoring. </a:t>
+            </a:r>
+          </a:p>
+          <a:p>
+            <a:pPr lvl="1"/>
+            <a:r>
+              <a:rPr lang="en-IN" sz="2000" dirty="0"/>
+              <a:t>Managed by Azure </a:t>
+            </a:r>
+          </a:p>
+          <a:p>
+            <a:endParaRPr lang="en-US" sz="1800" dirty="0"/>
+          </a:p>
+          <a:p>
+            <a:endParaRPr lang="en-US" sz="1800" dirty="0"/>
+          </a:p>
+        </p:txBody>
+      </p:sp>
+    </p:spTree>
+    <p:extLst>
+      <p:ext uri="{BB962C8B-B14F-4D97-AF65-F5344CB8AC3E}">
+        <p14:creationId xmlns:p14="http://schemas.microsoft.com/office/powerpoint/2010/main" val="104517406"/>
+      </p:ext>
+    </p:extLst>
+  </p:cSld>
+  <p:clrMapOvr>
+    <a:masterClrMapping/>
+  </p:clrMapOvr>
+</p:sld>
+</file>
+
+<file path=ppt/slides/slide3.xml><?xml version="1.0" encoding="utf-8"?>
+<p:sld xmlns:a="http://schemas.openxmlformats.org/drawingml/2006/main" xmlns:r="http://schemas.openxmlformats.org/officeDocument/2006/relationships" xmlns:p="http://schemas.openxmlformats.org/presentationml/2006/main">
+  <p:cSld>
+    <p:spTree>
+      <p:nvGrpSpPr>
+        <p:cNvPr id="1" name=""/>
+        <p:cNvGrpSpPr/>
+        <p:nvPr/>
+      </p:nvGrpSpPr>
+      <p:grpSpPr>
+        <a:xfrm>
+          <a:off x="0" y="0"/>
+          <a:ext cx="0" cy="0"/>
+          <a:chOff x="0" y="0"/>
+          <a:chExt cx="0" cy="0"/>
+        </a:xfrm>
+      </p:grpSpPr>
+      <p:sp>
+        <p:nvSpPr>
+          <p:cNvPr id="2" name="Title 1">
+            <a:extLst>
+              <a:ext uri="{FF2B5EF4-FFF2-40B4-BE49-F238E27FC236}">
+                <a16:creationId xmlns:a16="http://schemas.microsoft.com/office/drawing/2014/main" id="{F1F281F7-1B7E-ADF3-B0C2-4E2D1CFF75D6}"/>
+              </a:ext>
+            </a:extLst>
+          </p:cNvPr>
+          <p:cNvSpPr>
+            <a:spLocks noGrp="1"/>
+          </p:cNvSpPr>
+          <p:nvPr>
+            <p:ph type="title"/>
+          </p:nvPr>
+        </p:nvSpPr>
+        <p:spPr/>
+        <p:txBody>
+          <a:bodyPr/>
+          <a:lstStyle/>
+          <a:p>
+            <a:r>
+              <a:rPr lang="en-US" dirty="0"/>
+              <a:t>Create a Virtual Machine</a:t>
+            </a:r>
+          </a:p>
+        </p:txBody>
+      </p:sp>
+      <p:pic>
+        <p:nvPicPr>
+          <p:cNvPr id="4" name="Content Placeholder 3" descr="A screenshot of a computer&#10;&#10;AI-generated content may be incorrect.">
+            <a:extLst>
+              <a:ext uri="{FF2B5EF4-FFF2-40B4-BE49-F238E27FC236}">
+                <a16:creationId xmlns:a16="http://schemas.microsoft.com/office/drawing/2014/main" id="{88760443-3927-A338-7B87-38F47C09F999}"/>
+              </a:ext>
+            </a:extLst>
+          </p:cNvPr>
+          <p:cNvPicPr>
+            <a:picLocks noGrp="1" noChangeAspect="1"/>
+          </p:cNvPicPr>
+          <p:nvPr>
+            <p:ph idx="1"/>
+          </p:nvPr>
+        </p:nvPicPr>
+        <p:blipFill>
+          <a:blip r:embed="rId2"/>
+          <a:stretch>
+            <a:fillRect/>
+          </a:stretch>
+        </p:blipFill>
+        <p:spPr>
+          <a:xfrm>
+            <a:off x="682218" y="1066800"/>
+            <a:ext cx="7779564" cy="5059363"/>
+          </a:xfrm>
+          <a:prstGeom prst="rect">
+            <a:avLst/>
+          </a:prstGeom>
+        </p:spPr>
+      </p:pic>
+    </p:spTree>
+    <p:extLst>
+      <p:ext uri="{BB962C8B-B14F-4D97-AF65-F5344CB8AC3E}">
+        <p14:creationId xmlns:p14="http://schemas.microsoft.com/office/powerpoint/2010/main" val="601352414"/>
+      </p:ext>
+    </p:extLst>
+  </p:cSld>
+  <p:clrMapOvr>
+    <a:masterClrMapping/>
+  </p:clrMapOvr>
+</p:sld>
+</file>
+
+<file path=ppt/slides/slide30.xml><?xml version="1.0" encoding="utf-8"?>
+<p:sld xmlns:a="http://schemas.openxmlformats.org/drawingml/2006/main" xmlns:r="http://schemas.openxmlformats.org/officeDocument/2006/relationships" xmlns:p="http://schemas.openxmlformats.org/presentationml/2006/main">
+  <p:cSld>
+    <p:spTree>
+      <p:nvGrpSpPr>
+        <p:cNvPr id="1" name=""/>
+        <p:cNvGrpSpPr/>
+        <p:nvPr/>
+      </p:nvGrpSpPr>
+      <p:grpSpPr>
+        <a:xfrm>
+          <a:off x="0" y="0"/>
+          <a:ext cx="0" cy="0"/>
+          <a:chOff x="0" y="0"/>
+          <a:chExt cx="0" cy="0"/>
+        </a:xfrm>
+      </p:grpSpPr>
+      <p:sp>
+        <p:nvSpPr>
+          <p:cNvPr id="2" name="Title 1">
+            <a:extLst>
+              <a:ext uri="{FF2B5EF4-FFF2-40B4-BE49-F238E27FC236}">
+                <a16:creationId xmlns:a16="http://schemas.microsoft.com/office/drawing/2014/main" id="{CD400543-BDB2-FD0A-00FA-0F53071B5915}"/>
+              </a:ext>
+            </a:extLst>
+          </p:cNvPr>
+          <p:cNvSpPr>
+            <a:spLocks noGrp="1"/>
+          </p:cNvSpPr>
+          <p:nvPr>
+            <p:ph type="title"/>
+          </p:nvPr>
+        </p:nvSpPr>
+        <p:spPr/>
+        <p:txBody>
+          <a:bodyPr/>
+          <a:lstStyle/>
+          <a:p>
+            <a:r>
+              <a:rPr lang="en-US" dirty="0"/>
+              <a:t>Azure API Management </a:t>
+            </a:r>
+          </a:p>
+        </p:txBody>
+      </p:sp>
+      <p:sp>
+        <p:nvSpPr>
+          <p:cNvPr id="3" name="Content Placeholder 2">
+            <a:extLst>
+              <a:ext uri="{FF2B5EF4-FFF2-40B4-BE49-F238E27FC236}">
+                <a16:creationId xmlns:a16="http://schemas.microsoft.com/office/drawing/2014/main" id="{B2694779-FCCE-9156-1F2C-68214FE98BC8}"/>
+              </a:ext>
+            </a:extLst>
+          </p:cNvPr>
+          <p:cNvSpPr>
+            <a:spLocks noGrp="1"/>
+          </p:cNvSpPr>
+          <p:nvPr>
+            <p:ph idx="1"/>
+          </p:nvPr>
+        </p:nvSpPr>
+        <p:spPr>
+          <a:xfrm>
+            <a:off x="457200" y="868364"/>
+            <a:ext cx="8229600" cy="5257800"/>
+          </a:xfrm>
+        </p:spPr>
+        <p:txBody>
+          <a:bodyPr/>
+          <a:lstStyle/>
+          <a:p>
+            <a:pPr>
+              <a:lnSpc>
+                <a:spcPct val="150000"/>
+              </a:lnSpc>
+            </a:pPr>
+            <a:r>
+              <a:rPr lang="en-IN" sz="2000" b="1" dirty="0"/>
+              <a:t>Management Plane</a:t>
+            </a:r>
+            <a:r>
+              <a:rPr lang="en-IN" sz="2000" dirty="0"/>
+              <a:t>: </a:t>
+            </a:r>
+          </a:p>
+          <a:p>
+            <a:pPr lvl="1">
+              <a:lnSpc>
+                <a:spcPct val="150000"/>
+              </a:lnSpc>
+            </a:pPr>
+            <a:r>
+              <a:rPr lang="en-IN" sz="2000" dirty="0"/>
+              <a:t>The administrative interface </a:t>
+            </a:r>
+          </a:p>
+          <a:p>
+            <a:pPr lvl="1">
+              <a:lnSpc>
+                <a:spcPct val="150000"/>
+              </a:lnSpc>
+            </a:pPr>
+            <a:r>
+              <a:rPr lang="en-IN" sz="2000" dirty="0"/>
+              <a:t>Used in Azure portal, CLI, </a:t>
+            </a:r>
+            <a:r>
+              <a:rPr lang="en-IN" sz="2000" dirty="0" err="1"/>
+              <a:t>PowerShel</a:t>
+            </a:r>
+            <a:endParaRPr lang="en-IN" sz="2000" dirty="0"/>
+          </a:p>
+          <a:p>
+            <a:pPr lvl="1">
+              <a:lnSpc>
+                <a:spcPct val="150000"/>
+              </a:lnSpc>
+            </a:pPr>
+            <a:r>
+              <a:rPr lang="en-IN" sz="2000" dirty="0"/>
+              <a:t>API configurations , API settings, policies, and get analytics insights.</a:t>
+            </a:r>
+          </a:p>
+          <a:p>
+            <a:pPr>
+              <a:lnSpc>
+                <a:spcPct val="150000"/>
+              </a:lnSpc>
+            </a:pPr>
+            <a:r>
+              <a:rPr lang="en-IN" sz="2000" b="1" dirty="0"/>
+              <a:t>Developer Portal</a:t>
+            </a:r>
+            <a:r>
+              <a:rPr lang="en-IN" sz="2000" dirty="0"/>
+              <a:t>: </a:t>
+            </a:r>
+          </a:p>
+          <a:p>
+            <a:pPr lvl="1">
+              <a:lnSpc>
+                <a:spcPct val="150000"/>
+              </a:lnSpc>
+            </a:pPr>
+            <a:r>
+              <a:rPr lang="en-IN" sz="2000" dirty="0"/>
+              <a:t>An automatically generated, customizable website that serves as the main presence for developers. </a:t>
+            </a:r>
+          </a:p>
+          <a:p>
+            <a:pPr lvl="1">
+              <a:lnSpc>
+                <a:spcPct val="150000"/>
+              </a:lnSpc>
+            </a:pPr>
+            <a:r>
+              <a:rPr lang="en-IN" sz="2000" dirty="0"/>
+              <a:t>Discover available APIs, view documentation, subscribe to products to get API keys, and test APIs via an interactive console. </a:t>
+            </a:r>
+          </a:p>
+        </p:txBody>
+      </p:sp>
+    </p:spTree>
+    <p:extLst>
+      <p:ext uri="{BB962C8B-B14F-4D97-AF65-F5344CB8AC3E}">
+        <p14:creationId xmlns:p14="http://schemas.microsoft.com/office/powerpoint/2010/main" val="611672718"/>
+      </p:ext>
+    </p:extLst>
+  </p:cSld>
+  <p:clrMapOvr>
+    <a:masterClrMapping/>
+  </p:clrMapOvr>
+</p:sld>
+</file>
+
+<file path=ppt/slides/slide31.xml><?xml version="1.0" encoding="utf-8"?>
+<p:sld xmlns:a="http://schemas.openxmlformats.org/drawingml/2006/main" xmlns:r="http://schemas.openxmlformats.org/officeDocument/2006/relationships" xmlns:p="http://schemas.openxmlformats.org/presentationml/2006/main">
+  <p:cSld>
+    <p:spTree>
+      <p:nvGrpSpPr>
+        <p:cNvPr id="1" name=""/>
+        <p:cNvGrpSpPr/>
+        <p:nvPr/>
+      </p:nvGrpSpPr>
+      <p:grpSpPr>
+        <a:xfrm>
+          <a:off x="0" y="0"/>
+          <a:ext cx="0" cy="0"/>
+          <a:chOff x="0" y="0"/>
+          <a:chExt cx="0" cy="0"/>
+        </a:xfrm>
+      </p:grpSpPr>
+      <p:sp>
+        <p:nvSpPr>
+          <p:cNvPr id="2" name="Title 1">
+            <a:extLst>
+              <a:ext uri="{FF2B5EF4-FFF2-40B4-BE49-F238E27FC236}">
+                <a16:creationId xmlns:a16="http://schemas.microsoft.com/office/drawing/2014/main" id="{046E1D4A-CDB3-9500-3CD6-67086D7326A5}"/>
+              </a:ext>
+            </a:extLst>
+          </p:cNvPr>
+          <p:cNvSpPr>
+            <a:spLocks noGrp="1"/>
+          </p:cNvSpPr>
+          <p:nvPr>
+            <p:ph type="title"/>
+          </p:nvPr>
+        </p:nvSpPr>
+        <p:spPr/>
+        <p:txBody>
+          <a:bodyPr/>
+          <a:lstStyle/>
+          <a:p>
+            <a:br>
+              <a:rPr lang="en-US" dirty="0"/>
+            </a:br>
+            <a:r>
+              <a:rPr lang="en-US" dirty="0"/>
+              <a:t>API Gateways vs Application Gateways</a:t>
+            </a:r>
+            <a:br>
+              <a:rPr lang="en-US" dirty="0"/>
+            </a:br>
+            <a:endParaRPr lang="en-US" dirty="0"/>
+          </a:p>
+        </p:txBody>
+      </p:sp>
+      <p:sp>
+        <p:nvSpPr>
+          <p:cNvPr id="3" name="Content Placeholder 2">
+            <a:extLst>
+              <a:ext uri="{FF2B5EF4-FFF2-40B4-BE49-F238E27FC236}">
+                <a16:creationId xmlns:a16="http://schemas.microsoft.com/office/drawing/2014/main" id="{1D45CD31-8D84-5CD1-2D54-64FB0493C533}"/>
+              </a:ext>
+            </a:extLst>
+          </p:cNvPr>
+          <p:cNvSpPr>
+            <a:spLocks noGrp="1"/>
+          </p:cNvSpPr>
+          <p:nvPr>
+            <p:ph idx="1"/>
+          </p:nvPr>
+        </p:nvSpPr>
+        <p:spPr/>
+        <p:txBody>
+          <a:bodyPr/>
+          <a:lstStyle/>
+          <a:p>
+            <a:r>
+              <a:rPr lang="en-IN" sz="1800" dirty="0"/>
+              <a:t>An </a:t>
+            </a:r>
+            <a:r>
+              <a:rPr lang="en-IN" sz="1800" b="1" dirty="0"/>
+              <a:t>API Gateway</a:t>
+            </a:r>
+            <a:r>
+              <a:rPr lang="en-IN" sz="1800" dirty="0"/>
+              <a:t> manages the full lifecycle and exposure of APIs to developers, handling tasks like authentication, rate limiting, and documentation, </a:t>
+            </a:r>
+          </a:p>
+          <a:p>
+            <a:r>
+              <a:rPr lang="en-IN" sz="1800" b="1" dirty="0"/>
+              <a:t>Application Gateway</a:t>
+            </a:r>
+            <a:r>
+              <a:rPr lang="en-IN" sz="1800" dirty="0"/>
+              <a:t> is primarily a Layer 7 load balancer with a Web Application Firewall (WAF) for general web traffic security and distribution. </a:t>
+            </a:r>
+            <a:br>
+              <a:rPr lang="en-IN" sz="1800" dirty="0"/>
+            </a:br>
+            <a:endParaRPr lang="en-IN" sz="1800" dirty="0"/>
+          </a:p>
+          <a:p>
+            <a:r>
+              <a:rPr lang="en-IN" sz="1800" b="1" dirty="0"/>
+              <a:t>API Gateway</a:t>
+            </a:r>
+            <a:r>
+              <a:rPr lang="en-IN" sz="1800" dirty="0"/>
+              <a:t> </a:t>
+            </a:r>
+          </a:p>
+          <a:p>
+            <a:pPr lvl="1"/>
+            <a:r>
+              <a:rPr lang="en-IN" sz="2000" dirty="0"/>
+              <a:t>To expose backend services as managed, versioned APIs to internal or external developers. </a:t>
+            </a:r>
+          </a:p>
+          <a:p>
+            <a:pPr lvl="1"/>
+            <a:r>
+              <a:rPr lang="en-IN" sz="2000" dirty="0"/>
+              <a:t>It is ideal for microservices architectures, enabling consistent policy enforcement, detailed analytics, and partner onboarding.</a:t>
+            </a:r>
+          </a:p>
+          <a:p>
+            <a:r>
+              <a:rPr lang="en-IN" sz="1800" b="1" dirty="0"/>
+              <a:t>Use an Application Gateway</a:t>
+            </a:r>
+            <a:r>
+              <a:rPr lang="en-IN" sz="1800" dirty="0"/>
+              <a:t> </a:t>
+            </a:r>
+          </a:p>
+          <a:p>
+            <a:pPr lvl="1"/>
+            <a:r>
+              <a:rPr lang="en-IN" sz="2000" dirty="0"/>
+              <a:t>To provide high-performance load balancing and robust security for general web applications. </a:t>
+            </a:r>
+          </a:p>
+        </p:txBody>
+      </p:sp>
+    </p:spTree>
+    <p:extLst>
+      <p:ext uri="{BB962C8B-B14F-4D97-AF65-F5344CB8AC3E}">
+        <p14:creationId xmlns:p14="http://schemas.microsoft.com/office/powerpoint/2010/main" val="882353707"/>
+      </p:ext>
+    </p:extLst>
+  </p:cSld>
+  <p:clrMapOvr>
+    <a:masterClrMapping/>
+  </p:clrMapOvr>
+</p:sld>
+</file>
+
+<file path=ppt/slides/slide32.xml><?xml version="1.0" encoding="utf-8"?>
+<p:sld xmlns:a="http://schemas.openxmlformats.org/drawingml/2006/main" xmlns:r="http://schemas.openxmlformats.org/officeDocument/2006/relationships" xmlns:p="http://schemas.openxmlformats.org/presentationml/2006/main">
+  <p:cSld>
+    <p:spTree>
+      <p:nvGrpSpPr>
+        <p:cNvPr id="1" name=""/>
+        <p:cNvGrpSpPr/>
+        <p:nvPr/>
+      </p:nvGrpSpPr>
+      <p:grpSpPr>
+        <a:xfrm>
+          <a:off x="0" y="0"/>
+          <a:ext cx="0" cy="0"/>
+          <a:chOff x="0" y="0"/>
+          <a:chExt cx="0" cy="0"/>
+        </a:xfrm>
+      </p:grpSpPr>
+      <p:sp>
+        <p:nvSpPr>
+          <p:cNvPr id="2" name="Title 1">
+            <a:extLst>
+              <a:ext uri="{FF2B5EF4-FFF2-40B4-BE49-F238E27FC236}">
+                <a16:creationId xmlns:a16="http://schemas.microsoft.com/office/drawing/2014/main" id="{66C47BB3-29C3-6A2C-C0CA-AEF9BC821485}"/>
+              </a:ext>
+            </a:extLst>
+          </p:cNvPr>
+          <p:cNvSpPr>
+            <a:spLocks noGrp="1"/>
+          </p:cNvSpPr>
+          <p:nvPr>
+            <p:ph type="title"/>
+          </p:nvPr>
+        </p:nvSpPr>
+        <p:spPr/>
+        <p:txBody>
+          <a:bodyPr/>
+          <a:lstStyle/>
+          <a:p>
+            <a:r>
+              <a:rPr lang="en-US" dirty="0"/>
+              <a:t>API Policies </a:t>
+            </a:r>
+          </a:p>
+        </p:txBody>
+      </p:sp>
+      <p:sp>
+        <p:nvSpPr>
+          <p:cNvPr id="3" name="Content Placeholder 2">
+            <a:extLst>
+              <a:ext uri="{FF2B5EF4-FFF2-40B4-BE49-F238E27FC236}">
+                <a16:creationId xmlns:a16="http://schemas.microsoft.com/office/drawing/2014/main" id="{DD21088B-A264-639D-6DCB-3758CCAEAA73}"/>
+              </a:ext>
+            </a:extLst>
+          </p:cNvPr>
+          <p:cNvSpPr>
+            <a:spLocks noGrp="1"/>
+          </p:cNvSpPr>
+          <p:nvPr>
+            <p:ph idx="1"/>
+          </p:nvPr>
+        </p:nvSpPr>
+        <p:spPr/>
+        <p:txBody>
+          <a:bodyPr/>
+          <a:lstStyle/>
+          <a:p>
+            <a:r>
+              <a:rPr lang="en-IN" sz="2000" b="1" dirty="0"/>
+              <a:t>API policies</a:t>
+            </a:r>
+          </a:p>
+          <a:p>
+            <a:pPr lvl="1"/>
+            <a:r>
+              <a:rPr lang="en-IN" sz="2000" dirty="0"/>
+              <a:t>Define the rules and guidelines for how APIs are designed, secured, and managed, </a:t>
+            </a:r>
+          </a:p>
+          <a:p>
+            <a:pPr lvl="1"/>
+            <a:r>
+              <a:rPr lang="en-IN" sz="2000" dirty="0"/>
+              <a:t>Provide structure and control across the API lifecycle. </a:t>
+            </a:r>
+          </a:p>
+          <a:p>
+            <a:pPr marL="0" indent="0">
+              <a:buNone/>
+            </a:pPr>
+            <a:endParaRPr lang="en-IN" sz="2000" b="1" dirty="0"/>
+          </a:p>
+          <a:p>
+            <a:r>
+              <a:rPr lang="en-IN" sz="2000" b="1" dirty="0"/>
+              <a:t>API versioning</a:t>
+            </a:r>
+            <a:r>
+              <a:rPr lang="en-IN" sz="2000" dirty="0"/>
+              <a:t> </a:t>
+            </a:r>
+          </a:p>
+          <a:p>
+            <a:pPr lvl="1"/>
+            <a:r>
+              <a:rPr lang="en-IN" sz="2000" dirty="0"/>
+              <a:t>Process of handling and communicating changes to an API over time without disrupting existing users. </a:t>
+            </a:r>
+          </a:p>
+          <a:p>
+            <a:pPr lvl="1"/>
+            <a:r>
+              <a:rPr lang="en-IN" sz="2000" dirty="0"/>
+              <a:t>Ensures stability and predictability as an API evolves. </a:t>
+            </a:r>
+          </a:p>
+        </p:txBody>
+      </p:sp>
+    </p:spTree>
+    <p:extLst>
+      <p:ext uri="{BB962C8B-B14F-4D97-AF65-F5344CB8AC3E}">
+        <p14:creationId xmlns:p14="http://schemas.microsoft.com/office/powerpoint/2010/main" val="663848592"/>
+      </p:ext>
+    </p:extLst>
+  </p:cSld>
+  <p:clrMapOvr>
+    <a:masterClrMapping/>
+  </p:clrMapOvr>
+</p:sld>
+</file>
+
+<file path=ppt/slides/slide33.xml><?xml version="1.0" encoding="utf-8"?>
+<p:sld xmlns:a="http://schemas.openxmlformats.org/drawingml/2006/main" xmlns:r="http://schemas.openxmlformats.org/officeDocument/2006/relationships" xmlns:p="http://schemas.openxmlformats.org/presentationml/2006/main">
+  <p:cSld>
+    <p:spTree>
+      <p:nvGrpSpPr>
+        <p:cNvPr id="1" name=""/>
+        <p:cNvGrpSpPr/>
+        <p:nvPr/>
+      </p:nvGrpSpPr>
+      <p:grpSpPr>
+        <a:xfrm>
+          <a:off x="0" y="0"/>
+          <a:ext cx="0" cy="0"/>
+          <a:chOff x="0" y="0"/>
+          <a:chExt cx="0" cy="0"/>
+        </a:xfrm>
+      </p:grpSpPr>
+      <p:sp>
+        <p:nvSpPr>
+          <p:cNvPr id="2" name="Title 1">
+            <a:extLst>
+              <a:ext uri="{FF2B5EF4-FFF2-40B4-BE49-F238E27FC236}">
+                <a16:creationId xmlns:a16="http://schemas.microsoft.com/office/drawing/2014/main" id="{9670CCAF-0552-B311-92BC-88AE16CFA1EB}"/>
+              </a:ext>
+            </a:extLst>
+          </p:cNvPr>
+          <p:cNvSpPr>
+            <a:spLocks noGrp="1"/>
+          </p:cNvSpPr>
+          <p:nvPr>
+            <p:ph type="title"/>
+          </p:nvPr>
+        </p:nvSpPr>
+        <p:spPr/>
+        <p:txBody>
+          <a:bodyPr/>
+          <a:lstStyle/>
+          <a:p>
+            <a:r>
+              <a:rPr lang="en-US" dirty="0"/>
+              <a:t>Developer Portal</a:t>
+            </a:r>
+          </a:p>
+        </p:txBody>
+      </p:sp>
+      <p:sp>
+        <p:nvSpPr>
+          <p:cNvPr id="3" name="Content Placeholder 2">
+            <a:extLst>
+              <a:ext uri="{FF2B5EF4-FFF2-40B4-BE49-F238E27FC236}">
+                <a16:creationId xmlns:a16="http://schemas.microsoft.com/office/drawing/2014/main" id="{757E8B1C-F646-7D2A-0E67-11552749806E}"/>
+              </a:ext>
+            </a:extLst>
+          </p:cNvPr>
+          <p:cNvSpPr>
+            <a:spLocks noGrp="1"/>
+          </p:cNvSpPr>
+          <p:nvPr>
+            <p:ph idx="1"/>
+          </p:nvPr>
+        </p:nvSpPr>
+        <p:spPr/>
+        <p:txBody>
+          <a:bodyPr/>
+          <a:lstStyle/>
+          <a:p>
+            <a:r>
+              <a:rPr lang="en-IN" sz="2000" dirty="0"/>
+              <a:t>A centralized hub for API documentation, testing, and performance monitoring, allowing developers to track usage patterns, error rates (e.g., 500 errors), and latency. </a:t>
+            </a:r>
+          </a:p>
+          <a:p>
+            <a:endParaRPr lang="en-IN" sz="2000" dirty="0"/>
+          </a:p>
+          <a:p>
+            <a:r>
+              <a:rPr lang="en-IN" sz="2000" dirty="0"/>
+              <a:t>These portals improve developer experience by offering interactive dashboards, API key management, and insights into API adoption. </a:t>
+            </a:r>
+          </a:p>
+          <a:p>
+            <a:endParaRPr lang="en-IN" sz="2000" dirty="0"/>
+          </a:p>
+          <a:p>
+            <a:r>
+              <a:rPr lang="en-IN" sz="2000" dirty="0"/>
+              <a:t>IBM API Connect</a:t>
+            </a:r>
+          </a:p>
+          <a:p>
+            <a:r>
+              <a:rPr lang="en-IN" sz="2000" dirty="0"/>
+              <a:t>Kong Konnect</a:t>
+            </a:r>
+          </a:p>
+          <a:p>
+            <a:r>
+              <a:rPr lang="en-IN" sz="2000" dirty="0"/>
+              <a:t>Azure API Management</a:t>
+            </a:r>
+          </a:p>
+        </p:txBody>
+      </p:sp>
+    </p:spTree>
+    <p:extLst>
+      <p:ext uri="{BB962C8B-B14F-4D97-AF65-F5344CB8AC3E}">
+        <p14:creationId xmlns:p14="http://schemas.microsoft.com/office/powerpoint/2010/main" val="996832404"/>
+      </p:ext>
+    </p:extLst>
+  </p:cSld>
+  <p:clrMapOvr>
+    <a:masterClrMapping/>
+  </p:clrMapOvr>
+</p:sld>
+</file>
+
+<file path=ppt/slides/slide34.xml><?xml version="1.0" encoding="utf-8"?>
+<p:sld xmlns:a="http://schemas.openxmlformats.org/drawingml/2006/main" xmlns:r="http://schemas.openxmlformats.org/officeDocument/2006/relationships" xmlns:p="http://schemas.openxmlformats.org/presentationml/2006/main">
+  <p:cSld>
+    <p:spTree>
+      <p:nvGrpSpPr>
+        <p:cNvPr id="1" name=""/>
+        <p:cNvGrpSpPr/>
+        <p:nvPr/>
+      </p:nvGrpSpPr>
+      <p:grpSpPr>
+        <a:xfrm>
+          <a:off x="0" y="0"/>
+          <a:ext cx="0" cy="0"/>
+          <a:chOff x="0" y="0"/>
+          <a:chExt cx="0" cy="0"/>
+        </a:xfrm>
+      </p:grpSpPr>
+      <p:sp>
+        <p:nvSpPr>
+          <p:cNvPr id="2" name="Title 1">
+            <a:extLst>
+              <a:ext uri="{FF2B5EF4-FFF2-40B4-BE49-F238E27FC236}">
+                <a16:creationId xmlns:a16="http://schemas.microsoft.com/office/drawing/2014/main" id="{20E552C7-8E29-C919-7CF1-53541A041E47}"/>
+              </a:ext>
+            </a:extLst>
+          </p:cNvPr>
+          <p:cNvSpPr>
+            <a:spLocks noGrp="1"/>
+          </p:cNvSpPr>
+          <p:nvPr>
+            <p:ph type="title"/>
+          </p:nvPr>
+        </p:nvSpPr>
+        <p:spPr/>
+        <p:txBody>
+          <a:bodyPr/>
+          <a:lstStyle/>
+          <a:p>
+            <a:r>
+              <a:rPr lang="en-US" dirty="0"/>
+              <a:t>API Composition Pattern</a:t>
+            </a:r>
+          </a:p>
+        </p:txBody>
+      </p:sp>
+      <p:sp>
+        <p:nvSpPr>
+          <p:cNvPr id="3" name="Content Placeholder 2">
+            <a:extLst>
+              <a:ext uri="{FF2B5EF4-FFF2-40B4-BE49-F238E27FC236}">
+                <a16:creationId xmlns:a16="http://schemas.microsoft.com/office/drawing/2014/main" id="{8C814577-A234-A15B-B465-0B17077B1F65}"/>
+              </a:ext>
+            </a:extLst>
+          </p:cNvPr>
+          <p:cNvSpPr>
+            <a:spLocks noGrp="1"/>
+          </p:cNvSpPr>
+          <p:nvPr>
+            <p:ph idx="1"/>
+          </p:nvPr>
+        </p:nvSpPr>
+        <p:spPr/>
+        <p:txBody>
+          <a:bodyPr/>
+          <a:lstStyle/>
+          <a:p>
+            <a:r>
+              <a:rPr lang="en-IN" sz="1800" dirty="0"/>
+              <a:t>Used to aggregate responses from multiple microservices into a single API endpoint.</a:t>
+            </a:r>
+          </a:p>
+          <a:p>
+            <a:endParaRPr lang="en-IN" sz="1800" dirty="0"/>
+          </a:p>
+          <a:p>
+            <a:r>
+              <a:rPr lang="en-IN" sz="1800" dirty="0"/>
+              <a:t>The API Composition Pattern creates intermediary layer that orchestrates calls to the relevant microservices, compiles their responses, and presents a unified response to the client.</a:t>
+            </a:r>
+          </a:p>
+          <a:p>
+            <a:endParaRPr lang="en-IN" sz="1800" dirty="0"/>
+          </a:p>
+          <a:p>
+            <a:r>
+              <a:rPr lang="en-IN" sz="1800" dirty="0"/>
+              <a:t>This pattern can be implemented using a dedicated API gateway or a composition service that fetches data asynchronously, ensuring that the client receives all necessary information in one call.</a:t>
+            </a:r>
+          </a:p>
+          <a:p>
+            <a:pPr marL="0" indent="0">
+              <a:buNone/>
+            </a:pPr>
+            <a:br>
+              <a:rPr lang="en-IN" sz="1800" dirty="0"/>
+            </a:br>
+            <a:endParaRPr lang="en-US" sz="1800" dirty="0"/>
+          </a:p>
+          <a:p>
+            <a:endParaRPr lang="en-US" sz="1800" dirty="0"/>
+          </a:p>
+        </p:txBody>
+      </p:sp>
+    </p:spTree>
+    <p:extLst>
+      <p:ext uri="{BB962C8B-B14F-4D97-AF65-F5344CB8AC3E}">
+        <p14:creationId xmlns:p14="http://schemas.microsoft.com/office/powerpoint/2010/main" val="910182586"/>
+      </p:ext>
+    </p:extLst>
+  </p:cSld>
+  <p:clrMapOvr>
+    <a:masterClrMapping/>
+  </p:clrMapOvr>
+</p:sld>
+</file>
+
+<file path=ppt/slides/slide35.xml><?xml version="1.0" encoding="utf-8"?>
+<p:sld xmlns:a="http://schemas.openxmlformats.org/drawingml/2006/main" xmlns:r="http://schemas.openxmlformats.org/officeDocument/2006/relationships" xmlns:p="http://schemas.openxmlformats.org/presentationml/2006/main">
+  <p:cSld>
+    <p:spTree>
+      <p:nvGrpSpPr>
+        <p:cNvPr id="1" name=""/>
+        <p:cNvGrpSpPr/>
+        <p:nvPr/>
+      </p:nvGrpSpPr>
+      <p:grpSpPr>
+        <a:xfrm>
+          <a:off x="0" y="0"/>
+          <a:ext cx="0" cy="0"/>
+          <a:chOff x="0" y="0"/>
+          <a:chExt cx="0" cy="0"/>
+        </a:xfrm>
+      </p:grpSpPr>
+      <p:sp>
+        <p:nvSpPr>
+          <p:cNvPr id="2" name="Title 1">
+            <a:extLst>
+              <a:ext uri="{FF2B5EF4-FFF2-40B4-BE49-F238E27FC236}">
+                <a16:creationId xmlns:a16="http://schemas.microsoft.com/office/drawing/2014/main" id="{F31FECB5-8634-7670-D406-FEBC79445E32}"/>
+              </a:ext>
+            </a:extLst>
+          </p:cNvPr>
+          <p:cNvSpPr>
+            <a:spLocks noGrp="1"/>
+          </p:cNvSpPr>
+          <p:nvPr>
+            <p:ph type="title"/>
+          </p:nvPr>
+        </p:nvSpPr>
+        <p:spPr/>
+        <p:txBody>
+          <a:bodyPr/>
+          <a:lstStyle/>
+          <a:p>
+            <a:br>
+              <a:rPr lang="en-IN" dirty="0"/>
+            </a:br>
+            <a:r>
+              <a:rPr lang="en-IN" b="1" dirty="0"/>
+              <a:t>API Composition</a:t>
+            </a:r>
+            <a:br>
+              <a:rPr lang="en-IN" b="1" dirty="0"/>
+            </a:br>
+            <a:endParaRPr lang="en-US" dirty="0"/>
+          </a:p>
+        </p:txBody>
+      </p:sp>
+      <p:sp>
+        <p:nvSpPr>
+          <p:cNvPr id="3" name="Content Placeholder 2">
+            <a:extLst>
+              <a:ext uri="{FF2B5EF4-FFF2-40B4-BE49-F238E27FC236}">
+                <a16:creationId xmlns:a16="http://schemas.microsoft.com/office/drawing/2014/main" id="{C32E1DED-4A97-52BE-2A56-A3BBBC62234F}"/>
+              </a:ext>
+            </a:extLst>
+          </p:cNvPr>
+          <p:cNvSpPr>
+            <a:spLocks noGrp="1" noRot="1" noMove="1" noResize="1" noEditPoints="1" noAdjustHandles="1" noChangeArrowheads="1" noChangeShapeType="1"/>
+          </p:cNvSpPr>
+          <p:nvPr>
+            <p:ph idx="1"/>
+          </p:nvPr>
+        </p:nvSpPr>
+        <p:spPr/>
+        <p:txBody>
+          <a:bodyPr/>
+          <a:lstStyle/>
+          <a:p>
+            <a:r>
+              <a:rPr lang="en-IN" sz="1800" b="1" dirty="0"/>
+              <a:t>Client Request:</a:t>
+            </a:r>
+            <a:r>
+              <a:rPr lang="en-IN" sz="1800" dirty="0"/>
+              <a:t> </a:t>
+            </a:r>
+          </a:p>
+          <a:p>
+            <a:r>
+              <a:rPr lang="en-IN" sz="1800" b="1" dirty="0"/>
+              <a:t>Request Parsing:</a:t>
+            </a:r>
+            <a:r>
+              <a:rPr lang="en-IN" sz="1800" dirty="0"/>
+              <a:t> </a:t>
+            </a:r>
+          </a:p>
+          <a:p>
+            <a:r>
+              <a:rPr lang="en-IN" sz="1800" b="1" dirty="0"/>
+              <a:t>Service Calls:</a:t>
+            </a:r>
+            <a:r>
+              <a:rPr lang="en-IN" sz="1800" dirty="0"/>
+              <a:t> The composition layer makes calls to the relevant microservices. These calls can be done in parallel or sequentially, depending on the dependencies between the services and the design of the composition layer. </a:t>
+            </a:r>
+          </a:p>
+          <a:p>
+            <a:r>
+              <a:rPr lang="en-IN" sz="1800" b="1" dirty="0"/>
+              <a:t>Data Aggregation:</a:t>
+            </a:r>
+            <a:r>
+              <a:rPr lang="en-IN" sz="1800" dirty="0"/>
+              <a:t> .</a:t>
+            </a:r>
+          </a:p>
+          <a:p>
+            <a:r>
+              <a:rPr lang="en-IN" sz="1800" b="1" dirty="0"/>
+              <a:t>Response Formatting: </a:t>
+            </a:r>
+          </a:p>
+          <a:p>
+            <a:r>
+              <a:rPr lang="en-IN" sz="1800" b="1" dirty="0"/>
+              <a:t>Return Response:</a:t>
+            </a:r>
+            <a:r>
+              <a:rPr lang="en-IN" sz="1800" dirty="0"/>
+              <a:t> </a:t>
+            </a:r>
+          </a:p>
+          <a:p>
+            <a:r>
+              <a:rPr lang="en-IN" sz="1800" b="1" dirty="0"/>
+              <a:t>Caching:</a:t>
+            </a:r>
+            <a:r>
+              <a:rPr lang="en-IN" sz="1800" dirty="0"/>
+              <a:t> </a:t>
+            </a:r>
+          </a:p>
+          <a:p>
+            <a:r>
+              <a:rPr lang="en-IN" sz="1800" b="1" dirty="0"/>
+              <a:t>Security and Monitoring</a:t>
+            </a:r>
+            <a:r>
+              <a:rPr lang="en-IN" sz="1800" b="1"/>
+              <a:t>:</a:t>
+            </a:r>
+            <a:r>
+              <a:rPr lang="en-IN" sz="1800"/>
+              <a:t>  </a:t>
+            </a:r>
+            <a:r>
+              <a:rPr lang="en-IN" sz="1800" dirty="0"/>
+              <a:t>C</a:t>
+            </a:r>
+            <a:r>
+              <a:rPr lang="en-IN" sz="1800"/>
+              <a:t>an </a:t>
+            </a:r>
+            <a:r>
+              <a:rPr lang="en-IN" sz="1800" dirty="0"/>
+              <a:t>enforce security protocols (like authentication and authorization) and monitor requests for performance metrics, enabling centralized control over these aspects.</a:t>
+            </a:r>
+          </a:p>
+          <a:p>
+            <a:endParaRPr lang="en-US" sz="1800" dirty="0"/>
+          </a:p>
+        </p:txBody>
+      </p:sp>
+    </p:spTree>
+    <p:extLst>
+      <p:ext uri="{BB962C8B-B14F-4D97-AF65-F5344CB8AC3E}">
+        <p14:creationId xmlns:p14="http://schemas.microsoft.com/office/powerpoint/2010/main" val="3653689535"/>
+      </p:ext>
+    </p:extLst>
+  </p:cSld>
+  <p:clrMapOvr>
+    <a:masterClrMapping/>
+  </p:clrMapOvr>
+</p:sld>
+</file>
+
+<file path=ppt/slides/slide4.xml><?xml version="1.0" encoding="utf-8"?>
+<p:sld xmlns:a="http://schemas.openxmlformats.org/drawingml/2006/main" xmlns:r="http://schemas.openxmlformats.org/officeDocument/2006/relationships" xmlns:p="http://schemas.openxmlformats.org/presentationml/2006/main">
+  <p:cSld>
+    <p:spTree>
+      <p:nvGrpSpPr>
+        <p:cNvPr id="1" name=""/>
+        <p:cNvGrpSpPr/>
+        <p:nvPr/>
+      </p:nvGrpSpPr>
+      <p:grpSpPr>
+        <a:xfrm>
+          <a:off x="0" y="0"/>
+          <a:ext cx="0" cy="0"/>
+          <a:chOff x="0" y="0"/>
+          <a:chExt cx="0" cy="0"/>
+        </a:xfrm>
+      </p:grpSpPr>
+      <p:sp>
+        <p:nvSpPr>
+          <p:cNvPr id="2" name="Title 1">
+            <a:extLst>
+              <a:ext uri="{FF2B5EF4-FFF2-40B4-BE49-F238E27FC236}">
+                <a16:creationId xmlns:a16="http://schemas.microsoft.com/office/drawing/2014/main" id="{BDAA8809-6D5E-A525-13C0-C392C0E101BC}"/>
+              </a:ext>
+            </a:extLst>
+          </p:cNvPr>
+          <p:cNvSpPr>
+            <a:spLocks noGrp="1"/>
+          </p:cNvSpPr>
+          <p:nvPr>
+            <p:ph type="title"/>
+          </p:nvPr>
+        </p:nvSpPr>
+        <p:spPr/>
+        <p:txBody>
+          <a:bodyPr/>
+          <a:lstStyle/>
+          <a:p>
+            <a:r>
+              <a:rPr lang="en-US" dirty="0"/>
+              <a:t>Create a Virtual Machine</a:t>
+            </a:r>
+          </a:p>
+        </p:txBody>
+      </p:sp>
+      <p:pic>
+        <p:nvPicPr>
+          <p:cNvPr id="4" name="Content Placeholder 3" descr="A screenshot of a computer&#10;&#10;AI-generated content may be incorrect.">
+            <a:extLst>
+              <a:ext uri="{FF2B5EF4-FFF2-40B4-BE49-F238E27FC236}">
+                <a16:creationId xmlns:a16="http://schemas.microsoft.com/office/drawing/2014/main" id="{F059A9E4-47E0-E967-23E6-5C460A51D5C1}"/>
+              </a:ext>
+            </a:extLst>
+          </p:cNvPr>
+          <p:cNvPicPr>
+            <a:picLocks noGrp="1" noChangeAspect="1"/>
+          </p:cNvPicPr>
+          <p:nvPr>
+            <p:ph idx="1"/>
+          </p:nvPr>
+        </p:nvPicPr>
+        <p:blipFill>
+          <a:blip r:embed="rId2"/>
+          <a:stretch>
+            <a:fillRect/>
+          </a:stretch>
+        </p:blipFill>
+        <p:spPr>
+          <a:xfrm>
+            <a:off x="682218" y="1066800"/>
+            <a:ext cx="7779564" cy="5059363"/>
+          </a:xfrm>
+          <a:prstGeom prst="rect">
+            <a:avLst/>
+          </a:prstGeom>
+        </p:spPr>
+      </p:pic>
+    </p:spTree>
+    <p:extLst>
+      <p:ext uri="{BB962C8B-B14F-4D97-AF65-F5344CB8AC3E}">
+        <p14:creationId xmlns:p14="http://schemas.microsoft.com/office/powerpoint/2010/main" val="3314926707"/>
+      </p:ext>
+    </p:extLst>
+  </p:cSld>
+  <p:clrMapOvr>
+    <a:masterClrMapping/>
+  </p:clrMapOvr>
+</p:sld>
+</file>
+
+<file path=ppt/slides/slide5.xml><?xml version="1.0" encoding="utf-8"?>
+<p:sld xmlns:a="http://schemas.openxmlformats.org/drawingml/2006/main" xmlns:r="http://schemas.openxmlformats.org/officeDocument/2006/relationships" xmlns:p="http://schemas.openxmlformats.org/presentationml/2006/main">
+  <p:cSld>
+    <p:spTree>
+      <p:nvGrpSpPr>
+        <p:cNvPr id="1" name=""/>
+        <p:cNvGrpSpPr/>
+        <p:nvPr/>
+      </p:nvGrpSpPr>
+      <p:grpSpPr>
+        <a:xfrm>
+          <a:off x="0" y="0"/>
+          <a:ext cx="0" cy="0"/>
+          <a:chOff x="0" y="0"/>
+          <a:chExt cx="0" cy="0"/>
+        </a:xfrm>
+      </p:grpSpPr>
+      <p:sp>
+        <p:nvSpPr>
+          <p:cNvPr id="2" name="Title 1">
+            <a:extLst>
+              <a:ext uri="{FF2B5EF4-FFF2-40B4-BE49-F238E27FC236}">
+                <a16:creationId xmlns:a16="http://schemas.microsoft.com/office/drawing/2014/main" id="{19BB5125-D127-22B4-FA70-834B1D3D7DA3}"/>
+              </a:ext>
+            </a:extLst>
+          </p:cNvPr>
+          <p:cNvSpPr>
+            <a:spLocks noGrp="1"/>
+          </p:cNvSpPr>
+          <p:nvPr>
+            <p:ph type="title"/>
+          </p:nvPr>
+        </p:nvSpPr>
+        <p:spPr/>
+        <p:txBody>
+          <a:bodyPr/>
+          <a:lstStyle/>
+          <a:p>
+            <a:r>
+              <a:rPr lang="en-US" dirty="0"/>
+              <a:t>Virtual Machine</a:t>
+            </a:r>
+          </a:p>
+        </p:txBody>
+      </p:sp>
+      <p:sp>
+        <p:nvSpPr>
+          <p:cNvPr id="3" name="Content Placeholder 2">
+            <a:extLst>
+              <a:ext uri="{FF2B5EF4-FFF2-40B4-BE49-F238E27FC236}">
+                <a16:creationId xmlns:a16="http://schemas.microsoft.com/office/drawing/2014/main" id="{2CE0D905-3B94-AD58-E80E-DE811324172C}"/>
+              </a:ext>
+            </a:extLst>
+          </p:cNvPr>
+          <p:cNvSpPr>
+            <a:spLocks noGrp="1"/>
+          </p:cNvSpPr>
+          <p:nvPr>
+            <p:ph idx="1"/>
+          </p:nvPr>
+        </p:nvSpPr>
+        <p:spPr/>
+        <p:txBody>
+          <a:bodyPr/>
+          <a:lstStyle/>
+          <a:p>
+            <a:pPr lvl="0"/>
+            <a:r>
+              <a:rPr lang="en-IN" sz="1800" dirty="0"/>
+              <a:t>Click Review and Create </a:t>
+            </a:r>
+          </a:p>
+          <a:p>
+            <a:pPr lvl="0"/>
+            <a:r>
+              <a:rPr lang="en-IN" sz="1800" dirty="0"/>
+              <a:t>Copy the generated .</a:t>
+            </a:r>
+            <a:r>
+              <a:rPr lang="en-IN" sz="1800" dirty="0" err="1"/>
+              <a:t>pem</a:t>
+            </a:r>
+            <a:r>
+              <a:rPr lang="en-IN" sz="1800" dirty="0"/>
+              <a:t> file to a folder</a:t>
+            </a:r>
+          </a:p>
+          <a:p>
+            <a:pPr lvl="0"/>
+            <a:r>
+              <a:rPr lang="en-IN" sz="1800" dirty="0"/>
+              <a:t>When the deployment is complete navigate to the VM Instance using Goto Resource Button</a:t>
+            </a:r>
+          </a:p>
+          <a:p>
+            <a:pPr lvl="0"/>
+            <a:r>
+              <a:rPr lang="en-IN" sz="1800" dirty="0"/>
+              <a:t>Click on the Connect Link in the page</a:t>
+            </a:r>
+          </a:p>
+          <a:p>
+            <a:endParaRPr lang="en-US" dirty="0"/>
+          </a:p>
+        </p:txBody>
+      </p:sp>
+      <p:pic>
+        <p:nvPicPr>
+          <p:cNvPr id="4" name="Picture 3">
+            <a:extLst>
+              <a:ext uri="{FF2B5EF4-FFF2-40B4-BE49-F238E27FC236}">
+                <a16:creationId xmlns:a16="http://schemas.microsoft.com/office/drawing/2014/main" id="{2FC3F1B0-69A3-078C-9D90-7FFADDC24BBE}"/>
+              </a:ext>
+            </a:extLst>
+          </p:cNvPr>
+          <p:cNvPicPr>
+            <a:picLocks noChangeAspect="1"/>
+          </p:cNvPicPr>
+          <p:nvPr/>
+        </p:nvPicPr>
+        <p:blipFill>
+          <a:blip r:embed="rId2"/>
+          <a:stretch>
+            <a:fillRect/>
+          </a:stretch>
+        </p:blipFill>
+        <p:spPr>
+          <a:xfrm>
+            <a:off x="685800" y="2673350"/>
+            <a:ext cx="7543800" cy="3727450"/>
+          </a:xfrm>
+          <a:prstGeom prst="rect">
+            <a:avLst/>
+          </a:prstGeom>
+        </p:spPr>
+      </p:pic>
+    </p:spTree>
+    <p:extLst>
+      <p:ext uri="{BB962C8B-B14F-4D97-AF65-F5344CB8AC3E}">
+        <p14:creationId xmlns:p14="http://schemas.microsoft.com/office/powerpoint/2010/main" val="2698058587"/>
+      </p:ext>
+    </p:extLst>
+  </p:cSld>
+  <p:clrMapOvr>
+    <a:masterClrMapping/>
+  </p:clrMapOvr>
+</p:sld>
+</file>
+
 <file path=ppt/slides/slide6.xml><?xml version="1.0" encoding="utf-8"?>
 <p:sld xmlns:a="http://schemas.openxmlformats.org/drawingml/2006/main" xmlns:r="http://schemas.openxmlformats.org/officeDocument/2006/relationships" xmlns:p="http://schemas.openxmlformats.org/presentationml/2006/main">
   <p:cSld>
@@ -8048,7 +11048,7 @@
           <p:cNvPr id="2" name="Title 1">
             <a:extLst>
               <a:ext uri="{FF2B5EF4-FFF2-40B4-BE49-F238E27FC236}">
-                <a16:creationId xmlns:a16="http://schemas.microsoft.com/office/drawing/2014/main" id="{825FDD1A-A361-70CD-667A-BDE6A189D4AE}"/>
+                <a16:creationId xmlns:a16="http://schemas.microsoft.com/office/drawing/2014/main" id="{FF45111E-5693-EF4E-D888-FD4EFBB661AA}"/>
               </a:ext>
             </a:extLst>
           </p:cNvPr>
@@ -8066,7 +11066,7 @@
           <a:p>
             <a:r>
               <a:rPr lang="en-US" dirty="0"/>
-              <a:t>Azure Web App </a:t>
+              <a:t>Creating Virtual Machine</a:t>
             </a:r>
           </a:p>
         </p:txBody>
@@ -8076,7 +11076,7 @@
           <p:cNvPr id="3" name="Content Placeholder 2">
             <a:extLst>
               <a:ext uri="{FF2B5EF4-FFF2-40B4-BE49-F238E27FC236}">
-                <a16:creationId xmlns:a16="http://schemas.microsoft.com/office/drawing/2014/main" id="{76596374-3DB6-90FD-2119-86858242C0F5}"/>
+                <a16:creationId xmlns:a16="http://schemas.microsoft.com/office/drawing/2014/main" id="{B8E6CFCC-0FC9-D658-E2B5-E57AD5F7532D}"/>
               </a:ext>
             </a:extLst>
           </p:cNvPr>
@@ -8092,74 +11092,199 @@
           <a:bodyPr/>
           <a:lstStyle/>
           <a:p>
-            <a:r>
-              <a:rPr lang="en-IN" sz="1800" b="1" dirty="0"/>
-              <a:t>Maven Plugin for Azure App Service</a:t>
-            </a:r>
-          </a:p>
-          <a:p>
-            <a:pPr lvl="1"/>
+            <a:pPr lvl="0"/>
             <a:r>
               <a:rPr lang="en-IN" sz="1800" dirty="0"/>
-              <a:t>Automates the Process to create and deploy a Spring Boot application to an Azure Web App </a:t>
-            </a:r>
-          </a:p>
-          <a:p>
-            <a:endParaRPr lang="en-IN" sz="1800" b="1" dirty="0"/>
-          </a:p>
-          <a:p>
-            <a:r>
-              <a:rPr lang="en-IN" sz="1800" b="1" dirty="0"/>
-              <a:t>Prepare Your Spring Boot Application</a:t>
-            </a:r>
-          </a:p>
-          <a:p>
-            <a:pPr lvl="1"/>
+              <a:t>Observe a Public Ip is associated with setting , if not assign a public key</a:t>
+            </a:r>
+          </a:p>
+          <a:p>
+            <a:pPr lvl="0"/>
+            <a:r>
+              <a:rPr lang="en-IN" sz="1800" dirty="0"/>
+              <a:t>Navigate to the folder with .</a:t>
+            </a:r>
+            <a:r>
+              <a:rPr lang="en-IN" sz="1800" dirty="0" err="1"/>
+              <a:t>pem</a:t>
+            </a:r>
+            <a:r>
+              <a:rPr lang="en-IN" sz="1800" dirty="0"/>
+              <a:t> key file</a:t>
+            </a:r>
+          </a:p>
+          <a:p>
+            <a:pPr lvl="0"/>
+            <a:r>
+              <a:rPr lang="en-IN" sz="1800" dirty="0"/>
+              <a:t>Run the ssh command </a:t>
+            </a:r>
+          </a:p>
+          <a:p>
+            <a:pPr lvl="0"/>
+            <a:r>
+              <a:rPr lang="en-IN" sz="1800" dirty="0"/>
+              <a:t>ssh -</a:t>
+            </a:r>
+            <a:r>
+              <a:rPr lang="en-IN" sz="1800" dirty="0" err="1"/>
+              <a:t>i</a:t>
+            </a:r>
+            <a:r>
+              <a:rPr lang="en-IN" sz="1800" dirty="0"/>
+              <a:t> /path/to/your/</a:t>
+            </a:r>
+            <a:r>
+              <a:rPr lang="en-IN" sz="1800" dirty="0" err="1"/>
+              <a:t>private.pem</a:t>
+            </a:r>
+            <a:r>
+              <a:rPr lang="en-IN" sz="1800" dirty="0"/>
+              <a:t> </a:t>
+            </a:r>
+            <a:r>
+              <a:rPr lang="en-IN" sz="1800" u="sng" dirty="0">
+                <a:hlinkClick r:id="rId2"/>
+              </a:rPr>
+              <a:t>azureuser@20.70.232.194</a:t>
+            </a:r>
             <a:endParaRPr lang="en-IN" sz="1800" dirty="0"/>
           </a:p>
           <a:p>
-            <a:pPr lvl="1"/>
+            <a:pPr lvl="0"/>
+            <a:r>
+              <a:rPr lang="en-IN" sz="1800" dirty="0"/>
+              <a:t>verify the host fingerprint with yes to continue </a:t>
+            </a:r>
+          </a:p>
+          <a:p>
+            <a:pPr lvl="0"/>
+            <a:r>
+              <a:rPr lang="en-IN" sz="1800" dirty="0"/>
+              <a:t>Check the Java 8 versions available </a:t>
+            </a:r>
+          </a:p>
+          <a:p>
+            <a:pPr lvl="0"/>
             <a:r>
               <a:rPr lang="en-IN" sz="1800" dirty="0" err="1"/>
-              <a:t>mvn</a:t>
+              <a:t>sudo</a:t>
             </a:r>
             <a:r>
               <a:rPr lang="en-IN" sz="1800" dirty="0"/>
-              <a:t> clean package</a:t>
-            </a:r>
-          </a:p>
-          <a:p>
-            <a:pPr lvl="1"/>
+              <a:t> </a:t>
+            </a:r>
+            <a:r>
+              <a:rPr lang="en-IN" sz="1800" dirty="0" err="1"/>
+              <a:t>dnf</a:t>
+            </a:r>
             <a:r>
               <a:rPr lang="en-IN" sz="1800" dirty="0"/>
-              <a:t>java -jar target/&lt;your-app-name&gt;-*.jar</a:t>
-            </a:r>
-          </a:p>
-          <a:p>
-            <a:pPr lvl="1"/>
+              <a:t> search java-1.8.0-openjdk</a:t>
+            </a:r>
+          </a:p>
+          <a:p>
+            <a:pPr lvl="0"/>
+            <a:r>
+              <a:rPr lang="en-IN" sz="1800" dirty="0"/>
+              <a:t>Install the OpenJDK to the virtual machine </a:t>
+            </a:r>
+          </a:p>
+          <a:p>
+            <a:pPr lvl="0"/>
+            <a:r>
+              <a:rPr lang="en-IN" sz="1800" dirty="0" err="1"/>
+              <a:t>sudo</a:t>
+            </a:r>
+            <a:r>
+              <a:rPr lang="en-IN" sz="1800" dirty="0"/>
+              <a:t> </a:t>
+            </a:r>
+            <a:r>
+              <a:rPr lang="en-IN" sz="1800" dirty="0" err="1"/>
+              <a:t>dnf</a:t>
+            </a:r>
+            <a:r>
+              <a:rPr lang="en-IN" sz="1800" dirty="0"/>
+              <a:t> install java-1.8.0-openjdk java-1.8.0-openjdk-devel -y</a:t>
+            </a:r>
+          </a:p>
+          <a:p>
+            <a:pPr lvl="0"/>
+            <a:r>
+              <a:rPr lang="en-IN" sz="1800" dirty="0" err="1"/>
+              <a:t>sudo</a:t>
+            </a:r>
+            <a:r>
+              <a:rPr lang="en-IN" sz="1800" dirty="0"/>
+              <a:t> </a:t>
+            </a:r>
+            <a:r>
+              <a:rPr lang="en-IN" sz="1800" dirty="0" err="1"/>
+              <a:t>dnf</a:t>
+            </a:r>
+            <a:r>
+              <a:rPr lang="en-IN" sz="1800" dirty="0"/>
+              <a:t> install nano -y</a:t>
+            </a:r>
+          </a:p>
+          <a:p>
+            <a:pPr lvl="0"/>
+            <a:r>
+              <a:rPr lang="en-IN" sz="1800" dirty="0"/>
+              <a:t>Check java installed correctly using java –version</a:t>
+            </a:r>
+          </a:p>
+          <a:p>
+            <a:pPr lvl="0"/>
+            <a:r>
+              <a:rPr lang="en-IN" sz="1800" dirty="0"/>
+              <a:t>Nano </a:t>
+            </a:r>
+            <a:r>
+              <a:rPr lang="en-IN" sz="1800" dirty="0" err="1"/>
+              <a:t>Hello.java</a:t>
+            </a:r>
             <a:endParaRPr lang="en-IN" sz="1800" dirty="0"/>
           </a:p>
           <a:p>
-            <a:pPr lvl="1"/>
+            <a:pPr lvl="0"/>
+            <a:r>
+              <a:rPr lang="en-IN" sz="1800" dirty="0"/>
+              <a:t>Create a Simple Java code</a:t>
+            </a:r>
+          </a:p>
+          <a:p>
+            <a:pPr lvl="0"/>
+            <a:r>
+              <a:rPr lang="en-IN" sz="1800" dirty="0"/>
+              <a:t>Compile with </a:t>
+            </a:r>
             <a:r>
               <a:rPr lang="en-IN" sz="1800" dirty="0" err="1"/>
-              <a:t>mvn</a:t>
+              <a:t>javac</a:t>
             </a:r>
             <a:r>
               <a:rPr lang="en-IN" sz="1800" dirty="0"/>
-              <a:t> com.microsoft.azure:azure-webapp-maven-plugin:2.14.1:config</a:t>
-            </a:r>
-          </a:p>
-          <a:p>
-            <a:pPr lvl="1"/>
-            <a:endParaRPr lang="en-IN" sz="1800" dirty="0"/>
+              <a:t> -d . *.java</a:t>
+            </a:r>
+          </a:p>
+          <a:p>
+            <a:pPr lvl="0"/>
+            <a:r>
+              <a:rPr lang="en-IN" sz="1800" dirty="0"/>
+              <a:t>Execute the Code </a:t>
+            </a:r>
+          </a:p>
+          <a:p>
+            <a:endParaRPr lang="en-US" sz="1800" dirty="0"/>
           </a:p>
         </p:txBody>
       </p:sp>
     </p:spTree>
     <p:extLst>
       <p:ext uri="{BB962C8B-B14F-4D97-AF65-F5344CB8AC3E}">
-        <p14:creationId xmlns:p14="http://schemas.microsoft.com/office/powerpoint/2010/main" val="439242925"/>
+        <p14:creationId xmlns:p14="http://schemas.microsoft.com/office/powerpoint/2010/main" val="2621349710"/>
       </p:ext>
     </p:extLst>
   </p:cSld>
@@ -8191,7 +11316,7 @@
           <p:cNvPr id="2" name="Title 1">
             <a:extLst>
               <a:ext uri="{FF2B5EF4-FFF2-40B4-BE49-F238E27FC236}">
-                <a16:creationId xmlns:a16="http://schemas.microsoft.com/office/drawing/2014/main" id="{D564F0F0-23A0-46DE-E2D5-8F7173678628}"/>
+                <a16:creationId xmlns:a16="http://schemas.microsoft.com/office/drawing/2014/main" id="{DC90A48F-9F8C-648A-5573-7965BD63514A}"/>
               </a:ext>
             </a:extLst>
           </p:cNvPr>
@@ -8207,10 +11332,17 @@
           <a:bodyPr/>
           <a:lstStyle/>
           <a:p>
-            <a:r>
+            <a:br>
               <a:rPr lang="en-US" dirty="0"/>
-              <a:t>Azure Webapp Plugin</a:t>
-            </a:r>
+            </a:br>
+            <a:r>
+              <a:rPr lang="en-US" dirty="0"/>
+              <a:t>Azure Storage</a:t>
+            </a:r>
+            <a:br>
+              <a:rPr lang="en-US" dirty="0"/>
+            </a:br>
+            <a:endParaRPr lang="en-US" dirty="0"/>
           </a:p>
         </p:txBody>
       </p:sp>
@@ -8219,7 +11351,7 @@
           <p:cNvPr id="3" name="Content Placeholder 2">
             <a:extLst>
               <a:ext uri="{FF2B5EF4-FFF2-40B4-BE49-F238E27FC236}">
-                <a16:creationId xmlns:a16="http://schemas.microsoft.com/office/drawing/2014/main" id="{66ABF4BA-BD95-530C-1699-BF7AC890A5F1}"/>
+                <a16:creationId xmlns:a16="http://schemas.microsoft.com/office/drawing/2014/main" id="{450AA73B-E7B3-5270-B650-498A7B351437}"/>
               </a:ext>
             </a:extLst>
           </p:cNvPr>
@@ -8235,185 +11367,56 @@
           <a:bodyPr/>
           <a:lstStyle/>
           <a:p>
-            <a:pPr lvl="1"/>
-            <a:r>
-              <a:rPr lang="en-US" dirty="0"/>
-              <a:t>Add this entries to </a:t>
-            </a:r>
-            <a:r>
-              <a:rPr lang="en-US" dirty="0" err="1"/>
-              <a:t>pom.xml</a:t>
-            </a:r>
-            <a:r>
-              <a:rPr lang="en-US" dirty="0"/>
-              <a:t> and invoke the maven goal</a:t>
-            </a:r>
-          </a:p>
-          <a:p>
-            <a:pPr lvl="1"/>
-            <a:endParaRPr lang="en-US" dirty="0"/>
-          </a:p>
-          <a:p>
-            <a:pPr marL="457200" lvl="1" indent="0">
-              <a:buNone/>
+            <a:pPr>
+              <a:lnSpc>
+                <a:spcPct val="150000"/>
+              </a:lnSpc>
             </a:pPr>
             <a:r>
-              <a:rPr lang="en-US" dirty="0"/>
-              <a:t>&lt;build&gt;</a:t>
-            </a:r>
-          </a:p>
-          <a:p>
-            <a:pPr marL="457200" lvl="1" indent="0">
-              <a:buNone/>
+              <a:rPr lang="en-IN" sz="2000" dirty="0"/>
+              <a:t>An Azure Storage account is a container that provides a unique namespace for storing and accessing Azure Storage data objects—blobs, files, queues, and tables—in the cloud. </a:t>
+            </a:r>
+          </a:p>
+          <a:p>
+            <a:pPr>
+              <a:lnSpc>
+                <a:spcPct val="150000"/>
+              </a:lnSpc>
             </a:pPr>
             <a:r>
-              <a:rPr lang="en-US" dirty="0"/>
-              <a:t>    &lt;plugins&gt;</a:t>
-            </a:r>
-          </a:p>
-          <a:p>
-            <a:pPr marL="457200" lvl="1" indent="0">
-              <a:buNone/>
+              <a:rPr lang="en-IN" sz="2000" dirty="0"/>
+              <a:t>It ensures high durability, scalability, and security, with all data encrypted by default. </a:t>
+            </a:r>
+          </a:p>
+          <a:p>
+            <a:pPr>
+              <a:lnSpc>
+                <a:spcPct val="150000"/>
+              </a:lnSpc>
             </a:pPr>
             <a:r>
-              <a:rPr lang="en-US" dirty="0"/>
-              <a:t>        &lt;plugin&gt;</a:t>
-            </a:r>
-          </a:p>
-          <a:p>
-            <a:pPr marL="457200" lvl="1" indent="0">
-              <a:buNone/>
+              <a:rPr lang="en-IN" sz="2000" dirty="0"/>
+              <a:t>It serves as a single, unified account for managing various storage services, accessible globally via HTTP/HTTPS. </a:t>
+            </a:r>
+            <a:endParaRPr lang="en-IN" sz="2000" b="1" dirty="0"/>
+          </a:p>
+          <a:p>
+            <a:pPr>
+              <a:lnSpc>
+                <a:spcPct val="150000"/>
+              </a:lnSpc>
             </a:pPr>
             <a:r>
-              <a:rPr lang="en-US" dirty="0"/>
-              <a:t>            &lt;</a:t>
-            </a:r>
-            <a:r>
-              <a:rPr lang="en-US" dirty="0" err="1"/>
-              <a:t>groupId</a:t>
-            </a:r>
-            <a:r>
-              <a:rPr lang="en-US" dirty="0"/>
-              <a:t>&gt;</a:t>
-            </a:r>
-            <a:r>
-              <a:rPr lang="en-US" dirty="0" err="1"/>
-              <a:t>com.microsoft.azure</a:t>
-            </a:r>
-            <a:r>
-              <a:rPr lang="en-US" dirty="0"/>
-              <a:t>&lt;/</a:t>
-            </a:r>
-            <a:r>
-              <a:rPr lang="en-US" dirty="0" err="1"/>
-              <a:t>groupId</a:t>
-            </a:r>
-            <a:r>
-              <a:rPr lang="en-US" dirty="0"/>
-              <a:t>&gt;</a:t>
-            </a:r>
-          </a:p>
-          <a:p>
-            <a:pPr marL="457200" lvl="1" indent="0">
-              <a:buNone/>
-            </a:pPr>
-            <a:r>
-              <a:rPr lang="en-US" dirty="0"/>
-              <a:t>            &lt;</a:t>
-            </a:r>
-            <a:r>
-              <a:rPr lang="en-US" dirty="0" err="1"/>
-              <a:t>artifactId</a:t>
-            </a:r>
-            <a:r>
-              <a:rPr lang="en-US" dirty="0"/>
-              <a:t>&gt;&gt;azure-webapp-maven-plugin&lt;/</a:t>
-            </a:r>
-            <a:r>
-              <a:rPr lang="en-US" dirty="0" err="1"/>
-              <a:t>artifactId</a:t>
-            </a:r>
-            <a:r>
-              <a:rPr lang="en-US" dirty="0"/>
-              <a:t>&gt;</a:t>
-            </a:r>
-          </a:p>
-          <a:p>
-            <a:pPr marL="457200" lvl="1" indent="0">
-              <a:buNone/>
-            </a:pPr>
-            <a:r>
-              <a:rPr lang="en-US" dirty="0"/>
-              <a:t>            &lt;version&gt;2.14.1&lt;/version&gt;</a:t>
-            </a:r>
-          </a:p>
-          <a:p>
-            <a:pPr marL="457200" lvl="1" indent="0">
-              <a:buNone/>
-            </a:pPr>
-            <a:r>
-              <a:rPr lang="en-US" dirty="0"/>
-              <a:t>&lt;/plugin&gt;</a:t>
-            </a:r>
-          </a:p>
-          <a:p>
-            <a:pPr marL="457200" lvl="1" indent="0">
-              <a:buNone/>
-            </a:pPr>
-            <a:r>
-              <a:rPr lang="en-US" dirty="0"/>
-              <a:t>    &lt;/plugins&gt;</a:t>
-            </a:r>
-          </a:p>
-          <a:p>
-            <a:pPr marL="457200" lvl="1" indent="0">
-              <a:buNone/>
-            </a:pPr>
-            <a:r>
-              <a:rPr lang="en-US" dirty="0"/>
-              <a:t>&lt;/build&gt;</a:t>
-            </a:r>
-          </a:p>
-          <a:p>
-            <a:pPr marL="457200" lvl="1" indent="0">
-              <a:buNone/>
-            </a:pPr>
-            <a:endParaRPr lang="en-US" dirty="0"/>
-          </a:p>
-          <a:p>
-            <a:pPr marL="457200" lvl="1" indent="0">
-              <a:buNone/>
-            </a:pPr>
-            <a:endParaRPr lang="en-US" dirty="0"/>
-          </a:p>
-          <a:p>
-            <a:pPr lvl="1"/>
-            <a:r>
-              <a:rPr lang="en-US" dirty="0" err="1">
-                <a:solidFill>
-                  <a:srgbClr val="C00000"/>
-                </a:solidFill>
-              </a:rPr>
-              <a:t>azure-webapp:config</a:t>
-            </a:r>
-            <a:endParaRPr lang="en-US" dirty="0">
-              <a:solidFill>
-                <a:srgbClr val="C00000"/>
-              </a:solidFill>
-            </a:endParaRPr>
-          </a:p>
-          <a:p>
-            <a:pPr marL="457200" lvl="1" indent="0">
-              <a:buNone/>
-            </a:pPr>
-            <a:endParaRPr lang="en-US" dirty="0"/>
+              <a:rPr lang="en-IN" sz="2000" dirty="0"/>
+              <a:t>Can Store Blob ,Azure Files, Queue storage, and Table storage </a:t>
+            </a:r>
           </a:p>
         </p:txBody>
       </p:sp>
     </p:spTree>
     <p:extLst>
       <p:ext uri="{BB962C8B-B14F-4D97-AF65-F5344CB8AC3E}">
-        <p14:creationId xmlns:p14="http://schemas.microsoft.com/office/powerpoint/2010/main" val="760376821"/>
+        <p14:creationId xmlns:p14="http://schemas.microsoft.com/office/powerpoint/2010/main" val="3257509520"/>
       </p:ext>
     </p:extLst>
   </p:cSld>
@@ -8445,7 +11448,7 @@
           <p:cNvPr id="2" name="Title 1">
             <a:extLst>
               <a:ext uri="{FF2B5EF4-FFF2-40B4-BE49-F238E27FC236}">
-                <a16:creationId xmlns:a16="http://schemas.microsoft.com/office/drawing/2014/main" id="{0C020B90-F8F9-7F8E-23C4-3BA80721338A}"/>
+                <a16:creationId xmlns:a16="http://schemas.microsoft.com/office/drawing/2014/main" id="{08A3053B-AF83-C352-9211-7BFC05CC05C8}"/>
               </a:ext>
             </a:extLst>
           </p:cNvPr>
@@ -8456,21 +11459,15 @@
             <p:ph type="title"/>
           </p:nvPr>
         </p:nvSpPr>
-        <p:spPr>
-          <a:xfrm>
-            <a:off x="457200" y="457200"/>
-            <a:ext cx="8229600" cy="274637"/>
-          </a:xfrm>
-        </p:spPr>
+        <p:spPr/>
         <p:txBody>
           <a:bodyPr/>
           <a:lstStyle/>
           <a:p>
             <a:r>
-              <a:rPr lang="en-US" dirty="0" err="1"/>
-              <a:t>pom.xml</a:t>
-            </a:r>
-            <a:endParaRPr lang="en-US" dirty="0"/>
+              <a:rPr lang="en-US" dirty="0"/>
+              <a:t>Azure Blob Storage</a:t>
+            </a:r>
           </a:p>
         </p:txBody>
       </p:sp>
@@ -8479,7 +11476,7 @@
           <p:cNvPr id="3" name="Content Placeholder 2">
             <a:extLst>
               <a:ext uri="{FF2B5EF4-FFF2-40B4-BE49-F238E27FC236}">
-                <a16:creationId xmlns:a16="http://schemas.microsoft.com/office/drawing/2014/main" id="{E5D45867-CF48-8A75-4105-C2C9A78E5C77}"/>
+                <a16:creationId xmlns:a16="http://schemas.microsoft.com/office/drawing/2014/main" id="{A21F554E-40E1-B614-E451-AB3705D9BDFD}"/>
               </a:ext>
             </a:extLst>
           </p:cNvPr>
@@ -8490,308 +11487,56 @@
             <p:ph idx="1"/>
           </p:nvPr>
         </p:nvSpPr>
-        <p:spPr>
-          <a:xfrm>
-            <a:off x="457200" y="838200"/>
-            <a:ext cx="8229600" cy="5287963"/>
-          </a:xfrm>
-        </p:spPr>
+        <p:spPr/>
         <p:txBody>
           <a:bodyPr/>
           <a:lstStyle/>
           <a:p>
+            <a:r>
+              <a:rPr lang="en-IN" sz="2400" dirty="0"/>
+              <a:t> “blob”-Binary large object. </a:t>
+            </a:r>
+          </a:p>
+          <a:p>
+            <a:r>
+              <a:rPr lang="en-IN" sz="2400" dirty="0"/>
+              <a:t>Used for storing blob data in the cloud.</a:t>
+            </a:r>
+          </a:p>
+          <a:p>
+            <a:r>
+              <a:rPr lang="en-IN" sz="2400" dirty="0"/>
+              <a:t>It splits large data into blocks, uploads them in parts, and then reassembles everything in storage. </a:t>
+            </a:r>
+          </a:p>
+          <a:p>
             <a:pPr lvl="1"/>
             <a:r>
-              <a:rPr lang="en-IN" dirty="0"/>
-              <a:t>Update the following properties in the generated content , as per the requirements </a:t>
-            </a:r>
-          </a:p>
-          <a:p>
-            <a:pPr marL="457200" lvl="1" indent="0">
-              <a:buNone/>
-            </a:pPr>
-            <a:endParaRPr lang="en-IN" dirty="0"/>
-          </a:p>
-          <a:p>
-            <a:pPr marL="457200" lvl="1" indent="0">
-              <a:buNone/>
-            </a:pPr>
-            <a:r>
-              <a:rPr lang="en-IN" dirty="0"/>
-              <a:t>&lt;</a:t>
-            </a:r>
-            <a:r>
-              <a:rPr lang="en-IN" dirty="0" err="1"/>
-              <a:t>resourceGroup</a:t>
-            </a:r>
-            <a:r>
-              <a:rPr lang="en-IN" dirty="0"/>
-              <a:t>&gt;</a:t>
-            </a:r>
-            <a:r>
-              <a:rPr lang="en-IN" dirty="0" err="1">
-                <a:solidFill>
-                  <a:srgbClr val="C00000"/>
-                </a:solidFill>
-              </a:rPr>
-              <a:t>myrg</a:t>
-            </a:r>
-            <a:r>
-              <a:rPr lang="en-IN" dirty="0"/>
-              <a:t>&lt;/</a:t>
-            </a:r>
-            <a:r>
-              <a:rPr lang="en-IN" dirty="0" err="1"/>
-              <a:t>resourceGroup</a:t>
-            </a:r>
-            <a:r>
-              <a:rPr lang="en-IN" dirty="0"/>
-              <a:t>&gt;</a:t>
-            </a:r>
-          </a:p>
-          <a:p>
-            <a:pPr marL="457200" lvl="1" indent="0">
-              <a:buNone/>
-            </a:pPr>
-            <a:r>
-              <a:rPr lang="en-IN" dirty="0"/>
-              <a:t>&lt;</a:t>
-            </a:r>
-            <a:r>
-              <a:rPr lang="en-IN" dirty="0" err="1"/>
-              <a:t>appName</a:t>
-            </a:r>
-            <a:r>
-              <a:rPr lang="en-IN" dirty="0"/>
-              <a:t>&gt;dockerize-spring-app-1770025294212&lt;/</a:t>
-            </a:r>
-            <a:r>
-              <a:rPr lang="en-IN" dirty="0" err="1"/>
-              <a:t>appName</a:t>
-            </a:r>
-            <a:r>
-              <a:rPr lang="en-IN" dirty="0"/>
-              <a:t>&gt;</a:t>
-            </a:r>
-          </a:p>
-          <a:p>
-            <a:pPr marL="457200" lvl="1" indent="0">
-              <a:buNone/>
-            </a:pPr>
-            <a:r>
-              <a:rPr lang="en-IN" dirty="0"/>
-              <a:t>&lt;</a:t>
-            </a:r>
-            <a:r>
-              <a:rPr lang="en-IN" dirty="0" err="1"/>
-              <a:t>pricingTier</a:t>
-            </a:r>
-            <a:r>
-              <a:rPr lang="en-IN" dirty="0"/>
-              <a:t>&gt;</a:t>
-            </a:r>
-            <a:r>
-              <a:rPr lang="en-IN" dirty="0">
-                <a:solidFill>
-                  <a:srgbClr val="C00000"/>
-                </a:solidFill>
-              </a:rPr>
-              <a:t>F1</a:t>
-            </a:r>
-            <a:r>
-              <a:rPr lang="en-IN" dirty="0"/>
-              <a:t>&lt;/</a:t>
-            </a:r>
-            <a:r>
-              <a:rPr lang="en-IN" dirty="0" err="1"/>
-              <a:t>pricingTier</a:t>
-            </a:r>
-            <a:r>
-              <a:rPr lang="en-IN" dirty="0"/>
-              <a:t>&gt;</a:t>
-            </a:r>
-          </a:p>
-          <a:p>
-            <a:pPr marL="457200" lvl="1" indent="0">
-              <a:buNone/>
-            </a:pPr>
-            <a:r>
-              <a:rPr lang="en-IN" dirty="0"/>
-              <a:t>&lt;region&gt;</a:t>
-            </a:r>
-            <a:r>
-              <a:rPr lang="en-IN" dirty="0" err="1">
-                <a:solidFill>
-                  <a:srgbClr val="C00000"/>
-                </a:solidFill>
-              </a:rPr>
-              <a:t>southindia</a:t>
-            </a:r>
-            <a:r>
-              <a:rPr lang="en-IN" dirty="0"/>
-              <a:t>&lt;/region&gt;</a:t>
-            </a:r>
-          </a:p>
-          <a:p>
-            <a:pPr marL="457200" lvl="1" indent="0">
-              <a:buNone/>
-            </a:pPr>
-            <a:r>
-              <a:rPr lang="en-IN" dirty="0"/>
-              <a:t>&lt;runtime&gt;</a:t>
-            </a:r>
-          </a:p>
-          <a:p>
-            <a:pPr marL="457200" lvl="1" indent="0">
-              <a:buNone/>
-            </a:pPr>
-            <a:r>
-              <a:rPr lang="en-IN" dirty="0"/>
-              <a:t>&lt;</a:t>
-            </a:r>
-            <a:r>
-              <a:rPr lang="en-IN" dirty="0" err="1"/>
-              <a:t>os</a:t>
-            </a:r>
-            <a:r>
-              <a:rPr lang="en-IN" dirty="0"/>
-              <a:t>&gt;Linux&lt;/</a:t>
-            </a:r>
-            <a:r>
-              <a:rPr lang="en-IN" dirty="0" err="1"/>
-              <a:t>os</a:t>
-            </a:r>
-            <a:r>
-              <a:rPr lang="en-IN" dirty="0"/>
-              <a:t>&gt;</a:t>
-            </a:r>
-          </a:p>
-          <a:p>
-            <a:pPr marL="457200" lvl="1" indent="0">
-              <a:buNone/>
-            </a:pPr>
-            <a:r>
-              <a:rPr lang="en-IN" dirty="0"/>
-              <a:t>&lt;</a:t>
-            </a:r>
-            <a:r>
-              <a:rPr lang="en-IN" dirty="0" err="1"/>
-              <a:t>javaVersion</a:t>
-            </a:r>
-            <a:r>
-              <a:rPr lang="en-IN" dirty="0"/>
-              <a:t>&gt;</a:t>
-            </a:r>
-            <a:r>
-              <a:rPr lang="en-IN" dirty="0">
-                <a:solidFill>
-                  <a:srgbClr val="C00000"/>
-                </a:solidFill>
-              </a:rPr>
-              <a:t>Java 17</a:t>
-            </a:r>
-            <a:r>
-              <a:rPr lang="en-IN" dirty="0"/>
-              <a:t>&lt;/</a:t>
-            </a:r>
-            <a:r>
-              <a:rPr lang="en-IN" dirty="0" err="1"/>
-              <a:t>javaVersion</a:t>
-            </a:r>
-            <a:r>
-              <a:rPr lang="en-IN" dirty="0"/>
-              <a:t>&gt;</a:t>
-            </a:r>
-          </a:p>
-          <a:p>
-            <a:pPr marL="457200" lvl="1" indent="0">
-              <a:buNone/>
-            </a:pPr>
-            <a:r>
-              <a:rPr lang="en-IN" dirty="0"/>
-              <a:t>&lt;</a:t>
-            </a:r>
-            <a:r>
-              <a:rPr lang="en-IN" dirty="0" err="1"/>
-              <a:t>webContainer</a:t>
-            </a:r>
-            <a:r>
-              <a:rPr lang="en-IN" dirty="0"/>
-              <a:t>&gt;Java SE&lt;/</a:t>
-            </a:r>
-            <a:r>
-              <a:rPr lang="en-IN" dirty="0" err="1"/>
-              <a:t>webContainer</a:t>
-            </a:r>
-            <a:r>
-              <a:rPr lang="en-IN" dirty="0"/>
-              <a:t>&gt;</a:t>
-            </a:r>
-          </a:p>
-          <a:p>
-            <a:pPr marL="457200" lvl="1" indent="0">
-              <a:buNone/>
-            </a:pPr>
-            <a:r>
-              <a:rPr lang="en-IN" dirty="0"/>
-              <a:t>&lt;/runtime&gt;</a:t>
-            </a:r>
-          </a:p>
-          <a:p>
-            <a:pPr marL="457200" lvl="1" indent="0">
-              <a:buNone/>
-            </a:pPr>
-            <a:endParaRPr lang="en-IN" dirty="0"/>
-          </a:p>
-          <a:p>
-            <a:r>
-              <a:rPr lang="en-US" sz="1800" dirty="0" err="1"/>
-              <a:t>mvn</a:t>
-            </a:r>
-            <a:r>
-              <a:rPr lang="en-US" sz="1800" dirty="0"/>
-              <a:t> clean package</a:t>
-            </a:r>
-          </a:p>
-          <a:p>
-            <a:r>
-              <a:rPr lang="en-US" sz="1800" dirty="0" err="1"/>
-              <a:t>mvn</a:t>
-            </a:r>
-            <a:r>
-              <a:rPr lang="en-US" sz="1800" dirty="0"/>
-              <a:t> </a:t>
-            </a:r>
-            <a:r>
-              <a:rPr lang="en-US" sz="1800" dirty="0" err="1"/>
-              <a:t>azure-webapp:deploy</a:t>
-            </a:r>
-            <a:endParaRPr lang="en-US" sz="1800" dirty="0"/>
-          </a:p>
-          <a:p>
-            <a:r>
-              <a:rPr lang="en-US" sz="1800" dirty="0"/>
-              <a:t>Visit the azure portal and access resource group and web app and invoke the endpoint using default domain</a:t>
-            </a:r>
-          </a:p>
-          <a:p>
-            <a:pPr marL="457200" lvl="1" indent="0">
-              <a:buNone/>
-            </a:pPr>
-            <a:endParaRPr lang="en-IN" dirty="0"/>
-          </a:p>
-          <a:p>
-            <a:pPr marL="914400" lvl="2" indent="0">
-              <a:buNone/>
-            </a:pPr>
-            <a:endParaRPr lang="en-US" dirty="0"/>
+              <a:rPr lang="en-IN" sz="1800" dirty="0"/>
+              <a:t>To the user, it looks like one file that is fast and easy to access.</a:t>
+            </a:r>
+          </a:p>
+          <a:p>
+            <a:r>
+              <a:rPr lang="en-IN" sz="2400" dirty="0"/>
+              <a:t>Each blob resides inside a container, which works like a digital folder. </a:t>
+            </a:r>
+          </a:p>
+          <a:p>
+            <a:r>
+              <a:rPr lang="en-IN" sz="2400" dirty="0"/>
+              <a:t>These Azure blob containers are grouped under a storage account and can hold petabytes of data. </a:t>
+            </a:r>
+          </a:p>
+          <a:p>
+            <a:endParaRPr lang="en-US" sz="2400" dirty="0"/>
           </a:p>
         </p:txBody>
       </p:sp>
     </p:spTree>
     <p:extLst>
       <p:ext uri="{BB962C8B-B14F-4D97-AF65-F5344CB8AC3E}">
-        <p14:creationId xmlns:p14="http://schemas.microsoft.com/office/powerpoint/2010/main" val="1248082352"/>
+        <p14:creationId xmlns:p14="http://schemas.microsoft.com/office/powerpoint/2010/main" val="761915428"/>
       </p:ext>
     </p:extLst>
   </p:cSld>
@@ -8823,7 +11568,7 @@
           <p:cNvPr id="2" name="Title 1">
             <a:extLst>
               <a:ext uri="{FF2B5EF4-FFF2-40B4-BE49-F238E27FC236}">
-                <a16:creationId xmlns:a16="http://schemas.microsoft.com/office/drawing/2014/main" id="{41561363-F738-0A20-1C7A-B93A80AD367E}"/>
+                <a16:creationId xmlns:a16="http://schemas.microsoft.com/office/drawing/2014/main" id="{67837BE3-8B2F-68D4-6580-A621B28EF493}"/>
               </a:ext>
             </a:extLst>
           </p:cNvPr>
@@ -8841,7 +11586,7 @@
           <a:p>
             <a:r>
               <a:rPr lang="en-US" dirty="0"/>
-              <a:t>Push a Docker Image </a:t>
+              <a:t>Azure Blob Storage</a:t>
             </a:r>
           </a:p>
         </p:txBody>
@@ -8851,7 +11596,7 @@
           <p:cNvPr id="3" name="Content Placeholder 2">
             <a:extLst>
               <a:ext uri="{FF2B5EF4-FFF2-40B4-BE49-F238E27FC236}">
-                <a16:creationId xmlns:a16="http://schemas.microsoft.com/office/drawing/2014/main" id="{9EC7883B-37EB-8AC2-F589-202100FE4C5F}"/>
+                <a16:creationId xmlns:a16="http://schemas.microsoft.com/office/drawing/2014/main" id="{54892D24-4E65-644C-CA3D-6686F1C9FEF8}"/>
               </a:ext>
             </a:extLst>
           </p:cNvPr>
@@ -8867,97 +11612,86 @@
           <a:bodyPr/>
           <a:lstStyle/>
           <a:p>
-            <a:r>
-              <a:rPr lang="en-IN" sz="1800" b="1" dirty="0"/>
-              <a:t>Azure Container Apps</a:t>
-            </a:r>
+            <a:pPr>
+              <a:lnSpc>
+                <a:spcPct val="150000"/>
+              </a:lnSpc>
+            </a:pPr>
             <a:r>
               <a:rPr lang="en-IN" sz="1800" dirty="0"/>
-              <a:t> supports images built for the </a:t>
-            </a:r>
-            <a:r>
-              <a:rPr lang="en-IN" sz="1800" b="1" dirty="0" err="1"/>
-              <a:t>linux</a:t>
-            </a:r>
-            <a:r>
-              <a:rPr lang="en-IN" sz="1800" b="1" dirty="0"/>
-              <a:t>/amd64</a:t>
-            </a:r>
+              <a:t>videos, images, and documents for apps and websites</a:t>
+            </a:r>
+          </a:p>
+          <a:p>
+            <a:pPr>
+              <a:lnSpc>
+                <a:spcPct val="150000"/>
+              </a:lnSpc>
+            </a:pPr>
             <a:r>
               <a:rPr lang="en-IN" sz="1800" dirty="0"/>
-              <a:t> (x86-64) architecture.</a:t>
-            </a:r>
-          </a:p>
-          <a:p>
-            <a:pPr lvl="1"/>
+              <a:t>Store audio and video content for streaming, sharing, or archiving</a:t>
+            </a:r>
+          </a:p>
+          <a:p>
+            <a:pPr>
+              <a:lnSpc>
+                <a:spcPct val="150000"/>
+              </a:lnSpc>
+            </a:pPr>
             <a:r>
               <a:rPr lang="en-IN" sz="1800" dirty="0"/>
-              <a:t>In Apple Silicon (M1/M2/M3), Docker defaults to creating a </a:t>
-            </a:r>
-            <a:r>
-              <a:rPr lang="en-IN" sz="1800" b="1" dirty="0" err="1"/>
-              <a:t>linux</a:t>
-            </a:r>
-            <a:r>
-              <a:rPr lang="en-IN" sz="1800" b="1" dirty="0"/>
-              <a:t>/arm64</a:t>
-            </a:r>
+              <a:t>Capture and update log files, application telemetry, and audit trails</a:t>
+            </a:r>
+          </a:p>
+          <a:p>
+            <a:pPr>
+              <a:lnSpc>
+                <a:spcPct val="150000"/>
+              </a:lnSpc>
+            </a:pPr>
             <a:r>
               <a:rPr lang="en-IN" sz="1800" dirty="0"/>
-              <a:t> image,</a:t>
-            </a:r>
-            <a:br>
+              <a:t>Backup data, disaster recovery, long-term archiving, and restore operations</a:t>
+            </a:r>
+          </a:p>
+          <a:p>
+            <a:pPr>
+              <a:lnSpc>
+                <a:spcPct val="150000"/>
+              </a:lnSpc>
+            </a:pPr>
+            <a:r>
               <a:rPr lang="en-IN" sz="1800" dirty="0"/>
-            </a:br>
-            <a:endParaRPr lang="en-US" sz="1800" dirty="0"/>
-          </a:p>
-          <a:p>
-            <a:pPr lvl="1"/>
-            <a:r>
-              <a:rPr lang="en-US" sz="2000" dirty="0"/>
-              <a:t>docker build --platform </a:t>
-            </a:r>
-            <a:r>
-              <a:rPr lang="en-US" sz="2000" dirty="0" err="1"/>
-              <a:t>linux</a:t>
-            </a:r>
-            <a:r>
-              <a:rPr lang="en-US" sz="2000" dirty="0"/>
-              <a:t>/amd64 -t </a:t>
-            </a:r>
-            <a:r>
-              <a:rPr lang="en-US" sz="2000" dirty="0" err="1"/>
-              <a:t>vatsank</a:t>
-            </a:r>
-            <a:r>
-              <a:rPr lang="en-US" sz="2000" dirty="0"/>
-              <a:t>/springrest:1.0 .</a:t>
+              <a:t>Store IoT data for sensor streams, device logs, and time-series data</a:t>
+            </a:r>
+          </a:p>
+          <a:p>
+            <a:pPr>
+              <a:lnSpc>
+                <a:spcPct val="150000"/>
+              </a:lnSpc>
+            </a:pPr>
+            <a:r>
+              <a:rPr lang="en-IN" sz="1800" dirty="0"/>
+              <a:t>Feed analytics pipelines and machine learning workflows with bulk data</a:t>
             </a:r>
           </a:p>
           <a:p>
             <a:pPr marL="0" indent="0">
+              <a:lnSpc>
+                <a:spcPct val="150000"/>
+              </a:lnSpc>
               <a:buNone/>
             </a:pPr>
-            <a:br>
-              <a:rPr lang="en-IN" dirty="0"/>
-            </a:br>
-            <a:endParaRPr lang="en-IN" dirty="0"/>
-          </a:p>
-          <a:p>
-            <a:endParaRPr lang="en-US" dirty="0"/>
-          </a:p>
-          <a:p>
-            <a:endParaRPr lang="en-US" dirty="0"/>
-          </a:p>
-          <a:p>
-            <a:endParaRPr lang="en-US" dirty="0"/>
+            <a:endParaRPr lang="en-US" sz="1800" dirty="0"/>
           </a:p>
         </p:txBody>
       </p:sp>
     </p:spTree>
     <p:extLst>
       <p:ext uri="{BB962C8B-B14F-4D97-AF65-F5344CB8AC3E}">
-        <p14:creationId xmlns:p14="http://schemas.microsoft.com/office/powerpoint/2010/main" val="4246748711"/>
+        <p14:creationId xmlns:p14="http://schemas.microsoft.com/office/powerpoint/2010/main" val="3474573705"/>
       </p:ext>
     </p:extLst>
   </p:cSld>
